--- a/utilidades/UNO Display Cards.pptx
+++ b/utilidades/UNO Display Cards.pptx
@@ -10,6 +10,17 @@
     <p:sldId id="258" r:id="rId4"/>
     <p:sldId id="259" r:id="rId5"/>
     <p:sldId id="260" r:id="rId6"/>
+    <p:sldId id="271" r:id="rId7"/>
+    <p:sldId id="261" r:id="rId8"/>
+    <p:sldId id="262" r:id="rId9"/>
+    <p:sldId id="263" r:id="rId10"/>
+    <p:sldId id="264" r:id="rId11"/>
+    <p:sldId id="265" r:id="rId12"/>
+    <p:sldId id="266" r:id="rId13"/>
+    <p:sldId id="267" r:id="rId14"/>
+    <p:sldId id="268" r:id="rId15"/>
+    <p:sldId id="269" r:id="rId16"/>
+    <p:sldId id="270" r:id="rId17"/>
   </p:sldIdLst>
   <p:sldSz cx="14400213" cy="14400213"/>
   <p:notesSz cx="6858000" cy="9144000"/>
@@ -247,7 +258,7 @@
           <a:p>
             <a:fld id="{60A8FF54-54E9-46EC-8502-33A34D3C96F9}" type="datetimeFigureOut">
               <a:rPr lang="es-MX" smtClean="0"/>
-              <a:t>07/05/2024</a:t>
+              <a:t>13/05/2024</a:t>
             </a:fld>
             <a:endParaRPr lang="es-MX"/>
           </a:p>
@@ -417,7 +428,7 @@
           <a:p>
             <a:fld id="{60A8FF54-54E9-46EC-8502-33A34D3C96F9}" type="datetimeFigureOut">
               <a:rPr lang="es-MX" smtClean="0"/>
-              <a:t>07/05/2024</a:t>
+              <a:t>13/05/2024</a:t>
             </a:fld>
             <a:endParaRPr lang="es-MX"/>
           </a:p>
@@ -597,7 +608,7 @@
           <a:p>
             <a:fld id="{60A8FF54-54E9-46EC-8502-33A34D3C96F9}" type="datetimeFigureOut">
               <a:rPr lang="es-MX" smtClean="0"/>
-              <a:t>07/05/2024</a:t>
+              <a:t>13/05/2024</a:t>
             </a:fld>
             <a:endParaRPr lang="es-MX"/>
           </a:p>
@@ -767,7 +778,7 @@
           <a:p>
             <a:fld id="{60A8FF54-54E9-46EC-8502-33A34D3C96F9}" type="datetimeFigureOut">
               <a:rPr lang="es-MX" smtClean="0"/>
-              <a:t>07/05/2024</a:t>
+              <a:t>13/05/2024</a:t>
             </a:fld>
             <a:endParaRPr lang="es-MX"/>
           </a:p>
@@ -1011,7 +1022,7 @@
           <a:p>
             <a:fld id="{60A8FF54-54E9-46EC-8502-33A34D3C96F9}" type="datetimeFigureOut">
               <a:rPr lang="es-MX" smtClean="0"/>
-              <a:t>07/05/2024</a:t>
+              <a:t>13/05/2024</a:t>
             </a:fld>
             <a:endParaRPr lang="es-MX"/>
           </a:p>
@@ -1243,7 +1254,7 @@
           <a:p>
             <a:fld id="{60A8FF54-54E9-46EC-8502-33A34D3C96F9}" type="datetimeFigureOut">
               <a:rPr lang="es-MX" smtClean="0"/>
-              <a:t>07/05/2024</a:t>
+              <a:t>13/05/2024</a:t>
             </a:fld>
             <a:endParaRPr lang="es-MX"/>
           </a:p>
@@ -1610,7 +1621,7 @@
           <a:p>
             <a:fld id="{60A8FF54-54E9-46EC-8502-33A34D3C96F9}" type="datetimeFigureOut">
               <a:rPr lang="es-MX" smtClean="0"/>
-              <a:t>07/05/2024</a:t>
+              <a:t>13/05/2024</a:t>
             </a:fld>
             <a:endParaRPr lang="es-MX"/>
           </a:p>
@@ -1728,7 +1739,7 @@
           <a:p>
             <a:fld id="{60A8FF54-54E9-46EC-8502-33A34D3C96F9}" type="datetimeFigureOut">
               <a:rPr lang="es-MX" smtClean="0"/>
-              <a:t>07/05/2024</a:t>
+              <a:t>13/05/2024</a:t>
             </a:fld>
             <a:endParaRPr lang="es-MX"/>
           </a:p>
@@ -1823,7 +1834,7 @@
           <a:p>
             <a:fld id="{60A8FF54-54E9-46EC-8502-33A34D3C96F9}" type="datetimeFigureOut">
               <a:rPr lang="es-MX" smtClean="0"/>
-              <a:t>07/05/2024</a:t>
+              <a:t>13/05/2024</a:t>
             </a:fld>
             <a:endParaRPr lang="es-MX"/>
           </a:p>
@@ -2100,7 +2111,7 @@
           <a:p>
             <a:fld id="{60A8FF54-54E9-46EC-8502-33A34D3C96F9}" type="datetimeFigureOut">
               <a:rPr lang="es-MX" smtClean="0"/>
-              <a:t>07/05/2024</a:t>
+              <a:t>13/05/2024</a:t>
             </a:fld>
             <a:endParaRPr lang="es-MX"/>
           </a:p>
@@ -2357,7 +2368,7 @@
           <a:p>
             <a:fld id="{60A8FF54-54E9-46EC-8502-33A34D3C96F9}" type="datetimeFigureOut">
               <a:rPr lang="es-MX" smtClean="0"/>
-              <a:t>07/05/2024</a:t>
+              <a:t>13/05/2024</a:t>
             </a:fld>
             <a:endParaRPr lang="es-MX"/>
           </a:p>
@@ -2570,7 +2581,7 @@
           <a:p>
             <a:fld id="{60A8FF54-54E9-46EC-8502-33A34D3C96F9}" type="datetimeFigureOut">
               <a:rPr lang="es-MX" smtClean="0"/>
-              <a:t>07/05/2024</a:t>
+              <a:t>13/05/2024</a:t>
             </a:fld>
             <a:endParaRPr lang="es-MX"/>
           </a:p>
@@ -4414,6 +4425,5413 @@
 </p:sld>
 </file>
 
+<file path=ppt/slides/slide10.xml><?xml version="1.0" encoding="utf-8"?>
+<p:sld xmlns:a="http://schemas.openxmlformats.org/drawingml/2006/main" xmlns:r="http://schemas.openxmlformats.org/officeDocument/2006/relationships" xmlns:p="http://schemas.openxmlformats.org/presentationml/2006/main">
+  <p:cSld>
+    <p:bg>
+      <p:bgPr>
+        <a:solidFill>
+          <a:schemeClr val="bg2">
+            <a:lumMod val="90000"/>
+          </a:schemeClr>
+        </a:solidFill>
+        <a:effectLst/>
+      </p:bgPr>
+    </p:bg>
+    <p:spTree>
+      <p:nvGrpSpPr>
+        <p:cNvPr id="1" name=""/>
+        <p:cNvGrpSpPr/>
+        <p:nvPr/>
+      </p:nvGrpSpPr>
+      <p:grpSpPr>
+        <a:xfrm>
+          <a:off x="0" y="0"/>
+          <a:ext cx="0" cy="0"/>
+          <a:chOff x="0" y="0"/>
+          <a:chExt cx="0" cy="0"/>
+        </a:xfrm>
+      </p:grpSpPr>
+      <p:grpSp>
+        <p:nvGrpSpPr>
+          <p:cNvPr id="4" name="Group 3">
+            <a:extLst>
+              <a:ext uri="{FF2B5EF4-FFF2-40B4-BE49-F238E27FC236}">
+                <a16:creationId xmlns:a16="http://schemas.microsoft.com/office/drawing/2014/main" id="{254FCC9F-EF0D-0BE1-BDF4-4E6F2F2F07F1}"/>
+              </a:ext>
+            </a:extLst>
+          </p:cNvPr>
+          <p:cNvGrpSpPr/>
+          <p:nvPr/>
+        </p:nvGrpSpPr>
+        <p:grpSpPr>
+          <a:xfrm rot="9195275">
+            <a:off x="3429148" y="2674376"/>
+            <a:ext cx="7541915" cy="9051460"/>
+            <a:chOff x="6863007" y="4229788"/>
+            <a:chExt cx="6097126" cy="7317492"/>
+          </a:xfrm>
+        </p:grpSpPr>
+        <p:grpSp>
+          <p:nvGrpSpPr>
+            <p:cNvPr id="8" name="Group 7">
+              <a:extLst>
+                <a:ext uri="{FF2B5EF4-FFF2-40B4-BE49-F238E27FC236}">
+                  <a16:creationId xmlns:a16="http://schemas.microsoft.com/office/drawing/2014/main" id="{AEC5F9A4-0567-5926-C6B2-7518A34836B9}"/>
+                </a:ext>
+              </a:extLst>
+            </p:cNvPr>
+            <p:cNvGrpSpPr/>
+            <p:nvPr/>
+          </p:nvGrpSpPr>
+          <p:grpSpPr>
+            <a:xfrm rot="1092642">
+              <a:off x="6863007" y="4229788"/>
+              <a:ext cx="4766001" cy="6515279"/>
+              <a:chOff x="6650266" y="1664814"/>
+              <a:chExt cx="4766001" cy="6515279"/>
+            </a:xfrm>
+          </p:grpSpPr>
+          <p:grpSp>
+            <p:nvGrpSpPr>
+              <p:cNvPr id="15" name="Group 14">
+                <a:extLst>
+                  <a:ext uri="{FF2B5EF4-FFF2-40B4-BE49-F238E27FC236}">
+                    <a16:creationId xmlns:a16="http://schemas.microsoft.com/office/drawing/2014/main" id="{84173D99-12B4-169E-BC12-FFE5A82E02E3}"/>
+                  </a:ext>
+                </a:extLst>
+              </p:cNvPr>
+              <p:cNvGrpSpPr/>
+              <p:nvPr/>
+            </p:nvGrpSpPr>
+            <p:grpSpPr>
+              <a:xfrm>
+                <a:off x="6764311" y="1664814"/>
+                <a:ext cx="4141894" cy="6515279"/>
+                <a:chOff x="5240311" y="1664813"/>
+                <a:chExt cx="4141894" cy="6515279"/>
+              </a:xfrm>
+            </p:grpSpPr>
+            <p:sp>
+              <p:nvSpPr>
+                <p:cNvPr id="17" name="Rectangle: Rounded Corners 16">
+                  <a:extLst>
+                    <a:ext uri="{FF2B5EF4-FFF2-40B4-BE49-F238E27FC236}">
+                      <a16:creationId xmlns:a16="http://schemas.microsoft.com/office/drawing/2014/main" id="{D1F60516-79F3-FB26-B96D-253AA099D7B7}"/>
+                    </a:ext>
+                  </a:extLst>
+                </p:cNvPr>
+                <p:cNvSpPr/>
+                <p:nvPr/>
+              </p:nvSpPr>
+              <p:spPr>
+                <a:xfrm>
+                  <a:off x="5240311" y="1664813"/>
+                  <a:ext cx="4141894" cy="6515279"/>
+                </a:xfrm>
+                <a:prstGeom prst="roundRect">
+                  <a:avLst>
+                    <a:gd name="adj" fmla="val 5050"/>
+                  </a:avLst>
+                </a:prstGeom>
+                <a:solidFill>
+                  <a:schemeClr val="tx1">
+                    <a:lumMod val="85000"/>
+                    <a:lumOff val="15000"/>
+                  </a:schemeClr>
+                </a:solidFill>
+                <a:ln w="254000">
+                  <a:noFill/>
+                </a:ln>
+              </p:spPr>
+              <p:style>
+                <a:lnRef idx="2">
+                  <a:schemeClr val="accent1">
+                    <a:shade val="15000"/>
+                  </a:schemeClr>
+                </a:lnRef>
+                <a:fillRef idx="1">
+                  <a:schemeClr val="accent1"/>
+                </a:fillRef>
+                <a:effectRef idx="0">
+                  <a:schemeClr val="accent1"/>
+                </a:effectRef>
+                <a:fontRef idx="minor">
+                  <a:schemeClr val="lt1"/>
+                </a:fontRef>
+              </p:style>
+              <p:txBody>
+                <a:bodyPr rtlCol="0" anchor="ctr"/>
+                <a:lstStyle/>
+                <a:p>
+                  <a:pPr algn="ctr"/>
+                  <a:endParaRPr lang="es-MX" sz="3298"/>
+                </a:p>
+              </p:txBody>
+            </p:sp>
+            <p:sp>
+              <p:nvSpPr>
+                <p:cNvPr id="18" name="Oval 17">
+                  <a:extLst>
+                    <a:ext uri="{FF2B5EF4-FFF2-40B4-BE49-F238E27FC236}">
+                      <a16:creationId xmlns:a16="http://schemas.microsoft.com/office/drawing/2014/main" id="{A7BC488B-AF19-B805-3115-05FFA563557E}"/>
+                    </a:ext>
+                  </a:extLst>
+                </p:cNvPr>
+                <p:cNvSpPr/>
+                <p:nvPr/>
+              </p:nvSpPr>
+              <p:spPr>
+                <a:xfrm rot="1915889">
+                  <a:off x="5702153" y="1999460"/>
+                  <a:ext cx="3262843" cy="5927847"/>
+                </a:xfrm>
+                <a:prstGeom prst="ellipse">
+                  <a:avLst/>
+                </a:prstGeom>
+                <a:solidFill>
+                  <a:srgbClr val="F71A09"/>
+                </a:solidFill>
+                <a:ln>
+                  <a:noFill/>
+                </a:ln>
+              </p:spPr>
+              <p:style>
+                <a:lnRef idx="2">
+                  <a:schemeClr val="accent1">
+                    <a:shade val="15000"/>
+                  </a:schemeClr>
+                </a:lnRef>
+                <a:fillRef idx="1">
+                  <a:schemeClr val="accent1"/>
+                </a:fillRef>
+                <a:effectRef idx="0">
+                  <a:schemeClr val="accent1"/>
+                </a:effectRef>
+                <a:fontRef idx="minor">
+                  <a:schemeClr val="lt1"/>
+                </a:fontRef>
+              </p:style>
+              <p:txBody>
+                <a:bodyPr rtlCol="0" anchor="ctr"/>
+                <a:lstStyle/>
+                <a:p>
+                  <a:pPr algn="ctr"/>
+                  <a:endParaRPr lang="es-MX" sz="3298"/>
+                </a:p>
+              </p:txBody>
+            </p:sp>
+            <p:sp>
+              <p:nvSpPr>
+                <p:cNvPr id="19" name="Rectangle: Rounded Corners 18">
+                  <a:extLst>
+                    <a:ext uri="{FF2B5EF4-FFF2-40B4-BE49-F238E27FC236}">
+                      <a16:creationId xmlns:a16="http://schemas.microsoft.com/office/drawing/2014/main" id="{1D499A67-1D0F-38EA-0FC3-2877EF1CEAEC}"/>
+                    </a:ext>
+                  </a:extLst>
+                </p:cNvPr>
+                <p:cNvSpPr/>
+                <p:nvPr/>
+              </p:nvSpPr>
+              <p:spPr>
+                <a:xfrm>
+                  <a:off x="5240311" y="1664813"/>
+                  <a:ext cx="4141894" cy="6515279"/>
+                </a:xfrm>
+                <a:prstGeom prst="roundRect">
+                  <a:avLst>
+                    <a:gd name="adj" fmla="val 8121"/>
+                  </a:avLst>
+                </a:prstGeom>
+                <a:noFill/>
+                <a:ln w="254000">
+                  <a:solidFill>
+                    <a:schemeClr val="bg1"/>
+                  </a:solidFill>
+                </a:ln>
+              </p:spPr>
+              <p:style>
+                <a:lnRef idx="2">
+                  <a:schemeClr val="accent1">
+                    <a:shade val="15000"/>
+                  </a:schemeClr>
+                </a:lnRef>
+                <a:fillRef idx="1">
+                  <a:schemeClr val="accent1"/>
+                </a:fillRef>
+                <a:effectRef idx="0">
+                  <a:schemeClr val="accent1"/>
+                </a:effectRef>
+                <a:fontRef idx="minor">
+                  <a:schemeClr val="lt1"/>
+                </a:fontRef>
+              </p:style>
+              <p:txBody>
+                <a:bodyPr rtlCol="0" anchor="ctr"/>
+                <a:lstStyle/>
+                <a:p>
+                  <a:pPr algn="ctr"/>
+                  <a:endParaRPr lang="es-MX" sz="3298"/>
+                </a:p>
+              </p:txBody>
+            </p:sp>
+          </p:grpSp>
+          <p:sp>
+            <p:nvSpPr>
+              <p:cNvPr id="16" name="TextBox 15">
+                <a:extLst>
+                  <a:ext uri="{FF2B5EF4-FFF2-40B4-BE49-F238E27FC236}">
+                    <a16:creationId xmlns:a16="http://schemas.microsoft.com/office/drawing/2014/main" id="{2CF5AC5C-AA6B-D9D9-9813-98B50E6AD6B7}"/>
+                  </a:ext>
+                </a:extLst>
+              </p:cNvPr>
+              <p:cNvSpPr txBox="1"/>
+              <p:nvPr/>
+            </p:nvSpPr>
+            <p:spPr>
+              <a:xfrm rot="20441340">
+                <a:off x="6650266" y="3911801"/>
+                <a:ext cx="4766001" cy="2092714"/>
+              </a:xfrm>
+              <a:prstGeom prst="rect">
+                <a:avLst/>
+              </a:prstGeom>
+              <a:noFill/>
+            </p:spPr>
+            <p:txBody>
+              <a:bodyPr wrap="square" rtlCol="0">
+                <a:spAutoFit/>
+              </a:bodyPr>
+              <a:lstStyle/>
+              <a:p>
+                <a:r>
+                  <a:rPr lang="en-US" sz="18029" dirty="0">
+                    <a:ln w="63500" cap="rnd">
+                      <a:solidFill>
+                        <a:schemeClr val="tx1"/>
+                      </a:solidFill>
+                    </a:ln>
+                    <a:solidFill>
+                      <a:srgbClr val="FFCD2F"/>
+                    </a:solidFill>
+                    <a:effectLst>
+                      <a:glow rad="50800">
+                        <a:schemeClr val="bg1"/>
+                      </a:glow>
+                      <a:outerShdw dist="76200" dir="9000000" algn="tr" rotWithShape="0">
+                        <a:prstClr val="black"/>
+                      </a:outerShdw>
+                    </a:effectLst>
+                    <a:latin typeface="Aharoni" panose="02010803020104030203" pitchFamily="2" charset="-79"/>
+                    <a:cs typeface="Aharoni" panose="02010803020104030203" pitchFamily="2" charset="-79"/>
+                  </a:rPr>
+                  <a:t>ONU</a:t>
+                </a:r>
+                <a:endParaRPr lang="es-MX" sz="18029" dirty="0">
+                  <a:ln w="63500" cap="rnd">
+                    <a:solidFill>
+                      <a:schemeClr val="tx1"/>
+                    </a:solidFill>
+                  </a:ln>
+                  <a:solidFill>
+                    <a:srgbClr val="FFCD2F"/>
+                  </a:solidFill>
+                  <a:effectLst>
+                    <a:glow rad="50800">
+                      <a:schemeClr val="bg1"/>
+                    </a:glow>
+                    <a:outerShdw dist="76200" dir="9000000" algn="tr" rotWithShape="0">
+                      <a:prstClr val="black"/>
+                    </a:outerShdw>
+                  </a:effectLst>
+                  <a:latin typeface="Aharoni" panose="02010803020104030203" pitchFamily="2" charset="-79"/>
+                  <a:cs typeface="Aharoni" panose="02010803020104030203" pitchFamily="2" charset="-79"/>
+                </a:endParaRPr>
+              </a:p>
+            </p:txBody>
+          </p:sp>
+        </p:grpSp>
+        <p:grpSp>
+          <p:nvGrpSpPr>
+            <p:cNvPr id="9" name="Group 8">
+              <a:extLst>
+                <a:ext uri="{FF2B5EF4-FFF2-40B4-BE49-F238E27FC236}">
+                  <a16:creationId xmlns:a16="http://schemas.microsoft.com/office/drawing/2014/main" id="{60491D75-30FC-156D-5DA2-294B008B1B36}"/>
+                </a:ext>
+              </a:extLst>
+            </p:cNvPr>
+            <p:cNvGrpSpPr/>
+            <p:nvPr/>
+          </p:nvGrpSpPr>
+          <p:grpSpPr>
+            <a:xfrm rot="1967284">
+              <a:off x="8194132" y="5032001"/>
+              <a:ext cx="4766001" cy="6515279"/>
+              <a:chOff x="6650267" y="1664814"/>
+              <a:chExt cx="4766001" cy="6515279"/>
+            </a:xfrm>
+          </p:grpSpPr>
+          <p:grpSp>
+            <p:nvGrpSpPr>
+              <p:cNvPr id="10" name="Group 9">
+                <a:extLst>
+                  <a:ext uri="{FF2B5EF4-FFF2-40B4-BE49-F238E27FC236}">
+                    <a16:creationId xmlns:a16="http://schemas.microsoft.com/office/drawing/2014/main" id="{8C2D8F3F-1284-E802-DBC1-7ED752F4B632}"/>
+                  </a:ext>
+                </a:extLst>
+              </p:cNvPr>
+              <p:cNvGrpSpPr/>
+              <p:nvPr/>
+            </p:nvGrpSpPr>
+            <p:grpSpPr>
+              <a:xfrm>
+                <a:off x="6764311" y="1664814"/>
+                <a:ext cx="4141894" cy="6515279"/>
+                <a:chOff x="5240311" y="1664813"/>
+                <a:chExt cx="4141894" cy="6515279"/>
+              </a:xfrm>
+            </p:grpSpPr>
+            <p:sp>
+              <p:nvSpPr>
+                <p:cNvPr id="12" name="Rectangle: Rounded Corners 11">
+                  <a:extLst>
+                    <a:ext uri="{FF2B5EF4-FFF2-40B4-BE49-F238E27FC236}">
+                      <a16:creationId xmlns:a16="http://schemas.microsoft.com/office/drawing/2014/main" id="{45D9F87D-BC78-B51A-06DF-7843EED464C2}"/>
+                    </a:ext>
+                  </a:extLst>
+                </p:cNvPr>
+                <p:cNvSpPr/>
+                <p:nvPr/>
+              </p:nvSpPr>
+              <p:spPr>
+                <a:xfrm>
+                  <a:off x="5240311" y="1664813"/>
+                  <a:ext cx="4141894" cy="6515279"/>
+                </a:xfrm>
+                <a:prstGeom prst="roundRect">
+                  <a:avLst>
+                    <a:gd name="adj" fmla="val 5050"/>
+                  </a:avLst>
+                </a:prstGeom>
+                <a:solidFill>
+                  <a:schemeClr val="tx1">
+                    <a:lumMod val="85000"/>
+                    <a:lumOff val="15000"/>
+                  </a:schemeClr>
+                </a:solidFill>
+                <a:ln w="254000">
+                  <a:noFill/>
+                </a:ln>
+              </p:spPr>
+              <p:style>
+                <a:lnRef idx="2">
+                  <a:schemeClr val="accent1">
+                    <a:shade val="15000"/>
+                  </a:schemeClr>
+                </a:lnRef>
+                <a:fillRef idx="1">
+                  <a:schemeClr val="accent1"/>
+                </a:fillRef>
+                <a:effectRef idx="0">
+                  <a:schemeClr val="accent1"/>
+                </a:effectRef>
+                <a:fontRef idx="minor">
+                  <a:schemeClr val="lt1"/>
+                </a:fontRef>
+              </p:style>
+              <p:txBody>
+                <a:bodyPr rtlCol="0" anchor="ctr"/>
+                <a:lstStyle/>
+                <a:p>
+                  <a:pPr algn="ctr"/>
+                  <a:endParaRPr lang="es-MX" sz="3298"/>
+                </a:p>
+              </p:txBody>
+            </p:sp>
+            <p:sp>
+              <p:nvSpPr>
+                <p:cNvPr id="13" name="Oval 12">
+                  <a:extLst>
+                    <a:ext uri="{FF2B5EF4-FFF2-40B4-BE49-F238E27FC236}">
+                      <a16:creationId xmlns:a16="http://schemas.microsoft.com/office/drawing/2014/main" id="{C5E77EB6-7FFA-F86C-FCFE-29DAD1C904E6}"/>
+                    </a:ext>
+                  </a:extLst>
+                </p:cNvPr>
+                <p:cNvSpPr/>
+                <p:nvPr/>
+              </p:nvSpPr>
+              <p:spPr>
+                <a:xfrm rot="1915889">
+                  <a:off x="5702153" y="1999460"/>
+                  <a:ext cx="3262843" cy="5927847"/>
+                </a:xfrm>
+                <a:prstGeom prst="ellipse">
+                  <a:avLst/>
+                </a:prstGeom>
+                <a:solidFill>
+                  <a:srgbClr val="F71A09"/>
+                </a:solidFill>
+                <a:ln>
+                  <a:noFill/>
+                </a:ln>
+              </p:spPr>
+              <p:style>
+                <a:lnRef idx="2">
+                  <a:schemeClr val="accent1">
+                    <a:shade val="15000"/>
+                  </a:schemeClr>
+                </a:lnRef>
+                <a:fillRef idx="1">
+                  <a:schemeClr val="accent1"/>
+                </a:fillRef>
+                <a:effectRef idx="0">
+                  <a:schemeClr val="accent1"/>
+                </a:effectRef>
+                <a:fontRef idx="minor">
+                  <a:schemeClr val="lt1"/>
+                </a:fontRef>
+              </p:style>
+              <p:txBody>
+                <a:bodyPr rtlCol="0" anchor="ctr"/>
+                <a:lstStyle/>
+                <a:p>
+                  <a:pPr algn="ctr"/>
+                  <a:endParaRPr lang="es-MX" sz="3298"/>
+                </a:p>
+              </p:txBody>
+            </p:sp>
+            <p:sp>
+              <p:nvSpPr>
+                <p:cNvPr id="14" name="Rectangle: Rounded Corners 13">
+                  <a:extLst>
+                    <a:ext uri="{FF2B5EF4-FFF2-40B4-BE49-F238E27FC236}">
+                      <a16:creationId xmlns:a16="http://schemas.microsoft.com/office/drawing/2014/main" id="{2448E865-F119-6C61-9C15-2C31A25DD0E4}"/>
+                    </a:ext>
+                  </a:extLst>
+                </p:cNvPr>
+                <p:cNvSpPr/>
+                <p:nvPr/>
+              </p:nvSpPr>
+              <p:spPr>
+                <a:xfrm>
+                  <a:off x="5240311" y="1664813"/>
+                  <a:ext cx="4141894" cy="6515279"/>
+                </a:xfrm>
+                <a:prstGeom prst="roundRect">
+                  <a:avLst>
+                    <a:gd name="adj" fmla="val 8121"/>
+                  </a:avLst>
+                </a:prstGeom>
+                <a:noFill/>
+                <a:ln w="254000">
+                  <a:solidFill>
+                    <a:schemeClr val="bg1"/>
+                  </a:solidFill>
+                </a:ln>
+              </p:spPr>
+              <p:style>
+                <a:lnRef idx="2">
+                  <a:schemeClr val="accent1">
+                    <a:shade val="15000"/>
+                  </a:schemeClr>
+                </a:lnRef>
+                <a:fillRef idx="1">
+                  <a:schemeClr val="accent1"/>
+                </a:fillRef>
+                <a:effectRef idx="0">
+                  <a:schemeClr val="accent1"/>
+                </a:effectRef>
+                <a:fontRef idx="minor">
+                  <a:schemeClr val="lt1"/>
+                </a:fontRef>
+              </p:style>
+              <p:txBody>
+                <a:bodyPr rtlCol="0" anchor="ctr"/>
+                <a:lstStyle/>
+                <a:p>
+                  <a:pPr algn="ctr"/>
+                  <a:endParaRPr lang="es-MX" sz="3298"/>
+                </a:p>
+              </p:txBody>
+            </p:sp>
+          </p:grpSp>
+          <p:sp>
+            <p:nvSpPr>
+              <p:cNvPr id="11" name="TextBox 10">
+                <a:extLst>
+                  <a:ext uri="{FF2B5EF4-FFF2-40B4-BE49-F238E27FC236}">
+                    <a16:creationId xmlns:a16="http://schemas.microsoft.com/office/drawing/2014/main" id="{72F31286-F687-4CD2-1F48-AD6ABA931FE2}"/>
+                  </a:ext>
+                </a:extLst>
+              </p:cNvPr>
+              <p:cNvSpPr txBox="1"/>
+              <p:nvPr/>
+            </p:nvSpPr>
+            <p:spPr>
+              <a:xfrm rot="20441340">
+                <a:off x="6650267" y="3911801"/>
+                <a:ext cx="4766001" cy="2092714"/>
+              </a:xfrm>
+              <a:prstGeom prst="rect">
+                <a:avLst/>
+              </a:prstGeom>
+              <a:noFill/>
+            </p:spPr>
+            <p:txBody>
+              <a:bodyPr wrap="square" rtlCol="0">
+                <a:spAutoFit/>
+              </a:bodyPr>
+              <a:lstStyle/>
+              <a:p>
+                <a:r>
+                  <a:rPr lang="en-US" sz="18029" dirty="0">
+                    <a:ln w="63500" cap="rnd">
+                      <a:solidFill>
+                        <a:schemeClr val="tx1"/>
+                      </a:solidFill>
+                    </a:ln>
+                    <a:solidFill>
+                      <a:srgbClr val="FFCD2F"/>
+                    </a:solidFill>
+                    <a:effectLst>
+                      <a:glow rad="50800">
+                        <a:schemeClr val="bg1"/>
+                      </a:glow>
+                      <a:outerShdw dist="76200" dir="9000000" algn="tr" rotWithShape="0">
+                        <a:prstClr val="black"/>
+                      </a:outerShdw>
+                    </a:effectLst>
+                    <a:latin typeface="Aharoni" panose="02010803020104030203" pitchFamily="2" charset="-79"/>
+                    <a:cs typeface="Aharoni" panose="02010803020104030203" pitchFamily="2" charset="-79"/>
+                  </a:rPr>
+                  <a:t>ONU</a:t>
+                </a:r>
+                <a:endParaRPr lang="es-MX" sz="18029" dirty="0">
+                  <a:ln w="63500" cap="rnd">
+                    <a:solidFill>
+                      <a:schemeClr val="tx1"/>
+                    </a:solidFill>
+                  </a:ln>
+                  <a:solidFill>
+                    <a:srgbClr val="FFCD2F"/>
+                  </a:solidFill>
+                  <a:effectLst>
+                    <a:glow rad="50800">
+                      <a:schemeClr val="bg1"/>
+                    </a:glow>
+                    <a:outerShdw dist="76200" dir="9000000" algn="tr" rotWithShape="0">
+                      <a:prstClr val="black"/>
+                    </a:outerShdw>
+                  </a:effectLst>
+                  <a:latin typeface="Aharoni" panose="02010803020104030203" pitchFamily="2" charset="-79"/>
+                  <a:cs typeface="Aharoni" panose="02010803020104030203" pitchFamily="2" charset="-79"/>
+                </a:endParaRPr>
+              </a:p>
+            </p:txBody>
+          </p:sp>
+        </p:grpSp>
+      </p:grpSp>
+    </p:spTree>
+    <p:extLst>
+      <p:ext uri="{BB962C8B-B14F-4D97-AF65-F5344CB8AC3E}">
+        <p14:creationId xmlns:p14="http://schemas.microsoft.com/office/powerpoint/2010/main" val="1006650951"/>
+      </p:ext>
+    </p:extLst>
+  </p:cSld>
+  <p:clrMapOvr>
+    <a:masterClrMapping/>
+  </p:clrMapOvr>
+</p:sld>
+</file>
+
+<file path=ppt/slides/slide11.xml><?xml version="1.0" encoding="utf-8"?>
+<p:sld xmlns:a="http://schemas.openxmlformats.org/drawingml/2006/main" xmlns:r="http://schemas.openxmlformats.org/officeDocument/2006/relationships" xmlns:p="http://schemas.openxmlformats.org/presentationml/2006/main">
+  <p:cSld>
+    <p:bg>
+      <p:bgPr>
+        <a:solidFill>
+          <a:schemeClr val="bg2">
+            <a:lumMod val="90000"/>
+          </a:schemeClr>
+        </a:solidFill>
+        <a:effectLst/>
+      </p:bgPr>
+    </p:bg>
+    <p:spTree>
+      <p:nvGrpSpPr>
+        <p:cNvPr id="1" name=""/>
+        <p:cNvGrpSpPr/>
+        <p:nvPr/>
+      </p:nvGrpSpPr>
+      <p:grpSpPr>
+        <a:xfrm>
+          <a:off x="0" y="0"/>
+          <a:ext cx="0" cy="0"/>
+          <a:chOff x="0" y="0"/>
+          <a:chExt cx="0" cy="0"/>
+        </a:xfrm>
+      </p:grpSpPr>
+      <p:grpSp>
+        <p:nvGrpSpPr>
+          <p:cNvPr id="9" name="Group 8">
+            <a:extLst>
+              <a:ext uri="{FF2B5EF4-FFF2-40B4-BE49-F238E27FC236}">
+                <a16:creationId xmlns:a16="http://schemas.microsoft.com/office/drawing/2014/main" id="{60491D75-30FC-156D-5DA2-294B008B1B36}"/>
+              </a:ext>
+            </a:extLst>
+          </p:cNvPr>
+          <p:cNvGrpSpPr/>
+          <p:nvPr/>
+        </p:nvGrpSpPr>
+        <p:grpSpPr>
+          <a:xfrm rot="10800000">
+            <a:off x="4252424" y="3170529"/>
+            <a:ext cx="5895363" cy="8059153"/>
+            <a:chOff x="6650267" y="1664814"/>
+            <a:chExt cx="4766001" cy="6515279"/>
+          </a:xfrm>
+        </p:grpSpPr>
+        <p:grpSp>
+          <p:nvGrpSpPr>
+            <p:cNvPr id="10" name="Group 9">
+              <a:extLst>
+                <a:ext uri="{FF2B5EF4-FFF2-40B4-BE49-F238E27FC236}">
+                  <a16:creationId xmlns:a16="http://schemas.microsoft.com/office/drawing/2014/main" id="{8C2D8F3F-1284-E802-DBC1-7ED752F4B632}"/>
+                </a:ext>
+              </a:extLst>
+            </p:cNvPr>
+            <p:cNvGrpSpPr/>
+            <p:nvPr/>
+          </p:nvGrpSpPr>
+          <p:grpSpPr>
+            <a:xfrm>
+              <a:off x="6764311" y="1664814"/>
+              <a:ext cx="4141894" cy="6515279"/>
+              <a:chOff x="5240311" y="1664813"/>
+              <a:chExt cx="4141894" cy="6515279"/>
+            </a:xfrm>
+          </p:grpSpPr>
+          <p:sp>
+            <p:nvSpPr>
+              <p:cNvPr id="12" name="Rectangle: Rounded Corners 11">
+                <a:extLst>
+                  <a:ext uri="{FF2B5EF4-FFF2-40B4-BE49-F238E27FC236}">
+                    <a16:creationId xmlns:a16="http://schemas.microsoft.com/office/drawing/2014/main" id="{45D9F87D-BC78-B51A-06DF-7843EED464C2}"/>
+                  </a:ext>
+                </a:extLst>
+              </p:cNvPr>
+              <p:cNvSpPr/>
+              <p:nvPr/>
+            </p:nvSpPr>
+            <p:spPr>
+              <a:xfrm>
+                <a:off x="5240311" y="1664813"/>
+                <a:ext cx="4141894" cy="6515279"/>
+              </a:xfrm>
+              <a:prstGeom prst="roundRect">
+                <a:avLst>
+                  <a:gd name="adj" fmla="val 5050"/>
+                </a:avLst>
+              </a:prstGeom>
+              <a:solidFill>
+                <a:schemeClr val="tx1">
+                  <a:lumMod val="85000"/>
+                  <a:lumOff val="15000"/>
+                </a:schemeClr>
+              </a:solidFill>
+              <a:ln w="254000">
+                <a:noFill/>
+              </a:ln>
+            </p:spPr>
+            <p:style>
+              <a:lnRef idx="2">
+                <a:schemeClr val="accent1">
+                  <a:shade val="15000"/>
+                </a:schemeClr>
+              </a:lnRef>
+              <a:fillRef idx="1">
+                <a:schemeClr val="accent1"/>
+              </a:fillRef>
+              <a:effectRef idx="0">
+                <a:schemeClr val="accent1"/>
+              </a:effectRef>
+              <a:fontRef idx="minor">
+                <a:schemeClr val="lt1"/>
+              </a:fontRef>
+            </p:style>
+            <p:txBody>
+              <a:bodyPr rtlCol="0" anchor="ctr"/>
+              <a:lstStyle/>
+              <a:p>
+                <a:pPr algn="ctr"/>
+                <a:endParaRPr lang="es-MX" sz="3298"/>
+              </a:p>
+            </p:txBody>
+          </p:sp>
+          <p:sp>
+            <p:nvSpPr>
+              <p:cNvPr id="13" name="Oval 12">
+                <a:extLst>
+                  <a:ext uri="{FF2B5EF4-FFF2-40B4-BE49-F238E27FC236}">
+                    <a16:creationId xmlns:a16="http://schemas.microsoft.com/office/drawing/2014/main" id="{C5E77EB6-7FFA-F86C-FCFE-29DAD1C904E6}"/>
+                  </a:ext>
+                </a:extLst>
+              </p:cNvPr>
+              <p:cNvSpPr/>
+              <p:nvPr/>
+            </p:nvSpPr>
+            <p:spPr>
+              <a:xfrm rot="1915889">
+                <a:off x="5702153" y="1999460"/>
+                <a:ext cx="3262843" cy="5927847"/>
+              </a:xfrm>
+              <a:prstGeom prst="ellipse">
+                <a:avLst/>
+              </a:prstGeom>
+              <a:solidFill>
+                <a:srgbClr val="F71A09"/>
+              </a:solidFill>
+              <a:ln>
+                <a:noFill/>
+              </a:ln>
+            </p:spPr>
+            <p:style>
+              <a:lnRef idx="2">
+                <a:schemeClr val="accent1">
+                  <a:shade val="15000"/>
+                </a:schemeClr>
+              </a:lnRef>
+              <a:fillRef idx="1">
+                <a:schemeClr val="accent1"/>
+              </a:fillRef>
+              <a:effectRef idx="0">
+                <a:schemeClr val="accent1"/>
+              </a:effectRef>
+              <a:fontRef idx="minor">
+                <a:schemeClr val="lt1"/>
+              </a:fontRef>
+            </p:style>
+            <p:txBody>
+              <a:bodyPr rtlCol="0" anchor="ctr"/>
+              <a:lstStyle/>
+              <a:p>
+                <a:pPr algn="ctr"/>
+                <a:endParaRPr lang="es-MX" sz="3298"/>
+              </a:p>
+            </p:txBody>
+          </p:sp>
+          <p:sp>
+            <p:nvSpPr>
+              <p:cNvPr id="14" name="Rectangle: Rounded Corners 13">
+                <a:extLst>
+                  <a:ext uri="{FF2B5EF4-FFF2-40B4-BE49-F238E27FC236}">
+                    <a16:creationId xmlns:a16="http://schemas.microsoft.com/office/drawing/2014/main" id="{2448E865-F119-6C61-9C15-2C31A25DD0E4}"/>
+                  </a:ext>
+                </a:extLst>
+              </p:cNvPr>
+              <p:cNvSpPr/>
+              <p:nvPr/>
+            </p:nvSpPr>
+            <p:spPr>
+              <a:xfrm>
+                <a:off x="5240311" y="1664813"/>
+                <a:ext cx="4141894" cy="6515279"/>
+              </a:xfrm>
+              <a:prstGeom prst="roundRect">
+                <a:avLst>
+                  <a:gd name="adj" fmla="val 8121"/>
+                </a:avLst>
+              </a:prstGeom>
+              <a:noFill/>
+              <a:ln w="254000">
+                <a:solidFill>
+                  <a:schemeClr val="bg1"/>
+                </a:solidFill>
+              </a:ln>
+            </p:spPr>
+            <p:style>
+              <a:lnRef idx="2">
+                <a:schemeClr val="accent1">
+                  <a:shade val="15000"/>
+                </a:schemeClr>
+              </a:lnRef>
+              <a:fillRef idx="1">
+                <a:schemeClr val="accent1"/>
+              </a:fillRef>
+              <a:effectRef idx="0">
+                <a:schemeClr val="accent1"/>
+              </a:effectRef>
+              <a:fontRef idx="minor">
+                <a:schemeClr val="lt1"/>
+              </a:fontRef>
+            </p:style>
+            <p:txBody>
+              <a:bodyPr rtlCol="0" anchor="ctr"/>
+              <a:lstStyle/>
+              <a:p>
+                <a:pPr algn="ctr"/>
+                <a:endParaRPr lang="es-MX" sz="3298"/>
+              </a:p>
+            </p:txBody>
+          </p:sp>
+        </p:grpSp>
+        <p:sp>
+          <p:nvSpPr>
+            <p:cNvPr id="11" name="TextBox 10">
+              <a:extLst>
+                <a:ext uri="{FF2B5EF4-FFF2-40B4-BE49-F238E27FC236}">
+                  <a16:creationId xmlns:a16="http://schemas.microsoft.com/office/drawing/2014/main" id="{72F31286-F687-4CD2-1F48-AD6ABA931FE2}"/>
+                </a:ext>
+              </a:extLst>
+            </p:cNvPr>
+            <p:cNvSpPr txBox="1"/>
+            <p:nvPr/>
+          </p:nvSpPr>
+          <p:spPr>
+            <a:xfrm rot="20441340">
+              <a:off x="6650267" y="3911801"/>
+              <a:ext cx="4766001" cy="2092714"/>
+            </a:xfrm>
+            <a:prstGeom prst="rect">
+              <a:avLst/>
+            </a:prstGeom>
+            <a:noFill/>
+          </p:spPr>
+          <p:txBody>
+            <a:bodyPr wrap="square" rtlCol="0">
+              <a:spAutoFit/>
+            </a:bodyPr>
+            <a:lstStyle/>
+            <a:p>
+              <a:r>
+                <a:rPr lang="en-US" sz="18029" dirty="0">
+                  <a:ln w="63500" cap="rnd">
+                    <a:solidFill>
+                      <a:schemeClr val="tx1"/>
+                    </a:solidFill>
+                  </a:ln>
+                  <a:solidFill>
+                    <a:srgbClr val="FFCD2F"/>
+                  </a:solidFill>
+                  <a:effectLst>
+                    <a:glow rad="50800">
+                      <a:schemeClr val="bg1"/>
+                    </a:glow>
+                    <a:outerShdw dist="76200" dir="9000000" algn="tr" rotWithShape="0">
+                      <a:prstClr val="black"/>
+                    </a:outerShdw>
+                  </a:effectLst>
+                  <a:latin typeface="Aharoni" panose="02010803020104030203" pitchFamily="2" charset="-79"/>
+                  <a:cs typeface="Aharoni" panose="02010803020104030203" pitchFamily="2" charset="-79"/>
+                </a:rPr>
+                <a:t>ONU</a:t>
+              </a:r>
+              <a:endParaRPr lang="es-MX" sz="18029" dirty="0">
+                <a:ln w="63500" cap="rnd">
+                  <a:solidFill>
+                    <a:schemeClr val="tx1"/>
+                  </a:solidFill>
+                </a:ln>
+                <a:solidFill>
+                  <a:srgbClr val="FFCD2F"/>
+                </a:solidFill>
+                <a:effectLst>
+                  <a:glow rad="50800">
+                    <a:schemeClr val="bg1"/>
+                  </a:glow>
+                  <a:outerShdw dist="76200" dir="9000000" algn="tr" rotWithShape="0">
+                    <a:prstClr val="black"/>
+                  </a:outerShdw>
+                </a:effectLst>
+                <a:latin typeface="Aharoni" panose="02010803020104030203" pitchFamily="2" charset="-79"/>
+                <a:cs typeface="Aharoni" panose="02010803020104030203" pitchFamily="2" charset="-79"/>
+              </a:endParaRPr>
+            </a:p>
+          </p:txBody>
+        </p:sp>
+      </p:grpSp>
+    </p:spTree>
+    <p:extLst>
+      <p:ext uri="{BB962C8B-B14F-4D97-AF65-F5344CB8AC3E}">
+        <p14:creationId xmlns:p14="http://schemas.microsoft.com/office/powerpoint/2010/main" val="2589932796"/>
+      </p:ext>
+    </p:extLst>
+  </p:cSld>
+  <p:clrMapOvr>
+    <a:masterClrMapping/>
+  </p:clrMapOvr>
+</p:sld>
+</file>
+
+<file path=ppt/slides/slide12.xml><?xml version="1.0" encoding="utf-8"?>
+<p:sld xmlns:a="http://schemas.openxmlformats.org/drawingml/2006/main" xmlns:r="http://schemas.openxmlformats.org/officeDocument/2006/relationships" xmlns:p="http://schemas.openxmlformats.org/presentationml/2006/main">
+  <p:cSld>
+    <p:bg>
+      <p:bgPr>
+        <a:solidFill>
+          <a:schemeClr val="bg2">
+            <a:lumMod val="90000"/>
+          </a:schemeClr>
+        </a:solidFill>
+        <a:effectLst/>
+      </p:bgPr>
+    </p:bg>
+    <p:spTree>
+      <p:nvGrpSpPr>
+        <p:cNvPr id="1" name=""/>
+        <p:cNvGrpSpPr/>
+        <p:nvPr/>
+      </p:nvGrpSpPr>
+      <p:grpSpPr>
+        <a:xfrm>
+          <a:off x="0" y="0"/>
+          <a:ext cx="0" cy="0"/>
+          <a:chOff x="0" y="0"/>
+          <a:chExt cx="0" cy="0"/>
+        </a:xfrm>
+      </p:grpSpPr>
+      <p:grpSp>
+        <p:nvGrpSpPr>
+          <p:cNvPr id="4" name="Group 3">
+            <a:extLst>
+              <a:ext uri="{FF2B5EF4-FFF2-40B4-BE49-F238E27FC236}">
+                <a16:creationId xmlns:a16="http://schemas.microsoft.com/office/drawing/2014/main" id="{254FCC9F-EF0D-0BE1-BDF4-4E6F2F2F07F1}"/>
+              </a:ext>
+            </a:extLst>
+          </p:cNvPr>
+          <p:cNvGrpSpPr/>
+          <p:nvPr/>
+        </p:nvGrpSpPr>
+        <p:grpSpPr>
+          <a:xfrm rot="15650718">
+            <a:off x="1012174" y="2095800"/>
+            <a:ext cx="11949203" cy="9816135"/>
+            <a:chOff x="3300014" y="3611601"/>
+            <a:chExt cx="9660119" cy="7935679"/>
+          </a:xfrm>
+        </p:grpSpPr>
+        <p:grpSp>
+          <p:nvGrpSpPr>
+            <p:cNvPr id="5" name="Group 4">
+              <a:extLst>
+                <a:ext uri="{FF2B5EF4-FFF2-40B4-BE49-F238E27FC236}">
+                  <a16:creationId xmlns:a16="http://schemas.microsoft.com/office/drawing/2014/main" id="{E1614A4A-3D15-A9E8-DD77-8E6535C7FA43}"/>
+                </a:ext>
+              </a:extLst>
+            </p:cNvPr>
+            <p:cNvGrpSpPr/>
+            <p:nvPr/>
+          </p:nvGrpSpPr>
+          <p:grpSpPr>
+            <a:xfrm rot="20838067">
+              <a:off x="3300014" y="3611601"/>
+              <a:ext cx="4766001" cy="6515279"/>
+              <a:chOff x="6650266" y="1664814"/>
+              <a:chExt cx="4766001" cy="6515279"/>
+            </a:xfrm>
+          </p:grpSpPr>
+          <p:grpSp>
+            <p:nvGrpSpPr>
+              <p:cNvPr id="30" name="Group 29">
+                <a:extLst>
+                  <a:ext uri="{FF2B5EF4-FFF2-40B4-BE49-F238E27FC236}">
+                    <a16:creationId xmlns:a16="http://schemas.microsoft.com/office/drawing/2014/main" id="{23B5CE51-2039-2D5E-2C52-49B700E712DC}"/>
+                  </a:ext>
+                </a:extLst>
+              </p:cNvPr>
+              <p:cNvGrpSpPr/>
+              <p:nvPr/>
+            </p:nvGrpSpPr>
+            <p:grpSpPr>
+              <a:xfrm>
+                <a:off x="6764311" y="1664814"/>
+                <a:ext cx="4141894" cy="6515279"/>
+                <a:chOff x="5240311" y="1664813"/>
+                <a:chExt cx="4141894" cy="6515279"/>
+              </a:xfrm>
+            </p:grpSpPr>
+            <p:sp>
+              <p:nvSpPr>
+                <p:cNvPr id="32" name="Rectangle: Rounded Corners 31">
+                  <a:extLst>
+                    <a:ext uri="{FF2B5EF4-FFF2-40B4-BE49-F238E27FC236}">
+                      <a16:creationId xmlns:a16="http://schemas.microsoft.com/office/drawing/2014/main" id="{B0CF30DF-2911-F581-15A3-E3A6228699DF}"/>
+                    </a:ext>
+                  </a:extLst>
+                </p:cNvPr>
+                <p:cNvSpPr/>
+                <p:nvPr/>
+              </p:nvSpPr>
+              <p:spPr>
+                <a:xfrm>
+                  <a:off x="5240311" y="1664813"/>
+                  <a:ext cx="4141894" cy="6515279"/>
+                </a:xfrm>
+                <a:prstGeom prst="roundRect">
+                  <a:avLst>
+                    <a:gd name="adj" fmla="val 5050"/>
+                  </a:avLst>
+                </a:prstGeom>
+                <a:solidFill>
+                  <a:schemeClr val="tx1">
+                    <a:lumMod val="85000"/>
+                    <a:lumOff val="15000"/>
+                  </a:schemeClr>
+                </a:solidFill>
+                <a:ln w="254000">
+                  <a:noFill/>
+                </a:ln>
+              </p:spPr>
+              <p:style>
+                <a:lnRef idx="2">
+                  <a:schemeClr val="accent1">
+                    <a:shade val="15000"/>
+                  </a:schemeClr>
+                </a:lnRef>
+                <a:fillRef idx="1">
+                  <a:schemeClr val="accent1"/>
+                </a:fillRef>
+                <a:effectRef idx="0">
+                  <a:schemeClr val="accent1"/>
+                </a:effectRef>
+                <a:fontRef idx="minor">
+                  <a:schemeClr val="lt1"/>
+                </a:fontRef>
+              </p:style>
+              <p:txBody>
+                <a:bodyPr rtlCol="0" anchor="ctr"/>
+                <a:lstStyle/>
+                <a:p>
+                  <a:pPr algn="ctr"/>
+                  <a:endParaRPr lang="es-MX" sz="3298"/>
+                </a:p>
+              </p:txBody>
+            </p:sp>
+            <p:sp>
+              <p:nvSpPr>
+                <p:cNvPr id="33" name="Oval 32">
+                  <a:extLst>
+                    <a:ext uri="{FF2B5EF4-FFF2-40B4-BE49-F238E27FC236}">
+                      <a16:creationId xmlns:a16="http://schemas.microsoft.com/office/drawing/2014/main" id="{8ED52DB1-48F0-5404-CC81-1A7B780D2B7F}"/>
+                    </a:ext>
+                  </a:extLst>
+                </p:cNvPr>
+                <p:cNvSpPr/>
+                <p:nvPr/>
+              </p:nvSpPr>
+              <p:spPr>
+                <a:xfrm rot="1915889">
+                  <a:off x="5702153" y="1999460"/>
+                  <a:ext cx="3262843" cy="5927847"/>
+                </a:xfrm>
+                <a:prstGeom prst="ellipse">
+                  <a:avLst/>
+                </a:prstGeom>
+                <a:solidFill>
+                  <a:srgbClr val="F71A09"/>
+                </a:solidFill>
+                <a:ln>
+                  <a:noFill/>
+                </a:ln>
+              </p:spPr>
+              <p:style>
+                <a:lnRef idx="2">
+                  <a:schemeClr val="accent1">
+                    <a:shade val="15000"/>
+                  </a:schemeClr>
+                </a:lnRef>
+                <a:fillRef idx="1">
+                  <a:schemeClr val="accent1"/>
+                </a:fillRef>
+                <a:effectRef idx="0">
+                  <a:schemeClr val="accent1"/>
+                </a:effectRef>
+                <a:fontRef idx="minor">
+                  <a:schemeClr val="lt1"/>
+                </a:fontRef>
+              </p:style>
+              <p:txBody>
+                <a:bodyPr rtlCol="0" anchor="ctr"/>
+                <a:lstStyle/>
+                <a:p>
+                  <a:pPr algn="ctr"/>
+                  <a:endParaRPr lang="es-MX" sz="3298"/>
+                </a:p>
+              </p:txBody>
+            </p:sp>
+            <p:sp>
+              <p:nvSpPr>
+                <p:cNvPr id="34" name="Rectangle: Rounded Corners 33">
+                  <a:extLst>
+                    <a:ext uri="{FF2B5EF4-FFF2-40B4-BE49-F238E27FC236}">
+                      <a16:creationId xmlns:a16="http://schemas.microsoft.com/office/drawing/2014/main" id="{ED72507E-9748-56B7-DD60-DFCA3773D542}"/>
+                    </a:ext>
+                  </a:extLst>
+                </p:cNvPr>
+                <p:cNvSpPr/>
+                <p:nvPr/>
+              </p:nvSpPr>
+              <p:spPr>
+                <a:xfrm>
+                  <a:off x="5240311" y="1664813"/>
+                  <a:ext cx="4141894" cy="6515279"/>
+                </a:xfrm>
+                <a:prstGeom prst="roundRect">
+                  <a:avLst>
+                    <a:gd name="adj" fmla="val 8121"/>
+                  </a:avLst>
+                </a:prstGeom>
+                <a:noFill/>
+                <a:ln w="254000">
+                  <a:solidFill>
+                    <a:schemeClr val="bg1"/>
+                  </a:solidFill>
+                </a:ln>
+              </p:spPr>
+              <p:style>
+                <a:lnRef idx="2">
+                  <a:schemeClr val="accent1">
+                    <a:shade val="15000"/>
+                  </a:schemeClr>
+                </a:lnRef>
+                <a:fillRef idx="1">
+                  <a:schemeClr val="accent1"/>
+                </a:fillRef>
+                <a:effectRef idx="0">
+                  <a:schemeClr val="accent1"/>
+                </a:effectRef>
+                <a:fontRef idx="minor">
+                  <a:schemeClr val="lt1"/>
+                </a:fontRef>
+              </p:style>
+              <p:txBody>
+                <a:bodyPr rtlCol="0" anchor="ctr"/>
+                <a:lstStyle/>
+                <a:p>
+                  <a:pPr algn="ctr"/>
+                  <a:endParaRPr lang="es-MX" sz="3298"/>
+                </a:p>
+              </p:txBody>
+            </p:sp>
+          </p:grpSp>
+          <p:sp>
+            <p:nvSpPr>
+              <p:cNvPr id="31" name="TextBox 30">
+                <a:extLst>
+                  <a:ext uri="{FF2B5EF4-FFF2-40B4-BE49-F238E27FC236}">
+                    <a16:creationId xmlns:a16="http://schemas.microsoft.com/office/drawing/2014/main" id="{2A9551AE-B5C5-A793-6FBC-A9503EBFB8A0}"/>
+                  </a:ext>
+                </a:extLst>
+              </p:cNvPr>
+              <p:cNvSpPr txBox="1"/>
+              <p:nvPr/>
+            </p:nvSpPr>
+            <p:spPr>
+              <a:xfrm rot="20441340">
+                <a:off x="6650266" y="3911800"/>
+                <a:ext cx="4766001" cy="2092714"/>
+              </a:xfrm>
+              <a:prstGeom prst="rect">
+                <a:avLst/>
+              </a:prstGeom>
+              <a:noFill/>
+            </p:spPr>
+            <p:txBody>
+              <a:bodyPr wrap="square" rtlCol="0">
+                <a:spAutoFit/>
+              </a:bodyPr>
+              <a:lstStyle/>
+              <a:p>
+                <a:r>
+                  <a:rPr lang="en-US" sz="18029" dirty="0">
+                    <a:ln w="63500" cap="rnd">
+                      <a:solidFill>
+                        <a:schemeClr val="tx1"/>
+                      </a:solidFill>
+                    </a:ln>
+                    <a:solidFill>
+                      <a:srgbClr val="FFCD2F"/>
+                    </a:solidFill>
+                    <a:effectLst>
+                      <a:glow rad="50800">
+                        <a:schemeClr val="bg1"/>
+                      </a:glow>
+                      <a:outerShdw dist="76200" dir="9000000" algn="tr" rotWithShape="0">
+                        <a:prstClr val="black"/>
+                      </a:outerShdw>
+                    </a:effectLst>
+                    <a:latin typeface="Aharoni" panose="02010803020104030203" pitchFamily="2" charset="-79"/>
+                    <a:cs typeface="Aharoni" panose="02010803020104030203" pitchFamily="2" charset="-79"/>
+                  </a:rPr>
+                  <a:t>ONU</a:t>
+                </a:r>
+                <a:endParaRPr lang="es-MX" sz="18029" dirty="0">
+                  <a:ln w="63500" cap="rnd">
+                    <a:solidFill>
+                      <a:schemeClr val="tx1"/>
+                    </a:solidFill>
+                  </a:ln>
+                  <a:solidFill>
+                    <a:srgbClr val="FFCD2F"/>
+                  </a:solidFill>
+                  <a:effectLst>
+                    <a:glow rad="50800">
+                      <a:schemeClr val="bg1"/>
+                    </a:glow>
+                    <a:outerShdw dist="76200" dir="9000000" algn="tr" rotWithShape="0">
+                      <a:prstClr val="black"/>
+                    </a:outerShdw>
+                  </a:effectLst>
+                  <a:latin typeface="Aharoni" panose="02010803020104030203" pitchFamily="2" charset="-79"/>
+                  <a:cs typeface="Aharoni" panose="02010803020104030203" pitchFamily="2" charset="-79"/>
+                </a:endParaRPr>
+              </a:p>
+            </p:txBody>
+          </p:sp>
+        </p:grpSp>
+        <p:grpSp>
+          <p:nvGrpSpPr>
+            <p:cNvPr id="6" name="Group 5">
+              <a:extLst>
+                <a:ext uri="{FF2B5EF4-FFF2-40B4-BE49-F238E27FC236}">
+                  <a16:creationId xmlns:a16="http://schemas.microsoft.com/office/drawing/2014/main" id="{250E1F59-7561-153E-4FEA-33BFD1BE01EE}"/>
+                </a:ext>
+              </a:extLst>
+            </p:cNvPr>
+            <p:cNvGrpSpPr/>
+            <p:nvPr/>
+          </p:nvGrpSpPr>
+          <p:grpSpPr>
+            <a:xfrm>
+              <a:off x="4491976" y="3611601"/>
+              <a:ext cx="4766001" cy="6515279"/>
+              <a:chOff x="6650267" y="1664814"/>
+              <a:chExt cx="4766001" cy="6515279"/>
+            </a:xfrm>
+          </p:grpSpPr>
+          <p:grpSp>
+            <p:nvGrpSpPr>
+              <p:cNvPr id="25" name="Group 24">
+                <a:extLst>
+                  <a:ext uri="{FF2B5EF4-FFF2-40B4-BE49-F238E27FC236}">
+                    <a16:creationId xmlns:a16="http://schemas.microsoft.com/office/drawing/2014/main" id="{5040E471-D323-D706-D023-1A06190DAAE8}"/>
+                  </a:ext>
+                </a:extLst>
+              </p:cNvPr>
+              <p:cNvGrpSpPr/>
+              <p:nvPr/>
+            </p:nvGrpSpPr>
+            <p:grpSpPr>
+              <a:xfrm>
+                <a:off x="6764311" y="1664814"/>
+                <a:ext cx="4141894" cy="6515279"/>
+                <a:chOff x="5240311" y="1664813"/>
+                <a:chExt cx="4141894" cy="6515279"/>
+              </a:xfrm>
+            </p:grpSpPr>
+            <p:sp>
+              <p:nvSpPr>
+                <p:cNvPr id="27" name="Rectangle: Rounded Corners 26">
+                  <a:extLst>
+                    <a:ext uri="{FF2B5EF4-FFF2-40B4-BE49-F238E27FC236}">
+                      <a16:creationId xmlns:a16="http://schemas.microsoft.com/office/drawing/2014/main" id="{E8DCA516-5A1A-1DD2-CCC7-FB1344E9D861}"/>
+                    </a:ext>
+                  </a:extLst>
+                </p:cNvPr>
+                <p:cNvSpPr/>
+                <p:nvPr/>
+              </p:nvSpPr>
+              <p:spPr>
+                <a:xfrm>
+                  <a:off x="5240311" y="1664813"/>
+                  <a:ext cx="4141894" cy="6515279"/>
+                </a:xfrm>
+                <a:prstGeom prst="roundRect">
+                  <a:avLst>
+                    <a:gd name="adj" fmla="val 5050"/>
+                  </a:avLst>
+                </a:prstGeom>
+                <a:solidFill>
+                  <a:schemeClr val="tx1">
+                    <a:lumMod val="85000"/>
+                    <a:lumOff val="15000"/>
+                  </a:schemeClr>
+                </a:solidFill>
+                <a:ln w="254000">
+                  <a:noFill/>
+                </a:ln>
+              </p:spPr>
+              <p:style>
+                <a:lnRef idx="2">
+                  <a:schemeClr val="accent1">
+                    <a:shade val="15000"/>
+                  </a:schemeClr>
+                </a:lnRef>
+                <a:fillRef idx="1">
+                  <a:schemeClr val="accent1"/>
+                </a:fillRef>
+                <a:effectRef idx="0">
+                  <a:schemeClr val="accent1"/>
+                </a:effectRef>
+                <a:fontRef idx="minor">
+                  <a:schemeClr val="lt1"/>
+                </a:fontRef>
+              </p:style>
+              <p:txBody>
+                <a:bodyPr rtlCol="0" anchor="ctr"/>
+                <a:lstStyle/>
+                <a:p>
+                  <a:pPr algn="ctr"/>
+                  <a:endParaRPr lang="es-MX" sz="3298"/>
+                </a:p>
+              </p:txBody>
+            </p:sp>
+            <p:sp>
+              <p:nvSpPr>
+                <p:cNvPr id="28" name="Oval 27">
+                  <a:extLst>
+                    <a:ext uri="{FF2B5EF4-FFF2-40B4-BE49-F238E27FC236}">
+                      <a16:creationId xmlns:a16="http://schemas.microsoft.com/office/drawing/2014/main" id="{BBC18A1A-5DB2-1802-A2EF-D1E7D3E25C44}"/>
+                    </a:ext>
+                  </a:extLst>
+                </p:cNvPr>
+                <p:cNvSpPr/>
+                <p:nvPr/>
+              </p:nvSpPr>
+              <p:spPr>
+                <a:xfrm rot="1915889">
+                  <a:off x="5702153" y="1999460"/>
+                  <a:ext cx="3262843" cy="5927847"/>
+                </a:xfrm>
+                <a:prstGeom prst="ellipse">
+                  <a:avLst/>
+                </a:prstGeom>
+                <a:solidFill>
+                  <a:srgbClr val="F71A09"/>
+                </a:solidFill>
+                <a:ln>
+                  <a:noFill/>
+                </a:ln>
+              </p:spPr>
+              <p:style>
+                <a:lnRef idx="2">
+                  <a:schemeClr val="accent1">
+                    <a:shade val="15000"/>
+                  </a:schemeClr>
+                </a:lnRef>
+                <a:fillRef idx="1">
+                  <a:schemeClr val="accent1"/>
+                </a:fillRef>
+                <a:effectRef idx="0">
+                  <a:schemeClr val="accent1"/>
+                </a:effectRef>
+                <a:fontRef idx="minor">
+                  <a:schemeClr val="lt1"/>
+                </a:fontRef>
+              </p:style>
+              <p:txBody>
+                <a:bodyPr rtlCol="0" anchor="ctr"/>
+                <a:lstStyle/>
+                <a:p>
+                  <a:pPr algn="ctr"/>
+                  <a:endParaRPr lang="es-MX" sz="3298"/>
+                </a:p>
+              </p:txBody>
+            </p:sp>
+            <p:sp>
+              <p:nvSpPr>
+                <p:cNvPr id="29" name="Rectangle: Rounded Corners 28">
+                  <a:extLst>
+                    <a:ext uri="{FF2B5EF4-FFF2-40B4-BE49-F238E27FC236}">
+                      <a16:creationId xmlns:a16="http://schemas.microsoft.com/office/drawing/2014/main" id="{6809E7E6-BF49-93D7-8021-CABFD04F706B}"/>
+                    </a:ext>
+                  </a:extLst>
+                </p:cNvPr>
+                <p:cNvSpPr/>
+                <p:nvPr/>
+              </p:nvSpPr>
+              <p:spPr>
+                <a:xfrm>
+                  <a:off x="5240311" y="1664813"/>
+                  <a:ext cx="4141894" cy="6515279"/>
+                </a:xfrm>
+                <a:prstGeom prst="roundRect">
+                  <a:avLst>
+                    <a:gd name="adj" fmla="val 8121"/>
+                  </a:avLst>
+                </a:prstGeom>
+                <a:noFill/>
+                <a:ln w="254000">
+                  <a:solidFill>
+                    <a:schemeClr val="bg1"/>
+                  </a:solidFill>
+                </a:ln>
+              </p:spPr>
+              <p:style>
+                <a:lnRef idx="2">
+                  <a:schemeClr val="accent1">
+                    <a:shade val="15000"/>
+                  </a:schemeClr>
+                </a:lnRef>
+                <a:fillRef idx="1">
+                  <a:schemeClr val="accent1"/>
+                </a:fillRef>
+                <a:effectRef idx="0">
+                  <a:schemeClr val="accent1"/>
+                </a:effectRef>
+                <a:fontRef idx="minor">
+                  <a:schemeClr val="lt1"/>
+                </a:fontRef>
+              </p:style>
+              <p:txBody>
+                <a:bodyPr rtlCol="0" anchor="ctr"/>
+                <a:lstStyle/>
+                <a:p>
+                  <a:pPr algn="ctr"/>
+                  <a:endParaRPr lang="es-MX" sz="3298"/>
+                </a:p>
+              </p:txBody>
+            </p:sp>
+          </p:grpSp>
+          <p:sp>
+            <p:nvSpPr>
+              <p:cNvPr id="26" name="TextBox 25">
+                <a:extLst>
+                  <a:ext uri="{FF2B5EF4-FFF2-40B4-BE49-F238E27FC236}">
+                    <a16:creationId xmlns:a16="http://schemas.microsoft.com/office/drawing/2014/main" id="{8C7EF734-4D80-D77E-F46E-8A12051158E5}"/>
+                  </a:ext>
+                </a:extLst>
+              </p:cNvPr>
+              <p:cNvSpPr txBox="1"/>
+              <p:nvPr/>
+            </p:nvSpPr>
+            <p:spPr>
+              <a:xfrm rot="20441340">
+                <a:off x="6650267" y="3911800"/>
+                <a:ext cx="4766001" cy="2092714"/>
+              </a:xfrm>
+              <a:prstGeom prst="rect">
+                <a:avLst/>
+              </a:prstGeom>
+              <a:noFill/>
+            </p:spPr>
+            <p:txBody>
+              <a:bodyPr wrap="square" rtlCol="0">
+                <a:spAutoFit/>
+              </a:bodyPr>
+              <a:lstStyle/>
+              <a:p>
+                <a:r>
+                  <a:rPr lang="en-US" sz="18029" dirty="0">
+                    <a:ln w="63500" cap="rnd">
+                      <a:solidFill>
+                        <a:schemeClr val="tx1"/>
+                      </a:solidFill>
+                    </a:ln>
+                    <a:solidFill>
+                      <a:srgbClr val="FFCD2F"/>
+                    </a:solidFill>
+                    <a:effectLst>
+                      <a:glow rad="50800">
+                        <a:schemeClr val="bg1"/>
+                      </a:glow>
+                      <a:outerShdw dist="76200" dir="9000000" algn="tr" rotWithShape="0">
+                        <a:prstClr val="black"/>
+                      </a:outerShdw>
+                    </a:effectLst>
+                    <a:latin typeface="Aharoni" panose="02010803020104030203" pitchFamily="2" charset="-79"/>
+                    <a:cs typeface="Aharoni" panose="02010803020104030203" pitchFamily="2" charset="-79"/>
+                  </a:rPr>
+                  <a:t>ONU</a:t>
+                </a:r>
+                <a:endParaRPr lang="es-MX" sz="18029" dirty="0">
+                  <a:ln w="63500" cap="rnd">
+                    <a:solidFill>
+                      <a:schemeClr val="tx1"/>
+                    </a:solidFill>
+                  </a:ln>
+                  <a:solidFill>
+                    <a:srgbClr val="FFCD2F"/>
+                  </a:solidFill>
+                  <a:effectLst>
+                    <a:glow rad="50800">
+                      <a:schemeClr val="bg1"/>
+                    </a:glow>
+                    <a:outerShdw dist="76200" dir="9000000" algn="tr" rotWithShape="0">
+                      <a:prstClr val="black"/>
+                    </a:outerShdw>
+                  </a:effectLst>
+                  <a:latin typeface="Aharoni" panose="02010803020104030203" pitchFamily="2" charset="-79"/>
+                  <a:cs typeface="Aharoni" panose="02010803020104030203" pitchFamily="2" charset="-79"/>
+                </a:endParaRPr>
+              </a:p>
+            </p:txBody>
+          </p:sp>
+        </p:grpSp>
+        <p:grpSp>
+          <p:nvGrpSpPr>
+            <p:cNvPr id="7" name="Group 6">
+              <a:extLst>
+                <a:ext uri="{FF2B5EF4-FFF2-40B4-BE49-F238E27FC236}">
+                  <a16:creationId xmlns:a16="http://schemas.microsoft.com/office/drawing/2014/main" id="{082C214E-B77C-6835-B167-C62367EF68D9}"/>
+                </a:ext>
+              </a:extLst>
+            </p:cNvPr>
+            <p:cNvGrpSpPr/>
+            <p:nvPr/>
+          </p:nvGrpSpPr>
+          <p:grpSpPr>
+            <a:xfrm rot="529634">
+              <a:off x="5739043" y="3829481"/>
+              <a:ext cx="4766001" cy="6515279"/>
+              <a:chOff x="6650267" y="1664814"/>
+              <a:chExt cx="4766001" cy="6515279"/>
+            </a:xfrm>
+          </p:grpSpPr>
+          <p:grpSp>
+            <p:nvGrpSpPr>
+              <p:cNvPr id="20" name="Group 19">
+                <a:extLst>
+                  <a:ext uri="{FF2B5EF4-FFF2-40B4-BE49-F238E27FC236}">
+                    <a16:creationId xmlns:a16="http://schemas.microsoft.com/office/drawing/2014/main" id="{D9CBF6D0-A827-80E4-A93E-20790113B46A}"/>
+                  </a:ext>
+                </a:extLst>
+              </p:cNvPr>
+              <p:cNvGrpSpPr/>
+              <p:nvPr/>
+            </p:nvGrpSpPr>
+            <p:grpSpPr>
+              <a:xfrm>
+                <a:off x="6764311" y="1664814"/>
+                <a:ext cx="4141894" cy="6515279"/>
+                <a:chOff x="5240311" y="1664813"/>
+                <a:chExt cx="4141894" cy="6515279"/>
+              </a:xfrm>
+            </p:grpSpPr>
+            <p:sp>
+              <p:nvSpPr>
+                <p:cNvPr id="22" name="Rectangle: Rounded Corners 21">
+                  <a:extLst>
+                    <a:ext uri="{FF2B5EF4-FFF2-40B4-BE49-F238E27FC236}">
+                      <a16:creationId xmlns:a16="http://schemas.microsoft.com/office/drawing/2014/main" id="{E9991683-CD9C-7D89-B5AD-CEC944417761}"/>
+                    </a:ext>
+                  </a:extLst>
+                </p:cNvPr>
+                <p:cNvSpPr/>
+                <p:nvPr/>
+              </p:nvSpPr>
+              <p:spPr>
+                <a:xfrm>
+                  <a:off x="5240311" y="1664813"/>
+                  <a:ext cx="4141894" cy="6515279"/>
+                </a:xfrm>
+                <a:prstGeom prst="roundRect">
+                  <a:avLst>
+                    <a:gd name="adj" fmla="val 5050"/>
+                  </a:avLst>
+                </a:prstGeom>
+                <a:solidFill>
+                  <a:schemeClr val="tx1">
+                    <a:lumMod val="85000"/>
+                    <a:lumOff val="15000"/>
+                  </a:schemeClr>
+                </a:solidFill>
+                <a:ln w="254000">
+                  <a:noFill/>
+                </a:ln>
+              </p:spPr>
+              <p:style>
+                <a:lnRef idx="2">
+                  <a:schemeClr val="accent1">
+                    <a:shade val="15000"/>
+                  </a:schemeClr>
+                </a:lnRef>
+                <a:fillRef idx="1">
+                  <a:schemeClr val="accent1"/>
+                </a:fillRef>
+                <a:effectRef idx="0">
+                  <a:schemeClr val="accent1"/>
+                </a:effectRef>
+                <a:fontRef idx="minor">
+                  <a:schemeClr val="lt1"/>
+                </a:fontRef>
+              </p:style>
+              <p:txBody>
+                <a:bodyPr rtlCol="0" anchor="ctr"/>
+                <a:lstStyle/>
+                <a:p>
+                  <a:pPr algn="ctr"/>
+                  <a:endParaRPr lang="es-MX" sz="3298"/>
+                </a:p>
+              </p:txBody>
+            </p:sp>
+            <p:sp>
+              <p:nvSpPr>
+                <p:cNvPr id="23" name="Oval 22">
+                  <a:extLst>
+                    <a:ext uri="{FF2B5EF4-FFF2-40B4-BE49-F238E27FC236}">
+                      <a16:creationId xmlns:a16="http://schemas.microsoft.com/office/drawing/2014/main" id="{7EAAB62E-0BF3-58F6-9367-AE480CF52023}"/>
+                    </a:ext>
+                  </a:extLst>
+                </p:cNvPr>
+                <p:cNvSpPr/>
+                <p:nvPr/>
+              </p:nvSpPr>
+              <p:spPr>
+                <a:xfrm rot="1915889">
+                  <a:off x="5702153" y="1999460"/>
+                  <a:ext cx="3262843" cy="5927847"/>
+                </a:xfrm>
+                <a:prstGeom prst="ellipse">
+                  <a:avLst/>
+                </a:prstGeom>
+                <a:solidFill>
+                  <a:srgbClr val="F71A09"/>
+                </a:solidFill>
+                <a:ln>
+                  <a:noFill/>
+                </a:ln>
+              </p:spPr>
+              <p:style>
+                <a:lnRef idx="2">
+                  <a:schemeClr val="accent1">
+                    <a:shade val="15000"/>
+                  </a:schemeClr>
+                </a:lnRef>
+                <a:fillRef idx="1">
+                  <a:schemeClr val="accent1"/>
+                </a:fillRef>
+                <a:effectRef idx="0">
+                  <a:schemeClr val="accent1"/>
+                </a:effectRef>
+                <a:fontRef idx="minor">
+                  <a:schemeClr val="lt1"/>
+                </a:fontRef>
+              </p:style>
+              <p:txBody>
+                <a:bodyPr rtlCol="0" anchor="ctr"/>
+                <a:lstStyle/>
+                <a:p>
+                  <a:pPr algn="ctr"/>
+                  <a:endParaRPr lang="es-MX" sz="3298"/>
+                </a:p>
+              </p:txBody>
+            </p:sp>
+            <p:sp>
+              <p:nvSpPr>
+                <p:cNvPr id="24" name="Rectangle: Rounded Corners 23">
+                  <a:extLst>
+                    <a:ext uri="{FF2B5EF4-FFF2-40B4-BE49-F238E27FC236}">
+                      <a16:creationId xmlns:a16="http://schemas.microsoft.com/office/drawing/2014/main" id="{12EA9385-F264-6F4C-13F2-363D9AC2A744}"/>
+                    </a:ext>
+                  </a:extLst>
+                </p:cNvPr>
+                <p:cNvSpPr/>
+                <p:nvPr/>
+              </p:nvSpPr>
+              <p:spPr>
+                <a:xfrm>
+                  <a:off x="5240311" y="1664813"/>
+                  <a:ext cx="4141894" cy="6515279"/>
+                </a:xfrm>
+                <a:prstGeom prst="roundRect">
+                  <a:avLst>
+                    <a:gd name="adj" fmla="val 8121"/>
+                  </a:avLst>
+                </a:prstGeom>
+                <a:noFill/>
+                <a:ln w="254000">
+                  <a:solidFill>
+                    <a:schemeClr val="bg1"/>
+                  </a:solidFill>
+                </a:ln>
+              </p:spPr>
+              <p:style>
+                <a:lnRef idx="2">
+                  <a:schemeClr val="accent1">
+                    <a:shade val="15000"/>
+                  </a:schemeClr>
+                </a:lnRef>
+                <a:fillRef idx="1">
+                  <a:schemeClr val="accent1"/>
+                </a:fillRef>
+                <a:effectRef idx="0">
+                  <a:schemeClr val="accent1"/>
+                </a:effectRef>
+                <a:fontRef idx="minor">
+                  <a:schemeClr val="lt1"/>
+                </a:fontRef>
+              </p:style>
+              <p:txBody>
+                <a:bodyPr rtlCol="0" anchor="ctr"/>
+                <a:lstStyle/>
+                <a:p>
+                  <a:pPr algn="ctr"/>
+                  <a:endParaRPr lang="es-MX" sz="3298"/>
+                </a:p>
+              </p:txBody>
+            </p:sp>
+          </p:grpSp>
+          <p:sp>
+            <p:nvSpPr>
+              <p:cNvPr id="21" name="TextBox 20">
+                <a:extLst>
+                  <a:ext uri="{FF2B5EF4-FFF2-40B4-BE49-F238E27FC236}">
+                    <a16:creationId xmlns:a16="http://schemas.microsoft.com/office/drawing/2014/main" id="{B2AFACA4-5B07-43C9-5E01-C2796BDDAB35}"/>
+                  </a:ext>
+                </a:extLst>
+              </p:cNvPr>
+              <p:cNvSpPr txBox="1"/>
+              <p:nvPr/>
+            </p:nvSpPr>
+            <p:spPr>
+              <a:xfrm rot="20441340">
+                <a:off x="6650267" y="3911799"/>
+                <a:ext cx="4766001" cy="2092714"/>
+              </a:xfrm>
+              <a:prstGeom prst="rect">
+                <a:avLst/>
+              </a:prstGeom>
+              <a:noFill/>
+            </p:spPr>
+            <p:txBody>
+              <a:bodyPr wrap="square" rtlCol="0">
+                <a:spAutoFit/>
+              </a:bodyPr>
+              <a:lstStyle/>
+              <a:p>
+                <a:r>
+                  <a:rPr lang="en-US" sz="18029" dirty="0">
+                    <a:ln w="63500" cap="rnd">
+                      <a:solidFill>
+                        <a:schemeClr val="tx1"/>
+                      </a:solidFill>
+                    </a:ln>
+                    <a:solidFill>
+                      <a:srgbClr val="FFCD2F"/>
+                    </a:solidFill>
+                    <a:effectLst>
+                      <a:glow rad="50800">
+                        <a:schemeClr val="bg1"/>
+                      </a:glow>
+                      <a:outerShdw dist="76200" dir="9000000" algn="tr" rotWithShape="0">
+                        <a:prstClr val="black"/>
+                      </a:outerShdw>
+                    </a:effectLst>
+                    <a:latin typeface="Aharoni" panose="02010803020104030203" pitchFamily="2" charset="-79"/>
+                    <a:cs typeface="Aharoni" panose="02010803020104030203" pitchFamily="2" charset="-79"/>
+                  </a:rPr>
+                  <a:t>ONU</a:t>
+                </a:r>
+                <a:endParaRPr lang="es-MX" sz="18029" dirty="0">
+                  <a:ln w="63500" cap="rnd">
+                    <a:solidFill>
+                      <a:schemeClr val="tx1"/>
+                    </a:solidFill>
+                  </a:ln>
+                  <a:solidFill>
+                    <a:srgbClr val="FFCD2F"/>
+                  </a:solidFill>
+                  <a:effectLst>
+                    <a:glow rad="50800">
+                      <a:schemeClr val="bg1"/>
+                    </a:glow>
+                    <a:outerShdw dist="76200" dir="9000000" algn="tr" rotWithShape="0">
+                      <a:prstClr val="black"/>
+                    </a:outerShdw>
+                  </a:effectLst>
+                  <a:latin typeface="Aharoni" panose="02010803020104030203" pitchFamily="2" charset="-79"/>
+                  <a:cs typeface="Aharoni" panose="02010803020104030203" pitchFamily="2" charset="-79"/>
+                </a:endParaRPr>
+              </a:p>
+            </p:txBody>
+          </p:sp>
+        </p:grpSp>
+        <p:grpSp>
+          <p:nvGrpSpPr>
+            <p:cNvPr id="8" name="Group 7">
+              <a:extLst>
+                <a:ext uri="{FF2B5EF4-FFF2-40B4-BE49-F238E27FC236}">
+                  <a16:creationId xmlns:a16="http://schemas.microsoft.com/office/drawing/2014/main" id="{AEC5F9A4-0567-5926-C6B2-7518A34836B9}"/>
+                </a:ext>
+              </a:extLst>
+            </p:cNvPr>
+            <p:cNvGrpSpPr/>
+            <p:nvPr/>
+          </p:nvGrpSpPr>
+          <p:grpSpPr>
+            <a:xfrm rot="1092642">
+              <a:off x="6863007" y="4229788"/>
+              <a:ext cx="4766001" cy="6515279"/>
+              <a:chOff x="6650266" y="1664814"/>
+              <a:chExt cx="4766001" cy="6515279"/>
+            </a:xfrm>
+          </p:grpSpPr>
+          <p:grpSp>
+            <p:nvGrpSpPr>
+              <p:cNvPr id="15" name="Group 14">
+                <a:extLst>
+                  <a:ext uri="{FF2B5EF4-FFF2-40B4-BE49-F238E27FC236}">
+                    <a16:creationId xmlns:a16="http://schemas.microsoft.com/office/drawing/2014/main" id="{84173D99-12B4-169E-BC12-FFE5A82E02E3}"/>
+                  </a:ext>
+                </a:extLst>
+              </p:cNvPr>
+              <p:cNvGrpSpPr/>
+              <p:nvPr/>
+            </p:nvGrpSpPr>
+            <p:grpSpPr>
+              <a:xfrm>
+                <a:off x="6764311" y="1664814"/>
+                <a:ext cx="4141894" cy="6515279"/>
+                <a:chOff x="5240311" y="1664813"/>
+                <a:chExt cx="4141894" cy="6515279"/>
+              </a:xfrm>
+            </p:grpSpPr>
+            <p:sp>
+              <p:nvSpPr>
+                <p:cNvPr id="17" name="Rectangle: Rounded Corners 16">
+                  <a:extLst>
+                    <a:ext uri="{FF2B5EF4-FFF2-40B4-BE49-F238E27FC236}">
+                      <a16:creationId xmlns:a16="http://schemas.microsoft.com/office/drawing/2014/main" id="{D1F60516-79F3-FB26-B96D-253AA099D7B7}"/>
+                    </a:ext>
+                  </a:extLst>
+                </p:cNvPr>
+                <p:cNvSpPr/>
+                <p:nvPr/>
+              </p:nvSpPr>
+              <p:spPr>
+                <a:xfrm>
+                  <a:off x="5240311" y="1664813"/>
+                  <a:ext cx="4141894" cy="6515279"/>
+                </a:xfrm>
+                <a:prstGeom prst="roundRect">
+                  <a:avLst>
+                    <a:gd name="adj" fmla="val 5050"/>
+                  </a:avLst>
+                </a:prstGeom>
+                <a:solidFill>
+                  <a:schemeClr val="tx1">
+                    <a:lumMod val="85000"/>
+                    <a:lumOff val="15000"/>
+                  </a:schemeClr>
+                </a:solidFill>
+                <a:ln w="254000">
+                  <a:noFill/>
+                </a:ln>
+              </p:spPr>
+              <p:style>
+                <a:lnRef idx="2">
+                  <a:schemeClr val="accent1">
+                    <a:shade val="15000"/>
+                  </a:schemeClr>
+                </a:lnRef>
+                <a:fillRef idx="1">
+                  <a:schemeClr val="accent1"/>
+                </a:fillRef>
+                <a:effectRef idx="0">
+                  <a:schemeClr val="accent1"/>
+                </a:effectRef>
+                <a:fontRef idx="minor">
+                  <a:schemeClr val="lt1"/>
+                </a:fontRef>
+              </p:style>
+              <p:txBody>
+                <a:bodyPr rtlCol="0" anchor="ctr"/>
+                <a:lstStyle/>
+                <a:p>
+                  <a:pPr algn="ctr"/>
+                  <a:endParaRPr lang="es-MX" sz="3298"/>
+                </a:p>
+              </p:txBody>
+            </p:sp>
+            <p:sp>
+              <p:nvSpPr>
+                <p:cNvPr id="18" name="Oval 17">
+                  <a:extLst>
+                    <a:ext uri="{FF2B5EF4-FFF2-40B4-BE49-F238E27FC236}">
+                      <a16:creationId xmlns:a16="http://schemas.microsoft.com/office/drawing/2014/main" id="{A7BC488B-AF19-B805-3115-05FFA563557E}"/>
+                    </a:ext>
+                  </a:extLst>
+                </p:cNvPr>
+                <p:cNvSpPr/>
+                <p:nvPr/>
+              </p:nvSpPr>
+              <p:spPr>
+                <a:xfrm rot="1915889">
+                  <a:off x="5702153" y="1999460"/>
+                  <a:ext cx="3262843" cy="5927847"/>
+                </a:xfrm>
+                <a:prstGeom prst="ellipse">
+                  <a:avLst/>
+                </a:prstGeom>
+                <a:solidFill>
+                  <a:srgbClr val="F71A09"/>
+                </a:solidFill>
+                <a:ln>
+                  <a:noFill/>
+                </a:ln>
+              </p:spPr>
+              <p:style>
+                <a:lnRef idx="2">
+                  <a:schemeClr val="accent1">
+                    <a:shade val="15000"/>
+                  </a:schemeClr>
+                </a:lnRef>
+                <a:fillRef idx="1">
+                  <a:schemeClr val="accent1"/>
+                </a:fillRef>
+                <a:effectRef idx="0">
+                  <a:schemeClr val="accent1"/>
+                </a:effectRef>
+                <a:fontRef idx="minor">
+                  <a:schemeClr val="lt1"/>
+                </a:fontRef>
+              </p:style>
+              <p:txBody>
+                <a:bodyPr rtlCol="0" anchor="ctr"/>
+                <a:lstStyle/>
+                <a:p>
+                  <a:pPr algn="ctr"/>
+                  <a:endParaRPr lang="es-MX" sz="3298"/>
+                </a:p>
+              </p:txBody>
+            </p:sp>
+            <p:sp>
+              <p:nvSpPr>
+                <p:cNvPr id="19" name="Rectangle: Rounded Corners 18">
+                  <a:extLst>
+                    <a:ext uri="{FF2B5EF4-FFF2-40B4-BE49-F238E27FC236}">
+                      <a16:creationId xmlns:a16="http://schemas.microsoft.com/office/drawing/2014/main" id="{1D499A67-1D0F-38EA-0FC3-2877EF1CEAEC}"/>
+                    </a:ext>
+                  </a:extLst>
+                </p:cNvPr>
+                <p:cNvSpPr/>
+                <p:nvPr/>
+              </p:nvSpPr>
+              <p:spPr>
+                <a:xfrm>
+                  <a:off x="5240311" y="1664813"/>
+                  <a:ext cx="4141894" cy="6515279"/>
+                </a:xfrm>
+                <a:prstGeom prst="roundRect">
+                  <a:avLst>
+                    <a:gd name="adj" fmla="val 8121"/>
+                  </a:avLst>
+                </a:prstGeom>
+                <a:noFill/>
+                <a:ln w="254000">
+                  <a:solidFill>
+                    <a:schemeClr val="bg1"/>
+                  </a:solidFill>
+                </a:ln>
+              </p:spPr>
+              <p:style>
+                <a:lnRef idx="2">
+                  <a:schemeClr val="accent1">
+                    <a:shade val="15000"/>
+                  </a:schemeClr>
+                </a:lnRef>
+                <a:fillRef idx="1">
+                  <a:schemeClr val="accent1"/>
+                </a:fillRef>
+                <a:effectRef idx="0">
+                  <a:schemeClr val="accent1"/>
+                </a:effectRef>
+                <a:fontRef idx="minor">
+                  <a:schemeClr val="lt1"/>
+                </a:fontRef>
+              </p:style>
+              <p:txBody>
+                <a:bodyPr rtlCol="0" anchor="ctr"/>
+                <a:lstStyle/>
+                <a:p>
+                  <a:pPr algn="ctr"/>
+                  <a:endParaRPr lang="es-MX" sz="3298"/>
+                </a:p>
+              </p:txBody>
+            </p:sp>
+          </p:grpSp>
+          <p:sp>
+            <p:nvSpPr>
+              <p:cNvPr id="16" name="TextBox 15">
+                <a:extLst>
+                  <a:ext uri="{FF2B5EF4-FFF2-40B4-BE49-F238E27FC236}">
+                    <a16:creationId xmlns:a16="http://schemas.microsoft.com/office/drawing/2014/main" id="{2CF5AC5C-AA6B-D9D9-9813-98B50E6AD6B7}"/>
+                  </a:ext>
+                </a:extLst>
+              </p:cNvPr>
+              <p:cNvSpPr txBox="1"/>
+              <p:nvPr/>
+            </p:nvSpPr>
+            <p:spPr>
+              <a:xfrm rot="20441340">
+                <a:off x="6650266" y="3911801"/>
+                <a:ext cx="4766001" cy="2092714"/>
+              </a:xfrm>
+              <a:prstGeom prst="rect">
+                <a:avLst/>
+              </a:prstGeom>
+              <a:noFill/>
+            </p:spPr>
+            <p:txBody>
+              <a:bodyPr wrap="square" rtlCol="0">
+                <a:spAutoFit/>
+              </a:bodyPr>
+              <a:lstStyle/>
+              <a:p>
+                <a:r>
+                  <a:rPr lang="en-US" sz="18029" dirty="0">
+                    <a:ln w="63500" cap="rnd">
+                      <a:solidFill>
+                        <a:schemeClr val="tx1"/>
+                      </a:solidFill>
+                    </a:ln>
+                    <a:solidFill>
+                      <a:srgbClr val="FFCD2F"/>
+                    </a:solidFill>
+                    <a:effectLst>
+                      <a:glow rad="50800">
+                        <a:schemeClr val="bg1"/>
+                      </a:glow>
+                      <a:outerShdw dist="76200" dir="9000000" algn="tr" rotWithShape="0">
+                        <a:prstClr val="black"/>
+                      </a:outerShdw>
+                    </a:effectLst>
+                    <a:latin typeface="Aharoni" panose="02010803020104030203" pitchFamily="2" charset="-79"/>
+                    <a:cs typeface="Aharoni" panose="02010803020104030203" pitchFamily="2" charset="-79"/>
+                  </a:rPr>
+                  <a:t>ONU</a:t>
+                </a:r>
+                <a:endParaRPr lang="es-MX" sz="18029" dirty="0">
+                  <a:ln w="63500" cap="rnd">
+                    <a:solidFill>
+                      <a:schemeClr val="tx1"/>
+                    </a:solidFill>
+                  </a:ln>
+                  <a:solidFill>
+                    <a:srgbClr val="FFCD2F"/>
+                  </a:solidFill>
+                  <a:effectLst>
+                    <a:glow rad="50800">
+                      <a:schemeClr val="bg1"/>
+                    </a:glow>
+                    <a:outerShdw dist="76200" dir="9000000" algn="tr" rotWithShape="0">
+                      <a:prstClr val="black"/>
+                    </a:outerShdw>
+                  </a:effectLst>
+                  <a:latin typeface="Aharoni" panose="02010803020104030203" pitchFamily="2" charset="-79"/>
+                  <a:cs typeface="Aharoni" panose="02010803020104030203" pitchFamily="2" charset="-79"/>
+                </a:endParaRPr>
+              </a:p>
+            </p:txBody>
+          </p:sp>
+        </p:grpSp>
+        <p:grpSp>
+          <p:nvGrpSpPr>
+            <p:cNvPr id="9" name="Group 8">
+              <a:extLst>
+                <a:ext uri="{FF2B5EF4-FFF2-40B4-BE49-F238E27FC236}">
+                  <a16:creationId xmlns:a16="http://schemas.microsoft.com/office/drawing/2014/main" id="{60491D75-30FC-156D-5DA2-294B008B1B36}"/>
+                </a:ext>
+              </a:extLst>
+            </p:cNvPr>
+            <p:cNvGrpSpPr/>
+            <p:nvPr/>
+          </p:nvGrpSpPr>
+          <p:grpSpPr>
+            <a:xfrm rot="1967284">
+              <a:off x="8194132" y="5032001"/>
+              <a:ext cx="4766001" cy="6515279"/>
+              <a:chOff x="6650267" y="1664814"/>
+              <a:chExt cx="4766001" cy="6515279"/>
+            </a:xfrm>
+          </p:grpSpPr>
+          <p:grpSp>
+            <p:nvGrpSpPr>
+              <p:cNvPr id="10" name="Group 9">
+                <a:extLst>
+                  <a:ext uri="{FF2B5EF4-FFF2-40B4-BE49-F238E27FC236}">
+                    <a16:creationId xmlns:a16="http://schemas.microsoft.com/office/drawing/2014/main" id="{8C2D8F3F-1284-E802-DBC1-7ED752F4B632}"/>
+                  </a:ext>
+                </a:extLst>
+              </p:cNvPr>
+              <p:cNvGrpSpPr/>
+              <p:nvPr/>
+            </p:nvGrpSpPr>
+            <p:grpSpPr>
+              <a:xfrm>
+                <a:off x="6764311" y="1664814"/>
+                <a:ext cx="4141894" cy="6515279"/>
+                <a:chOff x="5240311" y="1664813"/>
+                <a:chExt cx="4141894" cy="6515279"/>
+              </a:xfrm>
+            </p:grpSpPr>
+            <p:sp>
+              <p:nvSpPr>
+                <p:cNvPr id="12" name="Rectangle: Rounded Corners 11">
+                  <a:extLst>
+                    <a:ext uri="{FF2B5EF4-FFF2-40B4-BE49-F238E27FC236}">
+                      <a16:creationId xmlns:a16="http://schemas.microsoft.com/office/drawing/2014/main" id="{45D9F87D-BC78-B51A-06DF-7843EED464C2}"/>
+                    </a:ext>
+                  </a:extLst>
+                </p:cNvPr>
+                <p:cNvSpPr/>
+                <p:nvPr/>
+              </p:nvSpPr>
+              <p:spPr>
+                <a:xfrm>
+                  <a:off x="5240311" y="1664813"/>
+                  <a:ext cx="4141894" cy="6515279"/>
+                </a:xfrm>
+                <a:prstGeom prst="roundRect">
+                  <a:avLst>
+                    <a:gd name="adj" fmla="val 5050"/>
+                  </a:avLst>
+                </a:prstGeom>
+                <a:solidFill>
+                  <a:schemeClr val="tx1">
+                    <a:lumMod val="85000"/>
+                    <a:lumOff val="15000"/>
+                  </a:schemeClr>
+                </a:solidFill>
+                <a:ln w="254000">
+                  <a:noFill/>
+                </a:ln>
+              </p:spPr>
+              <p:style>
+                <a:lnRef idx="2">
+                  <a:schemeClr val="accent1">
+                    <a:shade val="15000"/>
+                  </a:schemeClr>
+                </a:lnRef>
+                <a:fillRef idx="1">
+                  <a:schemeClr val="accent1"/>
+                </a:fillRef>
+                <a:effectRef idx="0">
+                  <a:schemeClr val="accent1"/>
+                </a:effectRef>
+                <a:fontRef idx="minor">
+                  <a:schemeClr val="lt1"/>
+                </a:fontRef>
+              </p:style>
+              <p:txBody>
+                <a:bodyPr rtlCol="0" anchor="ctr"/>
+                <a:lstStyle/>
+                <a:p>
+                  <a:pPr algn="ctr"/>
+                  <a:endParaRPr lang="es-MX" sz="3298"/>
+                </a:p>
+              </p:txBody>
+            </p:sp>
+            <p:sp>
+              <p:nvSpPr>
+                <p:cNvPr id="13" name="Oval 12">
+                  <a:extLst>
+                    <a:ext uri="{FF2B5EF4-FFF2-40B4-BE49-F238E27FC236}">
+                      <a16:creationId xmlns:a16="http://schemas.microsoft.com/office/drawing/2014/main" id="{C5E77EB6-7FFA-F86C-FCFE-29DAD1C904E6}"/>
+                    </a:ext>
+                  </a:extLst>
+                </p:cNvPr>
+                <p:cNvSpPr/>
+                <p:nvPr/>
+              </p:nvSpPr>
+              <p:spPr>
+                <a:xfrm rot="1915889">
+                  <a:off x="5702153" y="1999460"/>
+                  <a:ext cx="3262843" cy="5927847"/>
+                </a:xfrm>
+                <a:prstGeom prst="ellipse">
+                  <a:avLst/>
+                </a:prstGeom>
+                <a:solidFill>
+                  <a:srgbClr val="F71A09"/>
+                </a:solidFill>
+                <a:ln>
+                  <a:noFill/>
+                </a:ln>
+              </p:spPr>
+              <p:style>
+                <a:lnRef idx="2">
+                  <a:schemeClr val="accent1">
+                    <a:shade val="15000"/>
+                  </a:schemeClr>
+                </a:lnRef>
+                <a:fillRef idx="1">
+                  <a:schemeClr val="accent1"/>
+                </a:fillRef>
+                <a:effectRef idx="0">
+                  <a:schemeClr val="accent1"/>
+                </a:effectRef>
+                <a:fontRef idx="minor">
+                  <a:schemeClr val="lt1"/>
+                </a:fontRef>
+              </p:style>
+              <p:txBody>
+                <a:bodyPr rtlCol="0" anchor="ctr"/>
+                <a:lstStyle/>
+                <a:p>
+                  <a:pPr algn="ctr"/>
+                  <a:endParaRPr lang="es-MX" sz="3298"/>
+                </a:p>
+              </p:txBody>
+            </p:sp>
+            <p:sp>
+              <p:nvSpPr>
+                <p:cNvPr id="14" name="Rectangle: Rounded Corners 13">
+                  <a:extLst>
+                    <a:ext uri="{FF2B5EF4-FFF2-40B4-BE49-F238E27FC236}">
+                      <a16:creationId xmlns:a16="http://schemas.microsoft.com/office/drawing/2014/main" id="{2448E865-F119-6C61-9C15-2C31A25DD0E4}"/>
+                    </a:ext>
+                  </a:extLst>
+                </p:cNvPr>
+                <p:cNvSpPr/>
+                <p:nvPr/>
+              </p:nvSpPr>
+              <p:spPr>
+                <a:xfrm>
+                  <a:off x="5240311" y="1664813"/>
+                  <a:ext cx="4141894" cy="6515279"/>
+                </a:xfrm>
+                <a:prstGeom prst="roundRect">
+                  <a:avLst>
+                    <a:gd name="adj" fmla="val 8121"/>
+                  </a:avLst>
+                </a:prstGeom>
+                <a:noFill/>
+                <a:ln w="254000">
+                  <a:solidFill>
+                    <a:schemeClr val="bg1"/>
+                  </a:solidFill>
+                </a:ln>
+              </p:spPr>
+              <p:style>
+                <a:lnRef idx="2">
+                  <a:schemeClr val="accent1">
+                    <a:shade val="15000"/>
+                  </a:schemeClr>
+                </a:lnRef>
+                <a:fillRef idx="1">
+                  <a:schemeClr val="accent1"/>
+                </a:fillRef>
+                <a:effectRef idx="0">
+                  <a:schemeClr val="accent1"/>
+                </a:effectRef>
+                <a:fontRef idx="minor">
+                  <a:schemeClr val="lt1"/>
+                </a:fontRef>
+              </p:style>
+              <p:txBody>
+                <a:bodyPr rtlCol="0" anchor="ctr"/>
+                <a:lstStyle/>
+                <a:p>
+                  <a:pPr algn="ctr"/>
+                  <a:endParaRPr lang="es-MX" sz="3298"/>
+                </a:p>
+              </p:txBody>
+            </p:sp>
+          </p:grpSp>
+          <p:sp>
+            <p:nvSpPr>
+              <p:cNvPr id="11" name="TextBox 10">
+                <a:extLst>
+                  <a:ext uri="{FF2B5EF4-FFF2-40B4-BE49-F238E27FC236}">
+                    <a16:creationId xmlns:a16="http://schemas.microsoft.com/office/drawing/2014/main" id="{72F31286-F687-4CD2-1F48-AD6ABA931FE2}"/>
+                  </a:ext>
+                </a:extLst>
+              </p:cNvPr>
+              <p:cNvSpPr txBox="1"/>
+              <p:nvPr/>
+            </p:nvSpPr>
+            <p:spPr>
+              <a:xfrm rot="20441340">
+                <a:off x="6650267" y="3911801"/>
+                <a:ext cx="4766001" cy="2092714"/>
+              </a:xfrm>
+              <a:prstGeom prst="rect">
+                <a:avLst/>
+              </a:prstGeom>
+              <a:noFill/>
+            </p:spPr>
+            <p:txBody>
+              <a:bodyPr wrap="square" rtlCol="0">
+                <a:spAutoFit/>
+              </a:bodyPr>
+              <a:lstStyle/>
+              <a:p>
+                <a:r>
+                  <a:rPr lang="en-US" sz="18029" dirty="0">
+                    <a:ln w="63500" cap="rnd">
+                      <a:solidFill>
+                        <a:schemeClr val="tx1"/>
+                      </a:solidFill>
+                    </a:ln>
+                    <a:solidFill>
+                      <a:srgbClr val="FFCD2F"/>
+                    </a:solidFill>
+                    <a:effectLst>
+                      <a:glow rad="50800">
+                        <a:schemeClr val="bg1"/>
+                      </a:glow>
+                      <a:outerShdw dist="76200" dir="9000000" algn="tr" rotWithShape="0">
+                        <a:prstClr val="black"/>
+                      </a:outerShdw>
+                    </a:effectLst>
+                    <a:latin typeface="Aharoni" panose="02010803020104030203" pitchFamily="2" charset="-79"/>
+                    <a:cs typeface="Aharoni" panose="02010803020104030203" pitchFamily="2" charset="-79"/>
+                  </a:rPr>
+                  <a:t>ONU</a:t>
+                </a:r>
+                <a:endParaRPr lang="es-MX" sz="18029" dirty="0">
+                  <a:ln w="63500" cap="rnd">
+                    <a:solidFill>
+                      <a:schemeClr val="tx1"/>
+                    </a:solidFill>
+                  </a:ln>
+                  <a:solidFill>
+                    <a:srgbClr val="FFCD2F"/>
+                  </a:solidFill>
+                  <a:effectLst>
+                    <a:glow rad="50800">
+                      <a:schemeClr val="bg1"/>
+                    </a:glow>
+                    <a:outerShdw dist="76200" dir="9000000" algn="tr" rotWithShape="0">
+                      <a:prstClr val="black"/>
+                    </a:outerShdw>
+                  </a:effectLst>
+                  <a:latin typeface="Aharoni" panose="02010803020104030203" pitchFamily="2" charset="-79"/>
+                  <a:cs typeface="Aharoni" panose="02010803020104030203" pitchFamily="2" charset="-79"/>
+                </a:endParaRPr>
+              </a:p>
+            </p:txBody>
+          </p:sp>
+        </p:grpSp>
+      </p:grpSp>
+    </p:spTree>
+    <p:extLst>
+      <p:ext uri="{BB962C8B-B14F-4D97-AF65-F5344CB8AC3E}">
+        <p14:creationId xmlns:p14="http://schemas.microsoft.com/office/powerpoint/2010/main" val="2641331227"/>
+      </p:ext>
+    </p:extLst>
+  </p:cSld>
+  <p:clrMapOvr>
+    <a:masterClrMapping/>
+  </p:clrMapOvr>
+</p:sld>
+</file>
+
+<file path=ppt/slides/slide13.xml><?xml version="1.0" encoding="utf-8"?>
+<p:sld xmlns:a="http://schemas.openxmlformats.org/drawingml/2006/main" xmlns:r="http://schemas.openxmlformats.org/officeDocument/2006/relationships" xmlns:p="http://schemas.openxmlformats.org/presentationml/2006/main">
+  <p:cSld>
+    <p:bg>
+      <p:bgPr>
+        <a:solidFill>
+          <a:schemeClr val="bg2">
+            <a:lumMod val="90000"/>
+          </a:schemeClr>
+        </a:solidFill>
+        <a:effectLst/>
+      </p:bgPr>
+    </p:bg>
+    <p:spTree>
+      <p:nvGrpSpPr>
+        <p:cNvPr id="1" name=""/>
+        <p:cNvGrpSpPr/>
+        <p:nvPr/>
+      </p:nvGrpSpPr>
+      <p:grpSpPr>
+        <a:xfrm>
+          <a:off x="0" y="0"/>
+          <a:ext cx="0" cy="0"/>
+          <a:chOff x="0" y="0"/>
+          <a:chExt cx="0" cy="0"/>
+        </a:xfrm>
+      </p:grpSpPr>
+      <p:grpSp>
+        <p:nvGrpSpPr>
+          <p:cNvPr id="4" name="Group 3">
+            <a:extLst>
+              <a:ext uri="{FF2B5EF4-FFF2-40B4-BE49-F238E27FC236}">
+                <a16:creationId xmlns:a16="http://schemas.microsoft.com/office/drawing/2014/main" id="{254FCC9F-EF0D-0BE1-BDF4-4E6F2F2F07F1}"/>
+              </a:ext>
+            </a:extLst>
+          </p:cNvPr>
+          <p:cNvGrpSpPr/>
+          <p:nvPr/>
+        </p:nvGrpSpPr>
+        <p:grpSpPr>
+          <a:xfrm rot="15332970">
+            <a:off x="1962710" y="2292038"/>
+            <a:ext cx="10474791" cy="9816135"/>
+            <a:chOff x="4491976" y="3611601"/>
+            <a:chExt cx="8468157" cy="7935679"/>
+          </a:xfrm>
+        </p:grpSpPr>
+        <p:grpSp>
+          <p:nvGrpSpPr>
+            <p:cNvPr id="6" name="Group 5">
+              <a:extLst>
+                <a:ext uri="{FF2B5EF4-FFF2-40B4-BE49-F238E27FC236}">
+                  <a16:creationId xmlns:a16="http://schemas.microsoft.com/office/drawing/2014/main" id="{250E1F59-7561-153E-4FEA-33BFD1BE01EE}"/>
+                </a:ext>
+              </a:extLst>
+            </p:cNvPr>
+            <p:cNvGrpSpPr/>
+            <p:nvPr/>
+          </p:nvGrpSpPr>
+          <p:grpSpPr>
+            <a:xfrm>
+              <a:off x="4491976" y="3611601"/>
+              <a:ext cx="4766001" cy="6515279"/>
+              <a:chOff x="6650267" y="1664814"/>
+              <a:chExt cx="4766001" cy="6515279"/>
+            </a:xfrm>
+          </p:grpSpPr>
+          <p:grpSp>
+            <p:nvGrpSpPr>
+              <p:cNvPr id="25" name="Group 24">
+                <a:extLst>
+                  <a:ext uri="{FF2B5EF4-FFF2-40B4-BE49-F238E27FC236}">
+                    <a16:creationId xmlns:a16="http://schemas.microsoft.com/office/drawing/2014/main" id="{5040E471-D323-D706-D023-1A06190DAAE8}"/>
+                  </a:ext>
+                </a:extLst>
+              </p:cNvPr>
+              <p:cNvGrpSpPr/>
+              <p:nvPr/>
+            </p:nvGrpSpPr>
+            <p:grpSpPr>
+              <a:xfrm>
+                <a:off x="6764311" y="1664814"/>
+                <a:ext cx="4141894" cy="6515279"/>
+                <a:chOff x="5240311" y="1664813"/>
+                <a:chExt cx="4141894" cy="6515279"/>
+              </a:xfrm>
+            </p:grpSpPr>
+            <p:sp>
+              <p:nvSpPr>
+                <p:cNvPr id="27" name="Rectangle: Rounded Corners 26">
+                  <a:extLst>
+                    <a:ext uri="{FF2B5EF4-FFF2-40B4-BE49-F238E27FC236}">
+                      <a16:creationId xmlns:a16="http://schemas.microsoft.com/office/drawing/2014/main" id="{E8DCA516-5A1A-1DD2-CCC7-FB1344E9D861}"/>
+                    </a:ext>
+                  </a:extLst>
+                </p:cNvPr>
+                <p:cNvSpPr/>
+                <p:nvPr/>
+              </p:nvSpPr>
+              <p:spPr>
+                <a:xfrm>
+                  <a:off x="5240311" y="1664813"/>
+                  <a:ext cx="4141894" cy="6515279"/>
+                </a:xfrm>
+                <a:prstGeom prst="roundRect">
+                  <a:avLst>
+                    <a:gd name="adj" fmla="val 5050"/>
+                  </a:avLst>
+                </a:prstGeom>
+                <a:solidFill>
+                  <a:schemeClr val="tx1">
+                    <a:lumMod val="85000"/>
+                    <a:lumOff val="15000"/>
+                  </a:schemeClr>
+                </a:solidFill>
+                <a:ln w="254000">
+                  <a:noFill/>
+                </a:ln>
+              </p:spPr>
+              <p:style>
+                <a:lnRef idx="2">
+                  <a:schemeClr val="accent1">
+                    <a:shade val="15000"/>
+                  </a:schemeClr>
+                </a:lnRef>
+                <a:fillRef idx="1">
+                  <a:schemeClr val="accent1"/>
+                </a:fillRef>
+                <a:effectRef idx="0">
+                  <a:schemeClr val="accent1"/>
+                </a:effectRef>
+                <a:fontRef idx="minor">
+                  <a:schemeClr val="lt1"/>
+                </a:fontRef>
+              </p:style>
+              <p:txBody>
+                <a:bodyPr rtlCol="0" anchor="ctr"/>
+                <a:lstStyle/>
+                <a:p>
+                  <a:pPr algn="ctr"/>
+                  <a:endParaRPr lang="es-MX" sz="3298"/>
+                </a:p>
+              </p:txBody>
+            </p:sp>
+            <p:sp>
+              <p:nvSpPr>
+                <p:cNvPr id="28" name="Oval 27">
+                  <a:extLst>
+                    <a:ext uri="{FF2B5EF4-FFF2-40B4-BE49-F238E27FC236}">
+                      <a16:creationId xmlns:a16="http://schemas.microsoft.com/office/drawing/2014/main" id="{BBC18A1A-5DB2-1802-A2EF-D1E7D3E25C44}"/>
+                    </a:ext>
+                  </a:extLst>
+                </p:cNvPr>
+                <p:cNvSpPr/>
+                <p:nvPr/>
+              </p:nvSpPr>
+              <p:spPr>
+                <a:xfrm rot="1915889">
+                  <a:off x="5702153" y="1999460"/>
+                  <a:ext cx="3262843" cy="5927847"/>
+                </a:xfrm>
+                <a:prstGeom prst="ellipse">
+                  <a:avLst/>
+                </a:prstGeom>
+                <a:solidFill>
+                  <a:srgbClr val="F71A09"/>
+                </a:solidFill>
+                <a:ln>
+                  <a:noFill/>
+                </a:ln>
+              </p:spPr>
+              <p:style>
+                <a:lnRef idx="2">
+                  <a:schemeClr val="accent1">
+                    <a:shade val="15000"/>
+                  </a:schemeClr>
+                </a:lnRef>
+                <a:fillRef idx="1">
+                  <a:schemeClr val="accent1"/>
+                </a:fillRef>
+                <a:effectRef idx="0">
+                  <a:schemeClr val="accent1"/>
+                </a:effectRef>
+                <a:fontRef idx="minor">
+                  <a:schemeClr val="lt1"/>
+                </a:fontRef>
+              </p:style>
+              <p:txBody>
+                <a:bodyPr rtlCol="0" anchor="ctr"/>
+                <a:lstStyle/>
+                <a:p>
+                  <a:pPr algn="ctr"/>
+                  <a:endParaRPr lang="es-MX" sz="3298"/>
+                </a:p>
+              </p:txBody>
+            </p:sp>
+            <p:sp>
+              <p:nvSpPr>
+                <p:cNvPr id="29" name="Rectangle: Rounded Corners 28">
+                  <a:extLst>
+                    <a:ext uri="{FF2B5EF4-FFF2-40B4-BE49-F238E27FC236}">
+                      <a16:creationId xmlns:a16="http://schemas.microsoft.com/office/drawing/2014/main" id="{6809E7E6-BF49-93D7-8021-CABFD04F706B}"/>
+                    </a:ext>
+                  </a:extLst>
+                </p:cNvPr>
+                <p:cNvSpPr/>
+                <p:nvPr/>
+              </p:nvSpPr>
+              <p:spPr>
+                <a:xfrm>
+                  <a:off x="5240311" y="1664813"/>
+                  <a:ext cx="4141894" cy="6515279"/>
+                </a:xfrm>
+                <a:prstGeom prst="roundRect">
+                  <a:avLst>
+                    <a:gd name="adj" fmla="val 8121"/>
+                  </a:avLst>
+                </a:prstGeom>
+                <a:noFill/>
+                <a:ln w="254000">
+                  <a:solidFill>
+                    <a:schemeClr val="bg1"/>
+                  </a:solidFill>
+                </a:ln>
+              </p:spPr>
+              <p:style>
+                <a:lnRef idx="2">
+                  <a:schemeClr val="accent1">
+                    <a:shade val="15000"/>
+                  </a:schemeClr>
+                </a:lnRef>
+                <a:fillRef idx="1">
+                  <a:schemeClr val="accent1"/>
+                </a:fillRef>
+                <a:effectRef idx="0">
+                  <a:schemeClr val="accent1"/>
+                </a:effectRef>
+                <a:fontRef idx="minor">
+                  <a:schemeClr val="lt1"/>
+                </a:fontRef>
+              </p:style>
+              <p:txBody>
+                <a:bodyPr rtlCol="0" anchor="ctr"/>
+                <a:lstStyle/>
+                <a:p>
+                  <a:pPr algn="ctr"/>
+                  <a:endParaRPr lang="es-MX" sz="3298"/>
+                </a:p>
+              </p:txBody>
+            </p:sp>
+          </p:grpSp>
+          <p:sp>
+            <p:nvSpPr>
+              <p:cNvPr id="26" name="TextBox 25">
+                <a:extLst>
+                  <a:ext uri="{FF2B5EF4-FFF2-40B4-BE49-F238E27FC236}">
+                    <a16:creationId xmlns:a16="http://schemas.microsoft.com/office/drawing/2014/main" id="{8C7EF734-4D80-D77E-F46E-8A12051158E5}"/>
+                  </a:ext>
+                </a:extLst>
+              </p:cNvPr>
+              <p:cNvSpPr txBox="1"/>
+              <p:nvPr/>
+            </p:nvSpPr>
+            <p:spPr>
+              <a:xfrm rot="20441340">
+                <a:off x="6650267" y="3911800"/>
+                <a:ext cx="4766001" cy="2092714"/>
+              </a:xfrm>
+              <a:prstGeom prst="rect">
+                <a:avLst/>
+              </a:prstGeom>
+              <a:noFill/>
+            </p:spPr>
+            <p:txBody>
+              <a:bodyPr wrap="square" rtlCol="0">
+                <a:spAutoFit/>
+              </a:bodyPr>
+              <a:lstStyle/>
+              <a:p>
+                <a:r>
+                  <a:rPr lang="en-US" sz="18029" dirty="0">
+                    <a:ln w="63500" cap="rnd">
+                      <a:solidFill>
+                        <a:schemeClr val="tx1"/>
+                      </a:solidFill>
+                    </a:ln>
+                    <a:solidFill>
+                      <a:srgbClr val="FFCD2F"/>
+                    </a:solidFill>
+                    <a:effectLst>
+                      <a:glow rad="50800">
+                        <a:schemeClr val="bg1"/>
+                      </a:glow>
+                      <a:outerShdw dist="76200" dir="9000000" algn="tr" rotWithShape="0">
+                        <a:prstClr val="black"/>
+                      </a:outerShdw>
+                    </a:effectLst>
+                    <a:latin typeface="Aharoni" panose="02010803020104030203" pitchFamily="2" charset="-79"/>
+                    <a:cs typeface="Aharoni" panose="02010803020104030203" pitchFamily="2" charset="-79"/>
+                  </a:rPr>
+                  <a:t>ONU</a:t>
+                </a:r>
+                <a:endParaRPr lang="es-MX" sz="18029" dirty="0">
+                  <a:ln w="63500" cap="rnd">
+                    <a:solidFill>
+                      <a:schemeClr val="tx1"/>
+                    </a:solidFill>
+                  </a:ln>
+                  <a:solidFill>
+                    <a:srgbClr val="FFCD2F"/>
+                  </a:solidFill>
+                  <a:effectLst>
+                    <a:glow rad="50800">
+                      <a:schemeClr val="bg1"/>
+                    </a:glow>
+                    <a:outerShdw dist="76200" dir="9000000" algn="tr" rotWithShape="0">
+                      <a:prstClr val="black"/>
+                    </a:outerShdw>
+                  </a:effectLst>
+                  <a:latin typeface="Aharoni" panose="02010803020104030203" pitchFamily="2" charset="-79"/>
+                  <a:cs typeface="Aharoni" panose="02010803020104030203" pitchFamily="2" charset="-79"/>
+                </a:endParaRPr>
+              </a:p>
+            </p:txBody>
+          </p:sp>
+        </p:grpSp>
+        <p:grpSp>
+          <p:nvGrpSpPr>
+            <p:cNvPr id="7" name="Group 6">
+              <a:extLst>
+                <a:ext uri="{FF2B5EF4-FFF2-40B4-BE49-F238E27FC236}">
+                  <a16:creationId xmlns:a16="http://schemas.microsoft.com/office/drawing/2014/main" id="{082C214E-B77C-6835-B167-C62367EF68D9}"/>
+                </a:ext>
+              </a:extLst>
+            </p:cNvPr>
+            <p:cNvGrpSpPr/>
+            <p:nvPr/>
+          </p:nvGrpSpPr>
+          <p:grpSpPr>
+            <a:xfrm rot="529634">
+              <a:off x="5739043" y="3829481"/>
+              <a:ext cx="4766001" cy="6515279"/>
+              <a:chOff x="6650267" y="1664814"/>
+              <a:chExt cx="4766001" cy="6515279"/>
+            </a:xfrm>
+          </p:grpSpPr>
+          <p:grpSp>
+            <p:nvGrpSpPr>
+              <p:cNvPr id="20" name="Group 19">
+                <a:extLst>
+                  <a:ext uri="{FF2B5EF4-FFF2-40B4-BE49-F238E27FC236}">
+                    <a16:creationId xmlns:a16="http://schemas.microsoft.com/office/drawing/2014/main" id="{D9CBF6D0-A827-80E4-A93E-20790113B46A}"/>
+                  </a:ext>
+                </a:extLst>
+              </p:cNvPr>
+              <p:cNvGrpSpPr/>
+              <p:nvPr/>
+            </p:nvGrpSpPr>
+            <p:grpSpPr>
+              <a:xfrm>
+                <a:off x="6764311" y="1664814"/>
+                <a:ext cx="4141894" cy="6515279"/>
+                <a:chOff x="5240311" y="1664813"/>
+                <a:chExt cx="4141894" cy="6515279"/>
+              </a:xfrm>
+            </p:grpSpPr>
+            <p:sp>
+              <p:nvSpPr>
+                <p:cNvPr id="22" name="Rectangle: Rounded Corners 21">
+                  <a:extLst>
+                    <a:ext uri="{FF2B5EF4-FFF2-40B4-BE49-F238E27FC236}">
+                      <a16:creationId xmlns:a16="http://schemas.microsoft.com/office/drawing/2014/main" id="{E9991683-CD9C-7D89-B5AD-CEC944417761}"/>
+                    </a:ext>
+                  </a:extLst>
+                </p:cNvPr>
+                <p:cNvSpPr/>
+                <p:nvPr/>
+              </p:nvSpPr>
+              <p:spPr>
+                <a:xfrm>
+                  <a:off x="5240311" y="1664813"/>
+                  <a:ext cx="4141894" cy="6515279"/>
+                </a:xfrm>
+                <a:prstGeom prst="roundRect">
+                  <a:avLst>
+                    <a:gd name="adj" fmla="val 5050"/>
+                  </a:avLst>
+                </a:prstGeom>
+                <a:solidFill>
+                  <a:schemeClr val="tx1">
+                    <a:lumMod val="85000"/>
+                    <a:lumOff val="15000"/>
+                  </a:schemeClr>
+                </a:solidFill>
+                <a:ln w="254000">
+                  <a:noFill/>
+                </a:ln>
+              </p:spPr>
+              <p:style>
+                <a:lnRef idx="2">
+                  <a:schemeClr val="accent1">
+                    <a:shade val="15000"/>
+                  </a:schemeClr>
+                </a:lnRef>
+                <a:fillRef idx="1">
+                  <a:schemeClr val="accent1"/>
+                </a:fillRef>
+                <a:effectRef idx="0">
+                  <a:schemeClr val="accent1"/>
+                </a:effectRef>
+                <a:fontRef idx="minor">
+                  <a:schemeClr val="lt1"/>
+                </a:fontRef>
+              </p:style>
+              <p:txBody>
+                <a:bodyPr rtlCol="0" anchor="ctr"/>
+                <a:lstStyle/>
+                <a:p>
+                  <a:pPr algn="ctr"/>
+                  <a:endParaRPr lang="es-MX" sz="3298"/>
+                </a:p>
+              </p:txBody>
+            </p:sp>
+            <p:sp>
+              <p:nvSpPr>
+                <p:cNvPr id="23" name="Oval 22">
+                  <a:extLst>
+                    <a:ext uri="{FF2B5EF4-FFF2-40B4-BE49-F238E27FC236}">
+                      <a16:creationId xmlns:a16="http://schemas.microsoft.com/office/drawing/2014/main" id="{7EAAB62E-0BF3-58F6-9367-AE480CF52023}"/>
+                    </a:ext>
+                  </a:extLst>
+                </p:cNvPr>
+                <p:cNvSpPr/>
+                <p:nvPr/>
+              </p:nvSpPr>
+              <p:spPr>
+                <a:xfrm rot="1915889">
+                  <a:off x="5702153" y="1999460"/>
+                  <a:ext cx="3262843" cy="5927847"/>
+                </a:xfrm>
+                <a:prstGeom prst="ellipse">
+                  <a:avLst/>
+                </a:prstGeom>
+                <a:solidFill>
+                  <a:srgbClr val="F71A09"/>
+                </a:solidFill>
+                <a:ln>
+                  <a:noFill/>
+                </a:ln>
+              </p:spPr>
+              <p:style>
+                <a:lnRef idx="2">
+                  <a:schemeClr val="accent1">
+                    <a:shade val="15000"/>
+                  </a:schemeClr>
+                </a:lnRef>
+                <a:fillRef idx="1">
+                  <a:schemeClr val="accent1"/>
+                </a:fillRef>
+                <a:effectRef idx="0">
+                  <a:schemeClr val="accent1"/>
+                </a:effectRef>
+                <a:fontRef idx="minor">
+                  <a:schemeClr val="lt1"/>
+                </a:fontRef>
+              </p:style>
+              <p:txBody>
+                <a:bodyPr rtlCol="0" anchor="ctr"/>
+                <a:lstStyle/>
+                <a:p>
+                  <a:pPr algn="ctr"/>
+                  <a:endParaRPr lang="es-MX" sz="3298"/>
+                </a:p>
+              </p:txBody>
+            </p:sp>
+            <p:sp>
+              <p:nvSpPr>
+                <p:cNvPr id="24" name="Rectangle: Rounded Corners 23">
+                  <a:extLst>
+                    <a:ext uri="{FF2B5EF4-FFF2-40B4-BE49-F238E27FC236}">
+                      <a16:creationId xmlns:a16="http://schemas.microsoft.com/office/drawing/2014/main" id="{12EA9385-F264-6F4C-13F2-363D9AC2A744}"/>
+                    </a:ext>
+                  </a:extLst>
+                </p:cNvPr>
+                <p:cNvSpPr/>
+                <p:nvPr/>
+              </p:nvSpPr>
+              <p:spPr>
+                <a:xfrm>
+                  <a:off x="5240311" y="1664813"/>
+                  <a:ext cx="4141894" cy="6515279"/>
+                </a:xfrm>
+                <a:prstGeom prst="roundRect">
+                  <a:avLst>
+                    <a:gd name="adj" fmla="val 8121"/>
+                  </a:avLst>
+                </a:prstGeom>
+                <a:noFill/>
+                <a:ln w="254000">
+                  <a:solidFill>
+                    <a:schemeClr val="bg1"/>
+                  </a:solidFill>
+                </a:ln>
+              </p:spPr>
+              <p:style>
+                <a:lnRef idx="2">
+                  <a:schemeClr val="accent1">
+                    <a:shade val="15000"/>
+                  </a:schemeClr>
+                </a:lnRef>
+                <a:fillRef idx="1">
+                  <a:schemeClr val="accent1"/>
+                </a:fillRef>
+                <a:effectRef idx="0">
+                  <a:schemeClr val="accent1"/>
+                </a:effectRef>
+                <a:fontRef idx="minor">
+                  <a:schemeClr val="lt1"/>
+                </a:fontRef>
+              </p:style>
+              <p:txBody>
+                <a:bodyPr rtlCol="0" anchor="ctr"/>
+                <a:lstStyle/>
+                <a:p>
+                  <a:pPr algn="ctr"/>
+                  <a:endParaRPr lang="es-MX" sz="3298"/>
+                </a:p>
+              </p:txBody>
+            </p:sp>
+          </p:grpSp>
+          <p:sp>
+            <p:nvSpPr>
+              <p:cNvPr id="21" name="TextBox 20">
+                <a:extLst>
+                  <a:ext uri="{FF2B5EF4-FFF2-40B4-BE49-F238E27FC236}">
+                    <a16:creationId xmlns:a16="http://schemas.microsoft.com/office/drawing/2014/main" id="{B2AFACA4-5B07-43C9-5E01-C2796BDDAB35}"/>
+                  </a:ext>
+                </a:extLst>
+              </p:cNvPr>
+              <p:cNvSpPr txBox="1"/>
+              <p:nvPr/>
+            </p:nvSpPr>
+            <p:spPr>
+              <a:xfrm rot="20441340">
+                <a:off x="6650267" y="3911799"/>
+                <a:ext cx="4766001" cy="2092714"/>
+              </a:xfrm>
+              <a:prstGeom prst="rect">
+                <a:avLst/>
+              </a:prstGeom>
+              <a:noFill/>
+            </p:spPr>
+            <p:txBody>
+              <a:bodyPr wrap="square" rtlCol="0">
+                <a:spAutoFit/>
+              </a:bodyPr>
+              <a:lstStyle/>
+              <a:p>
+                <a:r>
+                  <a:rPr lang="en-US" sz="18029" dirty="0">
+                    <a:ln w="63500" cap="rnd">
+                      <a:solidFill>
+                        <a:schemeClr val="tx1"/>
+                      </a:solidFill>
+                    </a:ln>
+                    <a:solidFill>
+                      <a:srgbClr val="FFCD2F"/>
+                    </a:solidFill>
+                    <a:effectLst>
+                      <a:glow rad="50800">
+                        <a:schemeClr val="bg1"/>
+                      </a:glow>
+                      <a:outerShdw dist="76200" dir="9000000" algn="tr" rotWithShape="0">
+                        <a:prstClr val="black"/>
+                      </a:outerShdw>
+                    </a:effectLst>
+                    <a:latin typeface="Aharoni" panose="02010803020104030203" pitchFamily="2" charset="-79"/>
+                    <a:cs typeface="Aharoni" panose="02010803020104030203" pitchFamily="2" charset="-79"/>
+                  </a:rPr>
+                  <a:t>ONU</a:t>
+                </a:r>
+                <a:endParaRPr lang="es-MX" sz="18029" dirty="0">
+                  <a:ln w="63500" cap="rnd">
+                    <a:solidFill>
+                      <a:schemeClr val="tx1"/>
+                    </a:solidFill>
+                  </a:ln>
+                  <a:solidFill>
+                    <a:srgbClr val="FFCD2F"/>
+                  </a:solidFill>
+                  <a:effectLst>
+                    <a:glow rad="50800">
+                      <a:schemeClr val="bg1"/>
+                    </a:glow>
+                    <a:outerShdw dist="76200" dir="9000000" algn="tr" rotWithShape="0">
+                      <a:prstClr val="black"/>
+                    </a:outerShdw>
+                  </a:effectLst>
+                  <a:latin typeface="Aharoni" panose="02010803020104030203" pitchFamily="2" charset="-79"/>
+                  <a:cs typeface="Aharoni" panose="02010803020104030203" pitchFamily="2" charset="-79"/>
+                </a:endParaRPr>
+              </a:p>
+            </p:txBody>
+          </p:sp>
+        </p:grpSp>
+        <p:grpSp>
+          <p:nvGrpSpPr>
+            <p:cNvPr id="8" name="Group 7">
+              <a:extLst>
+                <a:ext uri="{FF2B5EF4-FFF2-40B4-BE49-F238E27FC236}">
+                  <a16:creationId xmlns:a16="http://schemas.microsoft.com/office/drawing/2014/main" id="{AEC5F9A4-0567-5926-C6B2-7518A34836B9}"/>
+                </a:ext>
+              </a:extLst>
+            </p:cNvPr>
+            <p:cNvGrpSpPr/>
+            <p:nvPr/>
+          </p:nvGrpSpPr>
+          <p:grpSpPr>
+            <a:xfrm rot="1092642">
+              <a:off x="6863007" y="4229788"/>
+              <a:ext cx="4766001" cy="6515279"/>
+              <a:chOff x="6650266" y="1664814"/>
+              <a:chExt cx="4766001" cy="6515279"/>
+            </a:xfrm>
+          </p:grpSpPr>
+          <p:grpSp>
+            <p:nvGrpSpPr>
+              <p:cNvPr id="15" name="Group 14">
+                <a:extLst>
+                  <a:ext uri="{FF2B5EF4-FFF2-40B4-BE49-F238E27FC236}">
+                    <a16:creationId xmlns:a16="http://schemas.microsoft.com/office/drawing/2014/main" id="{84173D99-12B4-169E-BC12-FFE5A82E02E3}"/>
+                  </a:ext>
+                </a:extLst>
+              </p:cNvPr>
+              <p:cNvGrpSpPr/>
+              <p:nvPr/>
+            </p:nvGrpSpPr>
+            <p:grpSpPr>
+              <a:xfrm>
+                <a:off x="6764311" y="1664814"/>
+                <a:ext cx="4141894" cy="6515279"/>
+                <a:chOff x="5240311" y="1664813"/>
+                <a:chExt cx="4141894" cy="6515279"/>
+              </a:xfrm>
+            </p:grpSpPr>
+            <p:sp>
+              <p:nvSpPr>
+                <p:cNvPr id="17" name="Rectangle: Rounded Corners 16">
+                  <a:extLst>
+                    <a:ext uri="{FF2B5EF4-FFF2-40B4-BE49-F238E27FC236}">
+                      <a16:creationId xmlns:a16="http://schemas.microsoft.com/office/drawing/2014/main" id="{D1F60516-79F3-FB26-B96D-253AA099D7B7}"/>
+                    </a:ext>
+                  </a:extLst>
+                </p:cNvPr>
+                <p:cNvSpPr/>
+                <p:nvPr/>
+              </p:nvSpPr>
+              <p:spPr>
+                <a:xfrm>
+                  <a:off x="5240311" y="1664813"/>
+                  <a:ext cx="4141894" cy="6515279"/>
+                </a:xfrm>
+                <a:prstGeom prst="roundRect">
+                  <a:avLst>
+                    <a:gd name="adj" fmla="val 5050"/>
+                  </a:avLst>
+                </a:prstGeom>
+                <a:solidFill>
+                  <a:schemeClr val="tx1">
+                    <a:lumMod val="85000"/>
+                    <a:lumOff val="15000"/>
+                  </a:schemeClr>
+                </a:solidFill>
+                <a:ln w="254000">
+                  <a:noFill/>
+                </a:ln>
+              </p:spPr>
+              <p:style>
+                <a:lnRef idx="2">
+                  <a:schemeClr val="accent1">
+                    <a:shade val="15000"/>
+                  </a:schemeClr>
+                </a:lnRef>
+                <a:fillRef idx="1">
+                  <a:schemeClr val="accent1"/>
+                </a:fillRef>
+                <a:effectRef idx="0">
+                  <a:schemeClr val="accent1"/>
+                </a:effectRef>
+                <a:fontRef idx="minor">
+                  <a:schemeClr val="lt1"/>
+                </a:fontRef>
+              </p:style>
+              <p:txBody>
+                <a:bodyPr rtlCol="0" anchor="ctr"/>
+                <a:lstStyle/>
+                <a:p>
+                  <a:pPr algn="ctr"/>
+                  <a:endParaRPr lang="es-MX" sz="3298"/>
+                </a:p>
+              </p:txBody>
+            </p:sp>
+            <p:sp>
+              <p:nvSpPr>
+                <p:cNvPr id="18" name="Oval 17">
+                  <a:extLst>
+                    <a:ext uri="{FF2B5EF4-FFF2-40B4-BE49-F238E27FC236}">
+                      <a16:creationId xmlns:a16="http://schemas.microsoft.com/office/drawing/2014/main" id="{A7BC488B-AF19-B805-3115-05FFA563557E}"/>
+                    </a:ext>
+                  </a:extLst>
+                </p:cNvPr>
+                <p:cNvSpPr/>
+                <p:nvPr/>
+              </p:nvSpPr>
+              <p:spPr>
+                <a:xfrm rot="1915889">
+                  <a:off x="5702153" y="1999460"/>
+                  <a:ext cx="3262843" cy="5927847"/>
+                </a:xfrm>
+                <a:prstGeom prst="ellipse">
+                  <a:avLst/>
+                </a:prstGeom>
+                <a:solidFill>
+                  <a:srgbClr val="F71A09"/>
+                </a:solidFill>
+                <a:ln>
+                  <a:noFill/>
+                </a:ln>
+              </p:spPr>
+              <p:style>
+                <a:lnRef idx="2">
+                  <a:schemeClr val="accent1">
+                    <a:shade val="15000"/>
+                  </a:schemeClr>
+                </a:lnRef>
+                <a:fillRef idx="1">
+                  <a:schemeClr val="accent1"/>
+                </a:fillRef>
+                <a:effectRef idx="0">
+                  <a:schemeClr val="accent1"/>
+                </a:effectRef>
+                <a:fontRef idx="minor">
+                  <a:schemeClr val="lt1"/>
+                </a:fontRef>
+              </p:style>
+              <p:txBody>
+                <a:bodyPr rtlCol="0" anchor="ctr"/>
+                <a:lstStyle/>
+                <a:p>
+                  <a:pPr algn="ctr"/>
+                  <a:endParaRPr lang="es-MX" sz="3298"/>
+                </a:p>
+              </p:txBody>
+            </p:sp>
+            <p:sp>
+              <p:nvSpPr>
+                <p:cNvPr id="19" name="Rectangle: Rounded Corners 18">
+                  <a:extLst>
+                    <a:ext uri="{FF2B5EF4-FFF2-40B4-BE49-F238E27FC236}">
+                      <a16:creationId xmlns:a16="http://schemas.microsoft.com/office/drawing/2014/main" id="{1D499A67-1D0F-38EA-0FC3-2877EF1CEAEC}"/>
+                    </a:ext>
+                  </a:extLst>
+                </p:cNvPr>
+                <p:cNvSpPr/>
+                <p:nvPr/>
+              </p:nvSpPr>
+              <p:spPr>
+                <a:xfrm>
+                  <a:off x="5240311" y="1664813"/>
+                  <a:ext cx="4141894" cy="6515279"/>
+                </a:xfrm>
+                <a:prstGeom prst="roundRect">
+                  <a:avLst>
+                    <a:gd name="adj" fmla="val 8121"/>
+                  </a:avLst>
+                </a:prstGeom>
+                <a:noFill/>
+                <a:ln w="254000">
+                  <a:solidFill>
+                    <a:schemeClr val="bg1"/>
+                  </a:solidFill>
+                </a:ln>
+              </p:spPr>
+              <p:style>
+                <a:lnRef idx="2">
+                  <a:schemeClr val="accent1">
+                    <a:shade val="15000"/>
+                  </a:schemeClr>
+                </a:lnRef>
+                <a:fillRef idx="1">
+                  <a:schemeClr val="accent1"/>
+                </a:fillRef>
+                <a:effectRef idx="0">
+                  <a:schemeClr val="accent1"/>
+                </a:effectRef>
+                <a:fontRef idx="minor">
+                  <a:schemeClr val="lt1"/>
+                </a:fontRef>
+              </p:style>
+              <p:txBody>
+                <a:bodyPr rtlCol="0" anchor="ctr"/>
+                <a:lstStyle/>
+                <a:p>
+                  <a:pPr algn="ctr"/>
+                  <a:endParaRPr lang="es-MX" sz="3298"/>
+                </a:p>
+              </p:txBody>
+            </p:sp>
+          </p:grpSp>
+          <p:sp>
+            <p:nvSpPr>
+              <p:cNvPr id="16" name="TextBox 15">
+                <a:extLst>
+                  <a:ext uri="{FF2B5EF4-FFF2-40B4-BE49-F238E27FC236}">
+                    <a16:creationId xmlns:a16="http://schemas.microsoft.com/office/drawing/2014/main" id="{2CF5AC5C-AA6B-D9D9-9813-98B50E6AD6B7}"/>
+                  </a:ext>
+                </a:extLst>
+              </p:cNvPr>
+              <p:cNvSpPr txBox="1"/>
+              <p:nvPr/>
+            </p:nvSpPr>
+            <p:spPr>
+              <a:xfrm rot="20441340">
+                <a:off x="6650266" y="3911801"/>
+                <a:ext cx="4766001" cy="2092714"/>
+              </a:xfrm>
+              <a:prstGeom prst="rect">
+                <a:avLst/>
+              </a:prstGeom>
+              <a:noFill/>
+            </p:spPr>
+            <p:txBody>
+              <a:bodyPr wrap="square" rtlCol="0">
+                <a:spAutoFit/>
+              </a:bodyPr>
+              <a:lstStyle/>
+              <a:p>
+                <a:r>
+                  <a:rPr lang="en-US" sz="18029" dirty="0">
+                    <a:ln w="63500" cap="rnd">
+                      <a:solidFill>
+                        <a:schemeClr val="tx1"/>
+                      </a:solidFill>
+                    </a:ln>
+                    <a:solidFill>
+                      <a:srgbClr val="FFCD2F"/>
+                    </a:solidFill>
+                    <a:effectLst>
+                      <a:glow rad="50800">
+                        <a:schemeClr val="bg1"/>
+                      </a:glow>
+                      <a:outerShdw dist="76200" dir="9000000" algn="tr" rotWithShape="0">
+                        <a:prstClr val="black"/>
+                      </a:outerShdw>
+                    </a:effectLst>
+                    <a:latin typeface="Aharoni" panose="02010803020104030203" pitchFamily="2" charset="-79"/>
+                    <a:cs typeface="Aharoni" panose="02010803020104030203" pitchFamily="2" charset="-79"/>
+                  </a:rPr>
+                  <a:t>ONU</a:t>
+                </a:r>
+                <a:endParaRPr lang="es-MX" sz="18029" dirty="0">
+                  <a:ln w="63500" cap="rnd">
+                    <a:solidFill>
+                      <a:schemeClr val="tx1"/>
+                    </a:solidFill>
+                  </a:ln>
+                  <a:solidFill>
+                    <a:srgbClr val="FFCD2F"/>
+                  </a:solidFill>
+                  <a:effectLst>
+                    <a:glow rad="50800">
+                      <a:schemeClr val="bg1"/>
+                    </a:glow>
+                    <a:outerShdw dist="76200" dir="9000000" algn="tr" rotWithShape="0">
+                      <a:prstClr val="black"/>
+                    </a:outerShdw>
+                  </a:effectLst>
+                  <a:latin typeface="Aharoni" panose="02010803020104030203" pitchFamily="2" charset="-79"/>
+                  <a:cs typeface="Aharoni" panose="02010803020104030203" pitchFamily="2" charset="-79"/>
+                </a:endParaRPr>
+              </a:p>
+            </p:txBody>
+          </p:sp>
+        </p:grpSp>
+        <p:grpSp>
+          <p:nvGrpSpPr>
+            <p:cNvPr id="9" name="Group 8">
+              <a:extLst>
+                <a:ext uri="{FF2B5EF4-FFF2-40B4-BE49-F238E27FC236}">
+                  <a16:creationId xmlns:a16="http://schemas.microsoft.com/office/drawing/2014/main" id="{60491D75-30FC-156D-5DA2-294B008B1B36}"/>
+                </a:ext>
+              </a:extLst>
+            </p:cNvPr>
+            <p:cNvGrpSpPr/>
+            <p:nvPr/>
+          </p:nvGrpSpPr>
+          <p:grpSpPr>
+            <a:xfrm rot="1967284">
+              <a:off x="8194132" y="5032001"/>
+              <a:ext cx="4766001" cy="6515279"/>
+              <a:chOff x="6650267" y="1664814"/>
+              <a:chExt cx="4766001" cy="6515279"/>
+            </a:xfrm>
+          </p:grpSpPr>
+          <p:grpSp>
+            <p:nvGrpSpPr>
+              <p:cNvPr id="10" name="Group 9">
+                <a:extLst>
+                  <a:ext uri="{FF2B5EF4-FFF2-40B4-BE49-F238E27FC236}">
+                    <a16:creationId xmlns:a16="http://schemas.microsoft.com/office/drawing/2014/main" id="{8C2D8F3F-1284-E802-DBC1-7ED752F4B632}"/>
+                  </a:ext>
+                </a:extLst>
+              </p:cNvPr>
+              <p:cNvGrpSpPr/>
+              <p:nvPr/>
+            </p:nvGrpSpPr>
+            <p:grpSpPr>
+              <a:xfrm>
+                <a:off x="6764311" y="1664814"/>
+                <a:ext cx="4141894" cy="6515279"/>
+                <a:chOff x="5240311" y="1664813"/>
+                <a:chExt cx="4141894" cy="6515279"/>
+              </a:xfrm>
+            </p:grpSpPr>
+            <p:sp>
+              <p:nvSpPr>
+                <p:cNvPr id="12" name="Rectangle: Rounded Corners 11">
+                  <a:extLst>
+                    <a:ext uri="{FF2B5EF4-FFF2-40B4-BE49-F238E27FC236}">
+                      <a16:creationId xmlns:a16="http://schemas.microsoft.com/office/drawing/2014/main" id="{45D9F87D-BC78-B51A-06DF-7843EED464C2}"/>
+                    </a:ext>
+                  </a:extLst>
+                </p:cNvPr>
+                <p:cNvSpPr/>
+                <p:nvPr/>
+              </p:nvSpPr>
+              <p:spPr>
+                <a:xfrm>
+                  <a:off x="5240311" y="1664813"/>
+                  <a:ext cx="4141894" cy="6515279"/>
+                </a:xfrm>
+                <a:prstGeom prst="roundRect">
+                  <a:avLst>
+                    <a:gd name="adj" fmla="val 5050"/>
+                  </a:avLst>
+                </a:prstGeom>
+                <a:solidFill>
+                  <a:schemeClr val="tx1">
+                    <a:lumMod val="85000"/>
+                    <a:lumOff val="15000"/>
+                  </a:schemeClr>
+                </a:solidFill>
+                <a:ln w="254000">
+                  <a:noFill/>
+                </a:ln>
+              </p:spPr>
+              <p:style>
+                <a:lnRef idx="2">
+                  <a:schemeClr val="accent1">
+                    <a:shade val="15000"/>
+                  </a:schemeClr>
+                </a:lnRef>
+                <a:fillRef idx="1">
+                  <a:schemeClr val="accent1"/>
+                </a:fillRef>
+                <a:effectRef idx="0">
+                  <a:schemeClr val="accent1"/>
+                </a:effectRef>
+                <a:fontRef idx="minor">
+                  <a:schemeClr val="lt1"/>
+                </a:fontRef>
+              </p:style>
+              <p:txBody>
+                <a:bodyPr rtlCol="0" anchor="ctr"/>
+                <a:lstStyle/>
+                <a:p>
+                  <a:pPr algn="ctr"/>
+                  <a:endParaRPr lang="es-MX" sz="3298"/>
+                </a:p>
+              </p:txBody>
+            </p:sp>
+            <p:sp>
+              <p:nvSpPr>
+                <p:cNvPr id="13" name="Oval 12">
+                  <a:extLst>
+                    <a:ext uri="{FF2B5EF4-FFF2-40B4-BE49-F238E27FC236}">
+                      <a16:creationId xmlns:a16="http://schemas.microsoft.com/office/drawing/2014/main" id="{C5E77EB6-7FFA-F86C-FCFE-29DAD1C904E6}"/>
+                    </a:ext>
+                  </a:extLst>
+                </p:cNvPr>
+                <p:cNvSpPr/>
+                <p:nvPr/>
+              </p:nvSpPr>
+              <p:spPr>
+                <a:xfrm rot="1915889">
+                  <a:off x="5702153" y="1999460"/>
+                  <a:ext cx="3262843" cy="5927847"/>
+                </a:xfrm>
+                <a:prstGeom prst="ellipse">
+                  <a:avLst/>
+                </a:prstGeom>
+                <a:solidFill>
+                  <a:srgbClr val="F71A09"/>
+                </a:solidFill>
+                <a:ln>
+                  <a:noFill/>
+                </a:ln>
+              </p:spPr>
+              <p:style>
+                <a:lnRef idx="2">
+                  <a:schemeClr val="accent1">
+                    <a:shade val="15000"/>
+                  </a:schemeClr>
+                </a:lnRef>
+                <a:fillRef idx="1">
+                  <a:schemeClr val="accent1"/>
+                </a:fillRef>
+                <a:effectRef idx="0">
+                  <a:schemeClr val="accent1"/>
+                </a:effectRef>
+                <a:fontRef idx="minor">
+                  <a:schemeClr val="lt1"/>
+                </a:fontRef>
+              </p:style>
+              <p:txBody>
+                <a:bodyPr rtlCol="0" anchor="ctr"/>
+                <a:lstStyle/>
+                <a:p>
+                  <a:pPr algn="ctr"/>
+                  <a:endParaRPr lang="es-MX" sz="3298"/>
+                </a:p>
+              </p:txBody>
+            </p:sp>
+            <p:sp>
+              <p:nvSpPr>
+                <p:cNvPr id="14" name="Rectangle: Rounded Corners 13">
+                  <a:extLst>
+                    <a:ext uri="{FF2B5EF4-FFF2-40B4-BE49-F238E27FC236}">
+                      <a16:creationId xmlns:a16="http://schemas.microsoft.com/office/drawing/2014/main" id="{2448E865-F119-6C61-9C15-2C31A25DD0E4}"/>
+                    </a:ext>
+                  </a:extLst>
+                </p:cNvPr>
+                <p:cNvSpPr/>
+                <p:nvPr/>
+              </p:nvSpPr>
+              <p:spPr>
+                <a:xfrm>
+                  <a:off x="5240311" y="1664813"/>
+                  <a:ext cx="4141894" cy="6515279"/>
+                </a:xfrm>
+                <a:prstGeom prst="roundRect">
+                  <a:avLst>
+                    <a:gd name="adj" fmla="val 8121"/>
+                  </a:avLst>
+                </a:prstGeom>
+                <a:noFill/>
+                <a:ln w="254000">
+                  <a:solidFill>
+                    <a:schemeClr val="bg1"/>
+                  </a:solidFill>
+                </a:ln>
+              </p:spPr>
+              <p:style>
+                <a:lnRef idx="2">
+                  <a:schemeClr val="accent1">
+                    <a:shade val="15000"/>
+                  </a:schemeClr>
+                </a:lnRef>
+                <a:fillRef idx="1">
+                  <a:schemeClr val="accent1"/>
+                </a:fillRef>
+                <a:effectRef idx="0">
+                  <a:schemeClr val="accent1"/>
+                </a:effectRef>
+                <a:fontRef idx="minor">
+                  <a:schemeClr val="lt1"/>
+                </a:fontRef>
+              </p:style>
+              <p:txBody>
+                <a:bodyPr rtlCol="0" anchor="ctr"/>
+                <a:lstStyle/>
+                <a:p>
+                  <a:pPr algn="ctr"/>
+                  <a:endParaRPr lang="es-MX" sz="3298"/>
+                </a:p>
+              </p:txBody>
+            </p:sp>
+          </p:grpSp>
+          <p:sp>
+            <p:nvSpPr>
+              <p:cNvPr id="11" name="TextBox 10">
+                <a:extLst>
+                  <a:ext uri="{FF2B5EF4-FFF2-40B4-BE49-F238E27FC236}">
+                    <a16:creationId xmlns:a16="http://schemas.microsoft.com/office/drawing/2014/main" id="{72F31286-F687-4CD2-1F48-AD6ABA931FE2}"/>
+                  </a:ext>
+                </a:extLst>
+              </p:cNvPr>
+              <p:cNvSpPr txBox="1"/>
+              <p:nvPr/>
+            </p:nvSpPr>
+            <p:spPr>
+              <a:xfrm rot="20441340">
+                <a:off x="6650267" y="3911801"/>
+                <a:ext cx="4766001" cy="2092714"/>
+              </a:xfrm>
+              <a:prstGeom prst="rect">
+                <a:avLst/>
+              </a:prstGeom>
+              <a:noFill/>
+            </p:spPr>
+            <p:txBody>
+              <a:bodyPr wrap="square" rtlCol="0">
+                <a:spAutoFit/>
+              </a:bodyPr>
+              <a:lstStyle/>
+              <a:p>
+                <a:r>
+                  <a:rPr lang="en-US" sz="18029" dirty="0">
+                    <a:ln w="63500" cap="rnd">
+                      <a:solidFill>
+                        <a:schemeClr val="tx1"/>
+                      </a:solidFill>
+                    </a:ln>
+                    <a:solidFill>
+                      <a:srgbClr val="FFCD2F"/>
+                    </a:solidFill>
+                    <a:effectLst>
+                      <a:glow rad="50800">
+                        <a:schemeClr val="bg1"/>
+                      </a:glow>
+                      <a:outerShdw dist="76200" dir="9000000" algn="tr" rotWithShape="0">
+                        <a:prstClr val="black"/>
+                      </a:outerShdw>
+                    </a:effectLst>
+                    <a:latin typeface="Aharoni" panose="02010803020104030203" pitchFamily="2" charset="-79"/>
+                    <a:cs typeface="Aharoni" panose="02010803020104030203" pitchFamily="2" charset="-79"/>
+                  </a:rPr>
+                  <a:t>ONU</a:t>
+                </a:r>
+                <a:endParaRPr lang="es-MX" sz="18029" dirty="0">
+                  <a:ln w="63500" cap="rnd">
+                    <a:solidFill>
+                      <a:schemeClr val="tx1"/>
+                    </a:solidFill>
+                  </a:ln>
+                  <a:solidFill>
+                    <a:srgbClr val="FFCD2F"/>
+                  </a:solidFill>
+                  <a:effectLst>
+                    <a:glow rad="50800">
+                      <a:schemeClr val="bg1"/>
+                    </a:glow>
+                    <a:outerShdw dist="76200" dir="9000000" algn="tr" rotWithShape="0">
+                      <a:prstClr val="black"/>
+                    </a:outerShdw>
+                  </a:effectLst>
+                  <a:latin typeface="Aharoni" panose="02010803020104030203" pitchFamily="2" charset="-79"/>
+                  <a:cs typeface="Aharoni" panose="02010803020104030203" pitchFamily="2" charset="-79"/>
+                </a:endParaRPr>
+              </a:p>
+            </p:txBody>
+          </p:sp>
+        </p:grpSp>
+      </p:grpSp>
+    </p:spTree>
+    <p:extLst>
+      <p:ext uri="{BB962C8B-B14F-4D97-AF65-F5344CB8AC3E}">
+        <p14:creationId xmlns:p14="http://schemas.microsoft.com/office/powerpoint/2010/main" val="1578570569"/>
+      </p:ext>
+    </p:extLst>
+  </p:cSld>
+  <p:clrMapOvr>
+    <a:masterClrMapping/>
+  </p:clrMapOvr>
+</p:sld>
+</file>
+
+<file path=ppt/slides/slide14.xml><?xml version="1.0" encoding="utf-8"?>
+<p:sld xmlns:a="http://schemas.openxmlformats.org/drawingml/2006/main" xmlns:r="http://schemas.openxmlformats.org/officeDocument/2006/relationships" xmlns:p="http://schemas.openxmlformats.org/presentationml/2006/main">
+  <p:cSld>
+    <p:bg>
+      <p:bgPr>
+        <a:solidFill>
+          <a:schemeClr val="bg2">
+            <a:lumMod val="90000"/>
+          </a:schemeClr>
+        </a:solidFill>
+        <a:effectLst/>
+      </p:bgPr>
+    </p:bg>
+    <p:spTree>
+      <p:nvGrpSpPr>
+        <p:cNvPr id="1" name=""/>
+        <p:cNvGrpSpPr/>
+        <p:nvPr/>
+      </p:nvGrpSpPr>
+      <p:grpSpPr>
+        <a:xfrm>
+          <a:off x="0" y="0"/>
+          <a:ext cx="0" cy="0"/>
+          <a:chOff x="0" y="0"/>
+          <a:chExt cx="0" cy="0"/>
+        </a:xfrm>
+      </p:grpSpPr>
+      <p:grpSp>
+        <p:nvGrpSpPr>
+          <p:cNvPr id="4" name="Group 3">
+            <a:extLst>
+              <a:ext uri="{FF2B5EF4-FFF2-40B4-BE49-F238E27FC236}">
+                <a16:creationId xmlns:a16="http://schemas.microsoft.com/office/drawing/2014/main" id="{254FCC9F-EF0D-0BE1-BDF4-4E6F2F2F07F1}"/>
+              </a:ext>
+            </a:extLst>
+          </p:cNvPr>
+          <p:cNvGrpSpPr/>
+          <p:nvPr/>
+        </p:nvGrpSpPr>
+        <p:grpSpPr>
+          <a:xfrm rot="14959286">
+            <a:off x="2733996" y="2426793"/>
+            <a:ext cx="8932216" cy="9546625"/>
+            <a:chOff x="5739043" y="3829481"/>
+            <a:chExt cx="7221090" cy="7717799"/>
+          </a:xfrm>
+        </p:grpSpPr>
+        <p:grpSp>
+          <p:nvGrpSpPr>
+            <p:cNvPr id="7" name="Group 6">
+              <a:extLst>
+                <a:ext uri="{FF2B5EF4-FFF2-40B4-BE49-F238E27FC236}">
+                  <a16:creationId xmlns:a16="http://schemas.microsoft.com/office/drawing/2014/main" id="{082C214E-B77C-6835-B167-C62367EF68D9}"/>
+                </a:ext>
+              </a:extLst>
+            </p:cNvPr>
+            <p:cNvGrpSpPr/>
+            <p:nvPr/>
+          </p:nvGrpSpPr>
+          <p:grpSpPr>
+            <a:xfrm rot="529634">
+              <a:off x="5739043" y="3829481"/>
+              <a:ext cx="4766001" cy="6515279"/>
+              <a:chOff x="6650267" y="1664814"/>
+              <a:chExt cx="4766001" cy="6515279"/>
+            </a:xfrm>
+          </p:grpSpPr>
+          <p:grpSp>
+            <p:nvGrpSpPr>
+              <p:cNvPr id="20" name="Group 19">
+                <a:extLst>
+                  <a:ext uri="{FF2B5EF4-FFF2-40B4-BE49-F238E27FC236}">
+                    <a16:creationId xmlns:a16="http://schemas.microsoft.com/office/drawing/2014/main" id="{D9CBF6D0-A827-80E4-A93E-20790113B46A}"/>
+                  </a:ext>
+                </a:extLst>
+              </p:cNvPr>
+              <p:cNvGrpSpPr/>
+              <p:nvPr/>
+            </p:nvGrpSpPr>
+            <p:grpSpPr>
+              <a:xfrm>
+                <a:off x="6764311" y="1664814"/>
+                <a:ext cx="4141894" cy="6515279"/>
+                <a:chOff x="5240311" y="1664813"/>
+                <a:chExt cx="4141894" cy="6515279"/>
+              </a:xfrm>
+            </p:grpSpPr>
+            <p:sp>
+              <p:nvSpPr>
+                <p:cNvPr id="22" name="Rectangle: Rounded Corners 21">
+                  <a:extLst>
+                    <a:ext uri="{FF2B5EF4-FFF2-40B4-BE49-F238E27FC236}">
+                      <a16:creationId xmlns:a16="http://schemas.microsoft.com/office/drawing/2014/main" id="{E9991683-CD9C-7D89-B5AD-CEC944417761}"/>
+                    </a:ext>
+                  </a:extLst>
+                </p:cNvPr>
+                <p:cNvSpPr/>
+                <p:nvPr/>
+              </p:nvSpPr>
+              <p:spPr>
+                <a:xfrm>
+                  <a:off x="5240311" y="1664813"/>
+                  <a:ext cx="4141894" cy="6515279"/>
+                </a:xfrm>
+                <a:prstGeom prst="roundRect">
+                  <a:avLst>
+                    <a:gd name="adj" fmla="val 5050"/>
+                  </a:avLst>
+                </a:prstGeom>
+                <a:solidFill>
+                  <a:schemeClr val="tx1">
+                    <a:lumMod val="85000"/>
+                    <a:lumOff val="15000"/>
+                  </a:schemeClr>
+                </a:solidFill>
+                <a:ln w="254000">
+                  <a:noFill/>
+                </a:ln>
+              </p:spPr>
+              <p:style>
+                <a:lnRef idx="2">
+                  <a:schemeClr val="accent1">
+                    <a:shade val="15000"/>
+                  </a:schemeClr>
+                </a:lnRef>
+                <a:fillRef idx="1">
+                  <a:schemeClr val="accent1"/>
+                </a:fillRef>
+                <a:effectRef idx="0">
+                  <a:schemeClr val="accent1"/>
+                </a:effectRef>
+                <a:fontRef idx="minor">
+                  <a:schemeClr val="lt1"/>
+                </a:fontRef>
+              </p:style>
+              <p:txBody>
+                <a:bodyPr rtlCol="0" anchor="ctr"/>
+                <a:lstStyle/>
+                <a:p>
+                  <a:pPr algn="ctr"/>
+                  <a:endParaRPr lang="es-MX" sz="3298"/>
+                </a:p>
+              </p:txBody>
+            </p:sp>
+            <p:sp>
+              <p:nvSpPr>
+                <p:cNvPr id="23" name="Oval 22">
+                  <a:extLst>
+                    <a:ext uri="{FF2B5EF4-FFF2-40B4-BE49-F238E27FC236}">
+                      <a16:creationId xmlns:a16="http://schemas.microsoft.com/office/drawing/2014/main" id="{7EAAB62E-0BF3-58F6-9367-AE480CF52023}"/>
+                    </a:ext>
+                  </a:extLst>
+                </p:cNvPr>
+                <p:cNvSpPr/>
+                <p:nvPr/>
+              </p:nvSpPr>
+              <p:spPr>
+                <a:xfrm rot="1915889">
+                  <a:off x="5702153" y="1999460"/>
+                  <a:ext cx="3262843" cy="5927847"/>
+                </a:xfrm>
+                <a:prstGeom prst="ellipse">
+                  <a:avLst/>
+                </a:prstGeom>
+                <a:solidFill>
+                  <a:srgbClr val="F71A09"/>
+                </a:solidFill>
+                <a:ln>
+                  <a:noFill/>
+                </a:ln>
+              </p:spPr>
+              <p:style>
+                <a:lnRef idx="2">
+                  <a:schemeClr val="accent1">
+                    <a:shade val="15000"/>
+                  </a:schemeClr>
+                </a:lnRef>
+                <a:fillRef idx="1">
+                  <a:schemeClr val="accent1"/>
+                </a:fillRef>
+                <a:effectRef idx="0">
+                  <a:schemeClr val="accent1"/>
+                </a:effectRef>
+                <a:fontRef idx="minor">
+                  <a:schemeClr val="lt1"/>
+                </a:fontRef>
+              </p:style>
+              <p:txBody>
+                <a:bodyPr rtlCol="0" anchor="ctr"/>
+                <a:lstStyle/>
+                <a:p>
+                  <a:pPr algn="ctr"/>
+                  <a:endParaRPr lang="es-MX" sz="3298"/>
+                </a:p>
+              </p:txBody>
+            </p:sp>
+            <p:sp>
+              <p:nvSpPr>
+                <p:cNvPr id="24" name="Rectangle: Rounded Corners 23">
+                  <a:extLst>
+                    <a:ext uri="{FF2B5EF4-FFF2-40B4-BE49-F238E27FC236}">
+                      <a16:creationId xmlns:a16="http://schemas.microsoft.com/office/drawing/2014/main" id="{12EA9385-F264-6F4C-13F2-363D9AC2A744}"/>
+                    </a:ext>
+                  </a:extLst>
+                </p:cNvPr>
+                <p:cNvSpPr/>
+                <p:nvPr/>
+              </p:nvSpPr>
+              <p:spPr>
+                <a:xfrm>
+                  <a:off x="5240311" y="1664813"/>
+                  <a:ext cx="4141894" cy="6515279"/>
+                </a:xfrm>
+                <a:prstGeom prst="roundRect">
+                  <a:avLst>
+                    <a:gd name="adj" fmla="val 8121"/>
+                  </a:avLst>
+                </a:prstGeom>
+                <a:noFill/>
+                <a:ln w="254000">
+                  <a:solidFill>
+                    <a:schemeClr val="bg1"/>
+                  </a:solidFill>
+                </a:ln>
+              </p:spPr>
+              <p:style>
+                <a:lnRef idx="2">
+                  <a:schemeClr val="accent1">
+                    <a:shade val="15000"/>
+                  </a:schemeClr>
+                </a:lnRef>
+                <a:fillRef idx="1">
+                  <a:schemeClr val="accent1"/>
+                </a:fillRef>
+                <a:effectRef idx="0">
+                  <a:schemeClr val="accent1"/>
+                </a:effectRef>
+                <a:fontRef idx="minor">
+                  <a:schemeClr val="lt1"/>
+                </a:fontRef>
+              </p:style>
+              <p:txBody>
+                <a:bodyPr rtlCol="0" anchor="ctr"/>
+                <a:lstStyle/>
+                <a:p>
+                  <a:pPr algn="ctr"/>
+                  <a:endParaRPr lang="es-MX" sz="3298"/>
+                </a:p>
+              </p:txBody>
+            </p:sp>
+          </p:grpSp>
+          <p:sp>
+            <p:nvSpPr>
+              <p:cNvPr id="21" name="TextBox 20">
+                <a:extLst>
+                  <a:ext uri="{FF2B5EF4-FFF2-40B4-BE49-F238E27FC236}">
+                    <a16:creationId xmlns:a16="http://schemas.microsoft.com/office/drawing/2014/main" id="{B2AFACA4-5B07-43C9-5E01-C2796BDDAB35}"/>
+                  </a:ext>
+                </a:extLst>
+              </p:cNvPr>
+              <p:cNvSpPr txBox="1"/>
+              <p:nvPr/>
+            </p:nvSpPr>
+            <p:spPr>
+              <a:xfrm rot="20441340">
+                <a:off x="6650267" y="3911799"/>
+                <a:ext cx="4766001" cy="2092714"/>
+              </a:xfrm>
+              <a:prstGeom prst="rect">
+                <a:avLst/>
+              </a:prstGeom>
+              <a:noFill/>
+            </p:spPr>
+            <p:txBody>
+              <a:bodyPr wrap="square" rtlCol="0">
+                <a:spAutoFit/>
+              </a:bodyPr>
+              <a:lstStyle/>
+              <a:p>
+                <a:r>
+                  <a:rPr lang="en-US" sz="18029" dirty="0">
+                    <a:ln w="63500" cap="rnd">
+                      <a:solidFill>
+                        <a:schemeClr val="tx1"/>
+                      </a:solidFill>
+                    </a:ln>
+                    <a:solidFill>
+                      <a:srgbClr val="FFCD2F"/>
+                    </a:solidFill>
+                    <a:effectLst>
+                      <a:glow rad="50800">
+                        <a:schemeClr val="bg1"/>
+                      </a:glow>
+                      <a:outerShdw dist="76200" dir="9000000" algn="tr" rotWithShape="0">
+                        <a:prstClr val="black"/>
+                      </a:outerShdw>
+                    </a:effectLst>
+                    <a:latin typeface="Aharoni" panose="02010803020104030203" pitchFamily="2" charset="-79"/>
+                    <a:cs typeface="Aharoni" panose="02010803020104030203" pitchFamily="2" charset="-79"/>
+                  </a:rPr>
+                  <a:t>ONU</a:t>
+                </a:r>
+                <a:endParaRPr lang="es-MX" sz="18029" dirty="0">
+                  <a:ln w="63500" cap="rnd">
+                    <a:solidFill>
+                      <a:schemeClr val="tx1"/>
+                    </a:solidFill>
+                  </a:ln>
+                  <a:solidFill>
+                    <a:srgbClr val="FFCD2F"/>
+                  </a:solidFill>
+                  <a:effectLst>
+                    <a:glow rad="50800">
+                      <a:schemeClr val="bg1"/>
+                    </a:glow>
+                    <a:outerShdw dist="76200" dir="9000000" algn="tr" rotWithShape="0">
+                      <a:prstClr val="black"/>
+                    </a:outerShdw>
+                  </a:effectLst>
+                  <a:latin typeface="Aharoni" panose="02010803020104030203" pitchFamily="2" charset="-79"/>
+                  <a:cs typeface="Aharoni" panose="02010803020104030203" pitchFamily="2" charset="-79"/>
+                </a:endParaRPr>
+              </a:p>
+            </p:txBody>
+          </p:sp>
+        </p:grpSp>
+        <p:grpSp>
+          <p:nvGrpSpPr>
+            <p:cNvPr id="8" name="Group 7">
+              <a:extLst>
+                <a:ext uri="{FF2B5EF4-FFF2-40B4-BE49-F238E27FC236}">
+                  <a16:creationId xmlns:a16="http://schemas.microsoft.com/office/drawing/2014/main" id="{AEC5F9A4-0567-5926-C6B2-7518A34836B9}"/>
+                </a:ext>
+              </a:extLst>
+            </p:cNvPr>
+            <p:cNvGrpSpPr/>
+            <p:nvPr/>
+          </p:nvGrpSpPr>
+          <p:grpSpPr>
+            <a:xfrm rot="1092642">
+              <a:off x="6863007" y="4229788"/>
+              <a:ext cx="4766001" cy="6515279"/>
+              <a:chOff x="6650266" y="1664814"/>
+              <a:chExt cx="4766001" cy="6515279"/>
+            </a:xfrm>
+          </p:grpSpPr>
+          <p:grpSp>
+            <p:nvGrpSpPr>
+              <p:cNvPr id="15" name="Group 14">
+                <a:extLst>
+                  <a:ext uri="{FF2B5EF4-FFF2-40B4-BE49-F238E27FC236}">
+                    <a16:creationId xmlns:a16="http://schemas.microsoft.com/office/drawing/2014/main" id="{84173D99-12B4-169E-BC12-FFE5A82E02E3}"/>
+                  </a:ext>
+                </a:extLst>
+              </p:cNvPr>
+              <p:cNvGrpSpPr/>
+              <p:nvPr/>
+            </p:nvGrpSpPr>
+            <p:grpSpPr>
+              <a:xfrm>
+                <a:off x="6764311" y="1664814"/>
+                <a:ext cx="4141894" cy="6515279"/>
+                <a:chOff x="5240311" y="1664813"/>
+                <a:chExt cx="4141894" cy="6515279"/>
+              </a:xfrm>
+            </p:grpSpPr>
+            <p:sp>
+              <p:nvSpPr>
+                <p:cNvPr id="17" name="Rectangle: Rounded Corners 16">
+                  <a:extLst>
+                    <a:ext uri="{FF2B5EF4-FFF2-40B4-BE49-F238E27FC236}">
+                      <a16:creationId xmlns:a16="http://schemas.microsoft.com/office/drawing/2014/main" id="{D1F60516-79F3-FB26-B96D-253AA099D7B7}"/>
+                    </a:ext>
+                  </a:extLst>
+                </p:cNvPr>
+                <p:cNvSpPr/>
+                <p:nvPr/>
+              </p:nvSpPr>
+              <p:spPr>
+                <a:xfrm>
+                  <a:off x="5240311" y="1664813"/>
+                  <a:ext cx="4141894" cy="6515279"/>
+                </a:xfrm>
+                <a:prstGeom prst="roundRect">
+                  <a:avLst>
+                    <a:gd name="adj" fmla="val 5050"/>
+                  </a:avLst>
+                </a:prstGeom>
+                <a:solidFill>
+                  <a:schemeClr val="tx1">
+                    <a:lumMod val="85000"/>
+                    <a:lumOff val="15000"/>
+                  </a:schemeClr>
+                </a:solidFill>
+                <a:ln w="254000">
+                  <a:noFill/>
+                </a:ln>
+              </p:spPr>
+              <p:style>
+                <a:lnRef idx="2">
+                  <a:schemeClr val="accent1">
+                    <a:shade val="15000"/>
+                  </a:schemeClr>
+                </a:lnRef>
+                <a:fillRef idx="1">
+                  <a:schemeClr val="accent1"/>
+                </a:fillRef>
+                <a:effectRef idx="0">
+                  <a:schemeClr val="accent1"/>
+                </a:effectRef>
+                <a:fontRef idx="minor">
+                  <a:schemeClr val="lt1"/>
+                </a:fontRef>
+              </p:style>
+              <p:txBody>
+                <a:bodyPr rtlCol="0" anchor="ctr"/>
+                <a:lstStyle/>
+                <a:p>
+                  <a:pPr algn="ctr"/>
+                  <a:endParaRPr lang="es-MX" sz="3298"/>
+                </a:p>
+              </p:txBody>
+            </p:sp>
+            <p:sp>
+              <p:nvSpPr>
+                <p:cNvPr id="18" name="Oval 17">
+                  <a:extLst>
+                    <a:ext uri="{FF2B5EF4-FFF2-40B4-BE49-F238E27FC236}">
+                      <a16:creationId xmlns:a16="http://schemas.microsoft.com/office/drawing/2014/main" id="{A7BC488B-AF19-B805-3115-05FFA563557E}"/>
+                    </a:ext>
+                  </a:extLst>
+                </p:cNvPr>
+                <p:cNvSpPr/>
+                <p:nvPr/>
+              </p:nvSpPr>
+              <p:spPr>
+                <a:xfrm rot="1915889">
+                  <a:off x="5702153" y="1999460"/>
+                  <a:ext cx="3262843" cy="5927847"/>
+                </a:xfrm>
+                <a:prstGeom prst="ellipse">
+                  <a:avLst/>
+                </a:prstGeom>
+                <a:solidFill>
+                  <a:srgbClr val="F71A09"/>
+                </a:solidFill>
+                <a:ln>
+                  <a:noFill/>
+                </a:ln>
+              </p:spPr>
+              <p:style>
+                <a:lnRef idx="2">
+                  <a:schemeClr val="accent1">
+                    <a:shade val="15000"/>
+                  </a:schemeClr>
+                </a:lnRef>
+                <a:fillRef idx="1">
+                  <a:schemeClr val="accent1"/>
+                </a:fillRef>
+                <a:effectRef idx="0">
+                  <a:schemeClr val="accent1"/>
+                </a:effectRef>
+                <a:fontRef idx="minor">
+                  <a:schemeClr val="lt1"/>
+                </a:fontRef>
+              </p:style>
+              <p:txBody>
+                <a:bodyPr rtlCol="0" anchor="ctr"/>
+                <a:lstStyle/>
+                <a:p>
+                  <a:pPr algn="ctr"/>
+                  <a:endParaRPr lang="es-MX" sz="3298"/>
+                </a:p>
+              </p:txBody>
+            </p:sp>
+            <p:sp>
+              <p:nvSpPr>
+                <p:cNvPr id="19" name="Rectangle: Rounded Corners 18">
+                  <a:extLst>
+                    <a:ext uri="{FF2B5EF4-FFF2-40B4-BE49-F238E27FC236}">
+                      <a16:creationId xmlns:a16="http://schemas.microsoft.com/office/drawing/2014/main" id="{1D499A67-1D0F-38EA-0FC3-2877EF1CEAEC}"/>
+                    </a:ext>
+                  </a:extLst>
+                </p:cNvPr>
+                <p:cNvSpPr/>
+                <p:nvPr/>
+              </p:nvSpPr>
+              <p:spPr>
+                <a:xfrm>
+                  <a:off x="5240311" y="1664813"/>
+                  <a:ext cx="4141894" cy="6515279"/>
+                </a:xfrm>
+                <a:prstGeom prst="roundRect">
+                  <a:avLst>
+                    <a:gd name="adj" fmla="val 8121"/>
+                  </a:avLst>
+                </a:prstGeom>
+                <a:noFill/>
+                <a:ln w="254000">
+                  <a:solidFill>
+                    <a:schemeClr val="bg1"/>
+                  </a:solidFill>
+                </a:ln>
+              </p:spPr>
+              <p:style>
+                <a:lnRef idx="2">
+                  <a:schemeClr val="accent1">
+                    <a:shade val="15000"/>
+                  </a:schemeClr>
+                </a:lnRef>
+                <a:fillRef idx="1">
+                  <a:schemeClr val="accent1"/>
+                </a:fillRef>
+                <a:effectRef idx="0">
+                  <a:schemeClr val="accent1"/>
+                </a:effectRef>
+                <a:fontRef idx="minor">
+                  <a:schemeClr val="lt1"/>
+                </a:fontRef>
+              </p:style>
+              <p:txBody>
+                <a:bodyPr rtlCol="0" anchor="ctr"/>
+                <a:lstStyle/>
+                <a:p>
+                  <a:pPr algn="ctr"/>
+                  <a:endParaRPr lang="es-MX" sz="3298"/>
+                </a:p>
+              </p:txBody>
+            </p:sp>
+          </p:grpSp>
+          <p:sp>
+            <p:nvSpPr>
+              <p:cNvPr id="16" name="TextBox 15">
+                <a:extLst>
+                  <a:ext uri="{FF2B5EF4-FFF2-40B4-BE49-F238E27FC236}">
+                    <a16:creationId xmlns:a16="http://schemas.microsoft.com/office/drawing/2014/main" id="{2CF5AC5C-AA6B-D9D9-9813-98B50E6AD6B7}"/>
+                  </a:ext>
+                </a:extLst>
+              </p:cNvPr>
+              <p:cNvSpPr txBox="1"/>
+              <p:nvPr/>
+            </p:nvSpPr>
+            <p:spPr>
+              <a:xfrm rot="20441340">
+                <a:off x="6650266" y="3911801"/>
+                <a:ext cx="4766001" cy="2092714"/>
+              </a:xfrm>
+              <a:prstGeom prst="rect">
+                <a:avLst/>
+              </a:prstGeom>
+              <a:noFill/>
+            </p:spPr>
+            <p:txBody>
+              <a:bodyPr wrap="square" rtlCol="0">
+                <a:spAutoFit/>
+              </a:bodyPr>
+              <a:lstStyle/>
+              <a:p>
+                <a:r>
+                  <a:rPr lang="en-US" sz="18029" dirty="0">
+                    <a:ln w="63500" cap="rnd">
+                      <a:solidFill>
+                        <a:schemeClr val="tx1"/>
+                      </a:solidFill>
+                    </a:ln>
+                    <a:solidFill>
+                      <a:srgbClr val="FFCD2F"/>
+                    </a:solidFill>
+                    <a:effectLst>
+                      <a:glow rad="50800">
+                        <a:schemeClr val="bg1"/>
+                      </a:glow>
+                      <a:outerShdw dist="76200" dir="9000000" algn="tr" rotWithShape="0">
+                        <a:prstClr val="black"/>
+                      </a:outerShdw>
+                    </a:effectLst>
+                    <a:latin typeface="Aharoni" panose="02010803020104030203" pitchFamily="2" charset="-79"/>
+                    <a:cs typeface="Aharoni" panose="02010803020104030203" pitchFamily="2" charset="-79"/>
+                  </a:rPr>
+                  <a:t>ONU</a:t>
+                </a:r>
+                <a:endParaRPr lang="es-MX" sz="18029" dirty="0">
+                  <a:ln w="63500" cap="rnd">
+                    <a:solidFill>
+                      <a:schemeClr val="tx1"/>
+                    </a:solidFill>
+                  </a:ln>
+                  <a:solidFill>
+                    <a:srgbClr val="FFCD2F"/>
+                  </a:solidFill>
+                  <a:effectLst>
+                    <a:glow rad="50800">
+                      <a:schemeClr val="bg1"/>
+                    </a:glow>
+                    <a:outerShdw dist="76200" dir="9000000" algn="tr" rotWithShape="0">
+                      <a:prstClr val="black"/>
+                    </a:outerShdw>
+                  </a:effectLst>
+                  <a:latin typeface="Aharoni" panose="02010803020104030203" pitchFamily="2" charset="-79"/>
+                  <a:cs typeface="Aharoni" panose="02010803020104030203" pitchFamily="2" charset="-79"/>
+                </a:endParaRPr>
+              </a:p>
+            </p:txBody>
+          </p:sp>
+        </p:grpSp>
+        <p:grpSp>
+          <p:nvGrpSpPr>
+            <p:cNvPr id="9" name="Group 8">
+              <a:extLst>
+                <a:ext uri="{FF2B5EF4-FFF2-40B4-BE49-F238E27FC236}">
+                  <a16:creationId xmlns:a16="http://schemas.microsoft.com/office/drawing/2014/main" id="{60491D75-30FC-156D-5DA2-294B008B1B36}"/>
+                </a:ext>
+              </a:extLst>
+            </p:cNvPr>
+            <p:cNvGrpSpPr/>
+            <p:nvPr/>
+          </p:nvGrpSpPr>
+          <p:grpSpPr>
+            <a:xfrm rot="1967284">
+              <a:off x="8194132" y="5032001"/>
+              <a:ext cx="4766001" cy="6515279"/>
+              <a:chOff x="6650267" y="1664814"/>
+              <a:chExt cx="4766001" cy="6515279"/>
+            </a:xfrm>
+          </p:grpSpPr>
+          <p:grpSp>
+            <p:nvGrpSpPr>
+              <p:cNvPr id="10" name="Group 9">
+                <a:extLst>
+                  <a:ext uri="{FF2B5EF4-FFF2-40B4-BE49-F238E27FC236}">
+                    <a16:creationId xmlns:a16="http://schemas.microsoft.com/office/drawing/2014/main" id="{8C2D8F3F-1284-E802-DBC1-7ED752F4B632}"/>
+                  </a:ext>
+                </a:extLst>
+              </p:cNvPr>
+              <p:cNvGrpSpPr/>
+              <p:nvPr/>
+            </p:nvGrpSpPr>
+            <p:grpSpPr>
+              <a:xfrm>
+                <a:off x="6764311" y="1664814"/>
+                <a:ext cx="4141894" cy="6515279"/>
+                <a:chOff x="5240311" y="1664813"/>
+                <a:chExt cx="4141894" cy="6515279"/>
+              </a:xfrm>
+            </p:grpSpPr>
+            <p:sp>
+              <p:nvSpPr>
+                <p:cNvPr id="12" name="Rectangle: Rounded Corners 11">
+                  <a:extLst>
+                    <a:ext uri="{FF2B5EF4-FFF2-40B4-BE49-F238E27FC236}">
+                      <a16:creationId xmlns:a16="http://schemas.microsoft.com/office/drawing/2014/main" id="{45D9F87D-BC78-B51A-06DF-7843EED464C2}"/>
+                    </a:ext>
+                  </a:extLst>
+                </p:cNvPr>
+                <p:cNvSpPr/>
+                <p:nvPr/>
+              </p:nvSpPr>
+              <p:spPr>
+                <a:xfrm>
+                  <a:off x="5240311" y="1664813"/>
+                  <a:ext cx="4141894" cy="6515279"/>
+                </a:xfrm>
+                <a:prstGeom prst="roundRect">
+                  <a:avLst>
+                    <a:gd name="adj" fmla="val 5050"/>
+                  </a:avLst>
+                </a:prstGeom>
+                <a:solidFill>
+                  <a:schemeClr val="tx1">
+                    <a:lumMod val="85000"/>
+                    <a:lumOff val="15000"/>
+                  </a:schemeClr>
+                </a:solidFill>
+                <a:ln w="254000">
+                  <a:noFill/>
+                </a:ln>
+              </p:spPr>
+              <p:style>
+                <a:lnRef idx="2">
+                  <a:schemeClr val="accent1">
+                    <a:shade val="15000"/>
+                  </a:schemeClr>
+                </a:lnRef>
+                <a:fillRef idx="1">
+                  <a:schemeClr val="accent1"/>
+                </a:fillRef>
+                <a:effectRef idx="0">
+                  <a:schemeClr val="accent1"/>
+                </a:effectRef>
+                <a:fontRef idx="minor">
+                  <a:schemeClr val="lt1"/>
+                </a:fontRef>
+              </p:style>
+              <p:txBody>
+                <a:bodyPr rtlCol="0" anchor="ctr"/>
+                <a:lstStyle/>
+                <a:p>
+                  <a:pPr algn="ctr"/>
+                  <a:endParaRPr lang="es-MX" sz="3298"/>
+                </a:p>
+              </p:txBody>
+            </p:sp>
+            <p:sp>
+              <p:nvSpPr>
+                <p:cNvPr id="13" name="Oval 12">
+                  <a:extLst>
+                    <a:ext uri="{FF2B5EF4-FFF2-40B4-BE49-F238E27FC236}">
+                      <a16:creationId xmlns:a16="http://schemas.microsoft.com/office/drawing/2014/main" id="{C5E77EB6-7FFA-F86C-FCFE-29DAD1C904E6}"/>
+                    </a:ext>
+                  </a:extLst>
+                </p:cNvPr>
+                <p:cNvSpPr/>
+                <p:nvPr/>
+              </p:nvSpPr>
+              <p:spPr>
+                <a:xfrm rot="1915889">
+                  <a:off x="5702153" y="1999460"/>
+                  <a:ext cx="3262843" cy="5927847"/>
+                </a:xfrm>
+                <a:prstGeom prst="ellipse">
+                  <a:avLst/>
+                </a:prstGeom>
+                <a:solidFill>
+                  <a:srgbClr val="F71A09"/>
+                </a:solidFill>
+                <a:ln>
+                  <a:noFill/>
+                </a:ln>
+              </p:spPr>
+              <p:style>
+                <a:lnRef idx="2">
+                  <a:schemeClr val="accent1">
+                    <a:shade val="15000"/>
+                  </a:schemeClr>
+                </a:lnRef>
+                <a:fillRef idx="1">
+                  <a:schemeClr val="accent1"/>
+                </a:fillRef>
+                <a:effectRef idx="0">
+                  <a:schemeClr val="accent1"/>
+                </a:effectRef>
+                <a:fontRef idx="minor">
+                  <a:schemeClr val="lt1"/>
+                </a:fontRef>
+              </p:style>
+              <p:txBody>
+                <a:bodyPr rtlCol="0" anchor="ctr"/>
+                <a:lstStyle/>
+                <a:p>
+                  <a:pPr algn="ctr"/>
+                  <a:endParaRPr lang="es-MX" sz="3298"/>
+                </a:p>
+              </p:txBody>
+            </p:sp>
+            <p:sp>
+              <p:nvSpPr>
+                <p:cNvPr id="14" name="Rectangle: Rounded Corners 13">
+                  <a:extLst>
+                    <a:ext uri="{FF2B5EF4-FFF2-40B4-BE49-F238E27FC236}">
+                      <a16:creationId xmlns:a16="http://schemas.microsoft.com/office/drawing/2014/main" id="{2448E865-F119-6C61-9C15-2C31A25DD0E4}"/>
+                    </a:ext>
+                  </a:extLst>
+                </p:cNvPr>
+                <p:cNvSpPr/>
+                <p:nvPr/>
+              </p:nvSpPr>
+              <p:spPr>
+                <a:xfrm>
+                  <a:off x="5240311" y="1664813"/>
+                  <a:ext cx="4141894" cy="6515279"/>
+                </a:xfrm>
+                <a:prstGeom prst="roundRect">
+                  <a:avLst>
+                    <a:gd name="adj" fmla="val 8121"/>
+                  </a:avLst>
+                </a:prstGeom>
+                <a:noFill/>
+                <a:ln w="254000">
+                  <a:solidFill>
+                    <a:schemeClr val="bg1"/>
+                  </a:solidFill>
+                </a:ln>
+              </p:spPr>
+              <p:style>
+                <a:lnRef idx="2">
+                  <a:schemeClr val="accent1">
+                    <a:shade val="15000"/>
+                  </a:schemeClr>
+                </a:lnRef>
+                <a:fillRef idx="1">
+                  <a:schemeClr val="accent1"/>
+                </a:fillRef>
+                <a:effectRef idx="0">
+                  <a:schemeClr val="accent1"/>
+                </a:effectRef>
+                <a:fontRef idx="minor">
+                  <a:schemeClr val="lt1"/>
+                </a:fontRef>
+              </p:style>
+              <p:txBody>
+                <a:bodyPr rtlCol="0" anchor="ctr"/>
+                <a:lstStyle/>
+                <a:p>
+                  <a:pPr algn="ctr"/>
+                  <a:endParaRPr lang="es-MX" sz="3298"/>
+                </a:p>
+              </p:txBody>
+            </p:sp>
+          </p:grpSp>
+          <p:sp>
+            <p:nvSpPr>
+              <p:cNvPr id="11" name="TextBox 10">
+                <a:extLst>
+                  <a:ext uri="{FF2B5EF4-FFF2-40B4-BE49-F238E27FC236}">
+                    <a16:creationId xmlns:a16="http://schemas.microsoft.com/office/drawing/2014/main" id="{72F31286-F687-4CD2-1F48-AD6ABA931FE2}"/>
+                  </a:ext>
+                </a:extLst>
+              </p:cNvPr>
+              <p:cNvSpPr txBox="1"/>
+              <p:nvPr/>
+            </p:nvSpPr>
+            <p:spPr>
+              <a:xfrm rot="20441340">
+                <a:off x="6650267" y="3911801"/>
+                <a:ext cx="4766001" cy="2092714"/>
+              </a:xfrm>
+              <a:prstGeom prst="rect">
+                <a:avLst/>
+              </a:prstGeom>
+              <a:noFill/>
+            </p:spPr>
+            <p:txBody>
+              <a:bodyPr wrap="square" rtlCol="0">
+                <a:spAutoFit/>
+              </a:bodyPr>
+              <a:lstStyle/>
+              <a:p>
+                <a:r>
+                  <a:rPr lang="en-US" sz="18029" dirty="0">
+                    <a:ln w="63500" cap="rnd">
+                      <a:solidFill>
+                        <a:schemeClr val="tx1"/>
+                      </a:solidFill>
+                    </a:ln>
+                    <a:solidFill>
+                      <a:srgbClr val="FFCD2F"/>
+                    </a:solidFill>
+                    <a:effectLst>
+                      <a:glow rad="50800">
+                        <a:schemeClr val="bg1"/>
+                      </a:glow>
+                      <a:outerShdw dist="76200" dir="9000000" algn="tr" rotWithShape="0">
+                        <a:prstClr val="black"/>
+                      </a:outerShdw>
+                    </a:effectLst>
+                    <a:latin typeface="Aharoni" panose="02010803020104030203" pitchFamily="2" charset="-79"/>
+                    <a:cs typeface="Aharoni" panose="02010803020104030203" pitchFamily="2" charset="-79"/>
+                  </a:rPr>
+                  <a:t>ONU</a:t>
+                </a:r>
+                <a:endParaRPr lang="es-MX" sz="18029" dirty="0">
+                  <a:ln w="63500" cap="rnd">
+                    <a:solidFill>
+                      <a:schemeClr val="tx1"/>
+                    </a:solidFill>
+                  </a:ln>
+                  <a:solidFill>
+                    <a:srgbClr val="FFCD2F"/>
+                  </a:solidFill>
+                  <a:effectLst>
+                    <a:glow rad="50800">
+                      <a:schemeClr val="bg1"/>
+                    </a:glow>
+                    <a:outerShdw dist="76200" dir="9000000" algn="tr" rotWithShape="0">
+                      <a:prstClr val="black"/>
+                    </a:outerShdw>
+                  </a:effectLst>
+                  <a:latin typeface="Aharoni" panose="02010803020104030203" pitchFamily="2" charset="-79"/>
+                  <a:cs typeface="Aharoni" panose="02010803020104030203" pitchFamily="2" charset="-79"/>
+                </a:endParaRPr>
+              </a:p>
+            </p:txBody>
+          </p:sp>
+        </p:grpSp>
+      </p:grpSp>
+    </p:spTree>
+    <p:extLst>
+      <p:ext uri="{BB962C8B-B14F-4D97-AF65-F5344CB8AC3E}">
+        <p14:creationId xmlns:p14="http://schemas.microsoft.com/office/powerpoint/2010/main" val="163325116"/>
+      </p:ext>
+    </p:extLst>
+  </p:cSld>
+  <p:clrMapOvr>
+    <a:masterClrMapping/>
+  </p:clrMapOvr>
+</p:sld>
+</file>
+
+<file path=ppt/slides/slide15.xml><?xml version="1.0" encoding="utf-8"?>
+<p:sld xmlns:a="http://schemas.openxmlformats.org/drawingml/2006/main" xmlns:r="http://schemas.openxmlformats.org/officeDocument/2006/relationships" xmlns:p="http://schemas.openxmlformats.org/presentationml/2006/main">
+  <p:cSld>
+    <p:bg>
+      <p:bgPr>
+        <a:solidFill>
+          <a:schemeClr val="bg2">
+            <a:lumMod val="90000"/>
+          </a:schemeClr>
+        </a:solidFill>
+        <a:effectLst/>
+      </p:bgPr>
+    </p:bg>
+    <p:spTree>
+      <p:nvGrpSpPr>
+        <p:cNvPr id="1" name=""/>
+        <p:cNvGrpSpPr/>
+        <p:nvPr/>
+      </p:nvGrpSpPr>
+      <p:grpSpPr>
+        <a:xfrm>
+          <a:off x="0" y="0"/>
+          <a:ext cx="0" cy="0"/>
+          <a:chOff x="0" y="0"/>
+          <a:chExt cx="0" cy="0"/>
+        </a:xfrm>
+      </p:grpSpPr>
+      <p:grpSp>
+        <p:nvGrpSpPr>
+          <p:cNvPr id="4" name="Group 3">
+            <a:extLst>
+              <a:ext uri="{FF2B5EF4-FFF2-40B4-BE49-F238E27FC236}">
+                <a16:creationId xmlns:a16="http://schemas.microsoft.com/office/drawing/2014/main" id="{254FCC9F-EF0D-0BE1-BDF4-4E6F2F2F07F1}"/>
+              </a:ext>
+            </a:extLst>
+          </p:cNvPr>
+          <p:cNvGrpSpPr/>
+          <p:nvPr/>
+        </p:nvGrpSpPr>
+        <p:grpSpPr>
+          <a:xfrm rot="14595275">
+            <a:off x="3429148" y="2674376"/>
+            <a:ext cx="7541915" cy="9051460"/>
+            <a:chOff x="6863007" y="4229788"/>
+            <a:chExt cx="6097126" cy="7317492"/>
+          </a:xfrm>
+        </p:grpSpPr>
+        <p:grpSp>
+          <p:nvGrpSpPr>
+            <p:cNvPr id="8" name="Group 7">
+              <a:extLst>
+                <a:ext uri="{FF2B5EF4-FFF2-40B4-BE49-F238E27FC236}">
+                  <a16:creationId xmlns:a16="http://schemas.microsoft.com/office/drawing/2014/main" id="{AEC5F9A4-0567-5926-C6B2-7518A34836B9}"/>
+                </a:ext>
+              </a:extLst>
+            </p:cNvPr>
+            <p:cNvGrpSpPr/>
+            <p:nvPr/>
+          </p:nvGrpSpPr>
+          <p:grpSpPr>
+            <a:xfrm rot="1092642">
+              <a:off x="6863007" y="4229788"/>
+              <a:ext cx="4766001" cy="6515279"/>
+              <a:chOff x="6650266" y="1664814"/>
+              <a:chExt cx="4766001" cy="6515279"/>
+            </a:xfrm>
+          </p:grpSpPr>
+          <p:grpSp>
+            <p:nvGrpSpPr>
+              <p:cNvPr id="15" name="Group 14">
+                <a:extLst>
+                  <a:ext uri="{FF2B5EF4-FFF2-40B4-BE49-F238E27FC236}">
+                    <a16:creationId xmlns:a16="http://schemas.microsoft.com/office/drawing/2014/main" id="{84173D99-12B4-169E-BC12-FFE5A82E02E3}"/>
+                  </a:ext>
+                </a:extLst>
+              </p:cNvPr>
+              <p:cNvGrpSpPr/>
+              <p:nvPr/>
+            </p:nvGrpSpPr>
+            <p:grpSpPr>
+              <a:xfrm>
+                <a:off x="6764311" y="1664814"/>
+                <a:ext cx="4141894" cy="6515279"/>
+                <a:chOff x="5240311" y="1664813"/>
+                <a:chExt cx="4141894" cy="6515279"/>
+              </a:xfrm>
+            </p:grpSpPr>
+            <p:sp>
+              <p:nvSpPr>
+                <p:cNvPr id="17" name="Rectangle: Rounded Corners 16">
+                  <a:extLst>
+                    <a:ext uri="{FF2B5EF4-FFF2-40B4-BE49-F238E27FC236}">
+                      <a16:creationId xmlns:a16="http://schemas.microsoft.com/office/drawing/2014/main" id="{D1F60516-79F3-FB26-B96D-253AA099D7B7}"/>
+                    </a:ext>
+                  </a:extLst>
+                </p:cNvPr>
+                <p:cNvSpPr/>
+                <p:nvPr/>
+              </p:nvSpPr>
+              <p:spPr>
+                <a:xfrm>
+                  <a:off x="5240311" y="1664813"/>
+                  <a:ext cx="4141894" cy="6515279"/>
+                </a:xfrm>
+                <a:prstGeom prst="roundRect">
+                  <a:avLst>
+                    <a:gd name="adj" fmla="val 5050"/>
+                  </a:avLst>
+                </a:prstGeom>
+                <a:solidFill>
+                  <a:schemeClr val="tx1">
+                    <a:lumMod val="85000"/>
+                    <a:lumOff val="15000"/>
+                  </a:schemeClr>
+                </a:solidFill>
+                <a:ln w="254000">
+                  <a:noFill/>
+                </a:ln>
+              </p:spPr>
+              <p:style>
+                <a:lnRef idx="2">
+                  <a:schemeClr val="accent1">
+                    <a:shade val="15000"/>
+                  </a:schemeClr>
+                </a:lnRef>
+                <a:fillRef idx="1">
+                  <a:schemeClr val="accent1"/>
+                </a:fillRef>
+                <a:effectRef idx="0">
+                  <a:schemeClr val="accent1"/>
+                </a:effectRef>
+                <a:fontRef idx="minor">
+                  <a:schemeClr val="lt1"/>
+                </a:fontRef>
+              </p:style>
+              <p:txBody>
+                <a:bodyPr rtlCol="0" anchor="ctr"/>
+                <a:lstStyle/>
+                <a:p>
+                  <a:pPr algn="ctr"/>
+                  <a:endParaRPr lang="es-MX" sz="3298"/>
+                </a:p>
+              </p:txBody>
+            </p:sp>
+            <p:sp>
+              <p:nvSpPr>
+                <p:cNvPr id="18" name="Oval 17">
+                  <a:extLst>
+                    <a:ext uri="{FF2B5EF4-FFF2-40B4-BE49-F238E27FC236}">
+                      <a16:creationId xmlns:a16="http://schemas.microsoft.com/office/drawing/2014/main" id="{A7BC488B-AF19-B805-3115-05FFA563557E}"/>
+                    </a:ext>
+                  </a:extLst>
+                </p:cNvPr>
+                <p:cNvSpPr/>
+                <p:nvPr/>
+              </p:nvSpPr>
+              <p:spPr>
+                <a:xfrm rot="1915889">
+                  <a:off x="5702153" y="1999460"/>
+                  <a:ext cx="3262843" cy="5927847"/>
+                </a:xfrm>
+                <a:prstGeom prst="ellipse">
+                  <a:avLst/>
+                </a:prstGeom>
+                <a:solidFill>
+                  <a:srgbClr val="F71A09"/>
+                </a:solidFill>
+                <a:ln>
+                  <a:noFill/>
+                </a:ln>
+              </p:spPr>
+              <p:style>
+                <a:lnRef idx="2">
+                  <a:schemeClr val="accent1">
+                    <a:shade val="15000"/>
+                  </a:schemeClr>
+                </a:lnRef>
+                <a:fillRef idx="1">
+                  <a:schemeClr val="accent1"/>
+                </a:fillRef>
+                <a:effectRef idx="0">
+                  <a:schemeClr val="accent1"/>
+                </a:effectRef>
+                <a:fontRef idx="minor">
+                  <a:schemeClr val="lt1"/>
+                </a:fontRef>
+              </p:style>
+              <p:txBody>
+                <a:bodyPr rtlCol="0" anchor="ctr"/>
+                <a:lstStyle/>
+                <a:p>
+                  <a:pPr algn="ctr"/>
+                  <a:endParaRPr lang="es-MX" sz="3298"/>
+                </a:p>
+              </p:txBody>
+            </p:sp>
+            <p:sp>
+              <p:nvSpPr>
+                <p:cNvPr id="19" name="Rectangle: Rounded Corners 18">
+                  <a:extLst>
+                    <a:ext uri="{FF2B5EF4-FFF2-40B4-BE49-F238E27FC236}">
+                      <a16:creationId xmlns:a16="http://schemas.microsoft.com/office/drawing/2014/main" id="{1D499A67-1D0F-38EA-0FC3-2877EF1CEAEC}"/>
+                    </a:ext>
+                  </a:extLst>
+                </p:cNvPr>
+                <p:cNvSpPr/>
+                <p:nvPr/>
+              </p:nvSpPr>
+              <p:spPr>
+                <a:xfrm>
+                  <a:off x="5240311" y="1664813"/>
+                  <a:ext cx="4141894" cy="6515279"/>
+                </a:xfrm>
+                <a:prstGeom prst="roundRect">
+                  <a:avLst>
+                    <a:gd name="adj" fmla="val 8121"/>
+                  </a:avLst>
+                </a:prstGeom>
+                <a:noFill/>
+                <a:ln w="254000">
+                  <a:solidFill>
+                    <a:schemeClr val="bg1"/>
+                  </a:solidFill>
+                </a:ln>
+              </p:spPr>
+              <p:style>
+                <a:lnRef idx="2">
+                  <a:schemeClr val="accent1">
+                    <a:shade val="15000"/>
+                  </a:schemeClr>
+                </a:lnRef>
+                <a:fillRef idx="1">
+                  <a:schemeClr val="accent1"/>
+                </a:fillRef>
+                <a:effectRef idx="0">
+                  <a:schemeClr val="accent1"/>
+                </a:effectRef>
+                <a:fontRef idx="minor">
+                  <a:schemeClr val="lt1"/>
+                </a:fontRef>
+              </p:style>
+              <p:txBody>
+                <a:bodyPr rtlCol="0" anchor="ctr"/>
+                <a:lstStyle/>
+                <a:p>
+                  <a:pPr algn="ctr"/>
+                  <a:endParaRPr lang="es-MX" sz="3298"/>
+                </a:p>
+              </p:txBody>
+            </p:sp>
+          </p:grpSp>
+          <p:sp>
+            <p:nvSpPr>
+              <p:cNvPr id="16" name="TextBox 15">
+                <a:extLst>
+                  <a:ext uri="{FF2B5EF4-FFF2-40B4-BE49-F238E27FC236}">
+                    <a16:creationId xmlns:a16="http://schemas.microsoft.com/office/drawing/2014/main" id="{2CF5AC5C-AA6B-D9D9-9813-98B50E6AD6B7}"/>
+                  </a:ext>
+                </a:extLst>
+              </p:cNvPr>
+              <p:cNvSpPr txBox="1"/>
+              <p:nvPr/>
+            </p:nvSpPr>
+            <p:spPr>
+              <a:xfrm rot="20441340">
+                <a:off x="6650266" y="3911801"/>
+                <a:ext cx="4766001" cy="2092714"/>
+              </a:xfrm>
+              <a:prstGeom prst="rect">
+                <a:avLst/>
+              </a:prstGeom>
+              <a:noFill/>
+            </p:spPr>
+            <p:txBody>
+              <a:bodyPr wrap="square" rtlCol="0">
+                <a:spAutoFit/>
+              </a:bodyPr>
+              <a:lstStyle/>
+              <a:p>
+                <a:r>
+                  <a:rPr lang="en-US" sz="18029" dirty="0">
+                    <a:ln w="63500" cap="rnd">
+                      <a:solidFill>
+                        <a:schemeClr val="tx1"/>
+                      </a:solidFill>
+                    </a:ln>
+                    <a:solidFill>
+                      <a:srgbClr val="FFCD2F"/>
+                    </a:solidFill>
+                    <a:effectLst>
+                      <a:glow rad="50800">
+                        <a:schemeClr val="bg1"/>
+                      </a:glow>
+                      <a:outerShdw dist="76200" dir="9000000" algn="tr" rotWithShape="0">
+                        <a:prstClr val="black"/>
+                      </a:outerShdw>
+                    </a:effectLst>
+                    <a:latin typeface="Aharoni" panose="02010803020104030203" pitchFamily="2" charset="-79"/>
+                    <a:cs typeface="Aharoni" panose="02010803020104030203" pitchFamily="2" charset="-79"/>
+                  </a:rPr>
+                  <a:t>ONU</a:t>
+                </a:r>
+                <a:endParaRPr lang="es-MX" sz="18029" dirty="0">
+                  <a:ln w="63500" cap="rnd">
+                    <a:solidFill>
+                      <a:schemeClr val="tx1"/>
+                    </a:solidFill>
+                  </a:ln>
+                  <a:solidFill>
+                    <a:srgbClr val="FFCD2F"/>
+                  </a:solidFill>
+                  <a:effectLst>
+                    <a:glow rad="50800">
+                      <a:schemeClr val="bg1"/>
+                    </a:glow>
+                    <a:outerShdw dist="76200" dir="9000000" algn="tr" rotWithShape="0">
+                      <a:prstClr val="black"/>
+                    </a:outerShdw>
+                  </a:effectLst>
+                  <a:latin typeface="Aharoni" panose="02010803020104030203" pitchFamily="2" charset="-79"/>
+                  <a:cs typeface="Aharoni" panose="02010803020104030203" pitchFamily="2" charset="-79"/>
+                </a:endParaRPr>
+              </a:p>
+            </p:txBody>
+          </p:sp>
+        </p:grpSp>
+        <p:grpSp>
+          <p:nvGrpSpPr>
+            <p:cNvPr id="9" name="Group 8">
+              <a:extLst>
+                <a:ext uri="{FF2B5EF4-FFF2-40B4-BE49-F238E27FC236}">
+                  <a16:creationId xmlns:a16="http://schemas.microsoft.com/office/drawing/2014/main" id="{60491D75-30FC-156D-5DA2-294B008B1B36}"/>
+                </a:ext>
+              </a:extLst>
+            </p:cNvPr>
+            <p:cNvGrpSpPr/>
+            <p:nvPr/>
+          </p:nvGrpSpPr>
+          <p:grpSpPr>
+            <a:xfrm rot="1967284">
+              <a:off x="8194132" y="5032001"/>
+              <a:ext cx="4766001" cy="6515279"/>
+              <a:chOff x="6650267" y="1664814"/>
+              <a:chExt cx="4766001" cy="6515279"/>
+            </a:xfrm>
+          </p:grpSpPr>
+          <p:grpSp>
+            <p:nvGrpSpPr>
+              <p:cNvPr id="10" name="Group 9">
+                <a:extLst>
+                  <a:ext uri="{FF2B5EF4-FFF2-40B4-BE49-F238E27FC236}">
+                    <a16:creationId xmlns:a16="http://schemas.microsoft.com/office/drawing/2014/main" id="{8C2D8F3F-1284-E802-DBC1-7ED752F4B632}"/>
+                  </a:ext>
+                </a:extLst>
+              </p:cNvPr>
+              <p:cNvGrpSpPr/>
+              <p:nvPr/>
+            </p:nvGrpSpPr>
+            <p:grpSpPr>
+              <a:xfrm>
+                <a:off x="6764311" y="1664814"/>
+                <a:ext cx="4141894" cy="6515279"/>
+                <a:chOff x="5240311" y="1664813"/>
+                <a:chExt cx="4141894" cy="6515279"/>
+              </a:xfrm>
+            </p:grpSpPr>
+            <p:sp>
+              <p:nvSpPr>
+                <p:cNvPr id="12" name="Rectangle: Rounded Corners 11">
+                  <a:extLst>
+                    <a:ext uri="{FF2B5EF4-FFF2-40B4-BE49-F238E27FC236}">
+                      <a16:creationId xmlns:a16="http://schemas.microsoft.com/office/drawing/2014/main" id="{45D9F87D-BC78-B51A-06DF-7843EED464C2}"/>
+                    </a:ext>
+                  </a:extLst>
+                </p:cNvPr>
+                <p:cNvSpPr/>
+                <p:nvPr/>
+              </p:nvSpPr>
+              <p:spPr>
+                <a:xfrm>
+                  <a:off x="5240311" y="1664813"/>
+                  <a:ext cx="4141894" cy="6515279"/>
+                </a:xfrm>
+                <a:prstGeom prst="roundRect">
+                  <a:avLst>
+                    <a:gd name="adj" fmla="val 5050"/>
+                  </a:avLst>
+                </a:prstGeom>
+                <a:solidFill>
+                  <a:schemeClr val="tx1">
+                    <a:lumMod val="85000"/>
+                    <a:lumOff val="15000"/>
+                  </a:schemeClr>
+                </a:solidFill>
+                <a:ln w="254000">
+                  <a:noFill/>
+                </a:ln>
+              </p:spPr>
+              <p:style>
+                <a:lnRef idx="2">
+                  <a:schemeClr val="accent1">
+                    <a:shade val="15000"/>
+                  </a:schemeClr>
+                </a:lnRef>
+                <a:fillRef idx="1">
+                  <a:schemeClr val="accent1"/>
+                </a:fillRef>
+                <a:effectRef idx="0">
+                  <a:schemeClr val="accent1"/>
+                </a:effectRef>
+                <a:fontRef idx="minor">
+                  <a:schemeClr val="lt1"/>
+                </a:fontRef>
+              </p:style>
+              <p:txBody>
+                <a:bodyPr rtlCol="0" anchor="ctr"/>
+                <a:lstStyle/>
+                <a:p>
+                  <a:pPr algn="ctr"/>
+                  <a:endParaRPr lang="es-MX" sz="3298"/>
+                </a:p>
+              </p:txBody>
+            </p:sp>
+            <p:sp>
+              <p:nvSpPr>
+                <p:cNvPr id="13" name="Oval 12">
+                  <a:extLst>
+                    <a:ext uri="{FF2B5EF4-FFF2-40B4-BE49-F238E27FC236}">
+                      <a16:creationId xmlns:a16="http://schemas.microsoft.com/office/drawing/2014/main" id="{C5E77EB6-7FFA-F86C-FCFE-29DAD1C904E6}"/>
+                    </a:ext>
+                  </a:extLst>
+                </p:cNvPr>
+                <p:cNvSpPr/>
+                <p:nvPr/>
+              </p:nvSpPr>
+              <p:spPr>
+                <a:xfrm rot="1915889">
+                  <a:off x="5702153" y="1999460"/>
+                  <a:ext cx="3262843" cy="5927847"/>
+                </a:xfrm>
+                <a:prstGeom prst="ellipse">
+                  <a:avLst/>
+                </a:prstGeom>
+                <a:solidFill>
+                  <a:srgbClr val="F71A09"/>
+                </a:solidFill>
+                <a:ln>
+                  <a:noFill/>
+                </a:ln>
+              </p:spPr>
+              <p:style>
+                <a:lnRef idx="2">
+                  <a:schemeClr val="accent1">
+                    <a:shade val="15000"/>
+                  </a:schemeClr>
+                </a:lnRef>
+                <a:fillRef idx="1">
+                  <a:schemeClr val="accent1"/>
+                </a:fillRef>
+                <a:effectRef idx="0">
+                  <a:schemeClr val="accent1"/>
+                </a:effectRef>
+                <a:fontRef idx="minor">
+                  <a:schemeClr val="lt1"/>
+                </a:fontRef>
+              </p:style>
+              <p:txBody>
+                <a:bodyPr rtlCol="0" anchor="ctr"/>
+                <a:lstStyle/>
+                <a:p>
+                  <a:pPr algn="ctr"/>
+                  <a:endParaRPr lang="es-MX" sz="3298"/>
+                </a:p>
+              </p:txBody>
+            </p:sp>
+            <p:sp>
+              <p:nvSpPr>
+                <p:cNvPr id="14" name="Rectangle: Rounded Corners 13">
+                  <a:extLst>
+                    <a:ext uri="{FF2B5EF4-FFF2-40B4-BE49-F238E27FC236}">
+                      <a16:creationId xmlns:a16="http://schemas.microsoft.com/office/drawing/2014/main" id="{2448E865-F119-6C61-9C15-2C31A25DD0E4}"/>
+                    </a:ext>
+                  </a:extLst>
+                </p:cNvPr>
+                <p:cNvSpPr/>
+                <p:nvPr/>
+              </p:nvSpPr>
+              <p:spPr>
+                <a:xfrm>
+                  <a:off x="5240311" y="1664813"/>
+                  <a:ext cx="4141894" cy="6515279"/>
+                </a:xfrm>
+                <a:prstGeom prst="roundRect">
+                  <a:avLst>
+                    <a:gd name="adj" fmla="val 8121"/>
+                  </a:avLst>
+                </a:prstGeom>
+                <a:noFill/>
+                <a:ln w="254000">
+                  <a:solidFill>
+                    <a:schemeClr val="bg1"/>
+                  </a:solidFill>
+                </a:ln>
+              </p:spPr>
+              <p:style>
+                <a:lnRef idx="2">
+                  <a:schemeClr val="accent1">
+                    <a:shade val="15000"/>
+                  </a:schemeClr>
+                </a:lnRef>
+                <a:fillRef idx="1">
+                  <a:schemeClr val="accent1"/>
+                </a:fillRef>
+                <a:effectRef idx="0">
+                  <a:schemeClr val="accent1"/>
+                </a:effectRef>
+                <a:fontRef idx="minor">
+                  <a:schemeClr val="lt1"/>
+                </a:fontRef>
+              </p:style>
+              <p:txBody>
+                <a:bodyPr rtlCol="0" anchor="ctr"/>
+                <a:lstStyle/>
+                <a:p>
+                  <a:pPr algn="ctr"/>
+                  <a:endParaRPr lang="es-MX" sz="3298"/>
+                </a:p>
+              </p:txBody>
+            </p:sp>
+          </p:grpSp>
+          <p:sp>
+            <p:nvSpPr>
+              <p:cNvPr id="11" name="TextBox 10">
+                <a:extLst>
+                  <a:ext uri="{FF2B5EF4-FFF2-40B4-BE49-F238E27FC236}">
+                    <a16:creationId xmlns:a16="http://schemas.microsoft.com/office/drawing/2014/main" id="{72F31286-F687-4CD2-1F48-AD6ABA931FE2}"/>
+                  </a:ext>
+                </a:extLst>
+              </p:cNvPr>
+              <p:cNvSpPr txBox="1"/>
+              <p:nvPr/>
+            </p:nvSpPr>
+            <p:spPr>
+              <a:xfrm rot="20441340">
+                <a:off x="6650267" y="3911801"/>
+                <a:ext cx="4766001" cy="2092714"/>
+              </a:xfrm>
+              <a:prstGeom prst="rect">
+                <a:avLst/>
+              </a:prstGeom>
+              <a:noFill/>
+            </p:spPr>
+            <p:txBody>
+              <a:bodyPr wrap="square" rtlCol="0">
+                <a:spAutoFit/>
+              </a:bodyPr>
+              <a:lstStyle/>
+              <a:p>
+                <a:r>
+                  <a:rPr lang="en-US" sz="18029" dirty="0">
+                    <a:ln w="63500" cap="rnd">
+                      <a:solidFill>
+                        <a:schemeClr val="tx1"/>
+                      </a:solidFill>
+                    </a:ln>
+                    <a:solidFill>
+                      <a:srgbClr val="FFCD2F"/>
+                    </a:solidFill>
+                    <a:effectLst>
+                      <a:glow rad="50800">
+                        <a:schemeClr val="bg1"/>
+                      </a:glow>
+                      <a:outerShdw dist="76200" dir="9000000" algn="tr" rotWithShape="0">
+                        <a:prstClr val="black"/>
+                      </a:outerShdw>
+                    </a:effectLst>
+                    <a:latin typeface="Aharoni" panose="02010803020104030203" pitchFamily="2" charset="-79"/>
+                    <a:cs typeface="Aharoni" panose="02010803020104030203" pitchFamily="2" charset="-79"/>
+                  </a:rPr>
+                  <a:t>ONU</a:t>
+                </a:r>
+                <a:endParaRPr lang="es-MX" sz="18029" dirty="0">
+                  <a:ln w="63500" cap="rnd">
+                    <a:solidFill>
+                      <a:schemeClr val="tx1"/>
+                    </a:solidFill>
+                  </a:ln>
+                  <a:solidFill>
+                    <a:srgbClr val="FFCD2F"/>
+                  </a:solidFill>
+                  <a:effectLst>
+                    <a:glow rad="50800">
+                      <a:schemeClr val="bg1"/>
+                    </a:glow>
+                    <a:outerShdw dist="76200" dir="9000000" algn="tr" rotWithShape="0">
+                      <a:prstClr val="black"/>
+                    </a:outerShdw>
+                  </a:effectLst>
+                  <a:latin typeface="Aharoni" panose="02010803020104030203" pitchFamily="2" charset="-79"/>
+                  <a:cs typeface="Aharoni" panose="02010803020104030203" pitchFamily="2" charset="-79"/>
+                </a:endParaRPr>
+              </a:p>
+            </p:txBody>
+          </p:sp>
+        </p:grpSp>
+      </p:grpSp>
+    </p:spTree>
+    <p:extLst>
+      <p:ext uri="{BB962C8B-B14F-4D97-AF65-F5344CB8AC3E}">
+        <p14:creationId xmlns:p14="http://schemas.microsoft.com/office/powerpoint/2010/main" val="1265806662"/>
+      </p:ext>
+    </p:extLst>
+  </p:cSld>
+  <p:clrMapOvr>
+    <a:masterClrMapping/>
+  </p:clrMapOvr>
+</p:sld>
+</file>
+
+<file path=ppt/slides/slide16.xml><?xml version="1.0" encoding="utf-8"?>
+<p:sld xmlns:a="http://schemas.openxmlformats.org/drawingml/2006/main" xmlns:r="http://schemas.openxmlformats.org/officeDocument/2006/relationships" xmlns:p="http://schemas.openxmlformats.org/presentationml/2006/main">
+  <p:cSld>
+    <p:bg>
+      <p:bgPr>
+        <a:solidFill>
+          <a:schemeClr val="bg2">
+            <a:lumMod val="90000"/>
+          </a:schemeClr>
+        </a:solidFill>
+        <a:effectLst/>
+      </p:bgPr>
+    </p:bg>
+    <p:spTree>
+      <p:nvGrpSpPr>
+        <p:cNvPr id="1" name=""/>
+        <p:cNvGrpSpPr/>
+        <p:nvPr/>
+      </p:nvGrpSpPr>
+      <p:grpSpPr>
+        <a:xfrm>
+          <a:off x="0" y="0"/>
+          <a:ext cx="0" cy="0"/>
+          <a:chOff x="0" y="0"/>
+          <a:chExt cx="0" cy="0"/>
+        </a:xfrm>
+      </p:grpSpPr>
+      <p:grpSp>
+        <p:nvGrpSpPr>
+          <p:cNvPr id="9" name="Group 8">
+            <a:extLst>
+              <a:ext uri="{FF2B5EF4-FFF2-40B4-BE49-F238E27FC236}">
+                <a16:creationId xmlns:a16="http://schemas.microsoft.com/office/drawing/2014/main" id="{60491D75-30FC-156D-5DA2-294B008B1B36}"/>
+              </a:ext>
+            </a:extLst>
+          </p:cNvPr>
+          <p:cNvGrpSpPr/>
+          <p:nvPr/>
+        </p:nvGrpSpPr>
+        <p:grpSpPr>
+          <a:xfrm rot="16200000">
+            <a:off x="4252424" y="3170529"/>
+            <a:ext cx="5895363" cy="8059153"/>
+            <a:chOff x="6650267" y="1664814"/>
+            <a:chExt cx="4766001" cy="6515279"/>
+          </a:xfrm>
+        </p:grpSpPr>
+        <p:grpSp>
+          <p:nvGrpSpPr>
+            <p:cNvPr id="10" name="Group 9">
+              <a:extLst>
+                <a:ext uri="{FF2B5EF4-FFF2-40B4-BE49-F238E27FC236}">
+                  <a16:creationId xmlns:a16="http://schemas.microsoft.com/office/drawing/2014/main" id="{8C2D8F3F-1284-E802-DBC1-7ED752F4B632}"/>
+                </a:ext>
+              </a:extLst>
+            </p:cNvPr>
+            <p:cNvGrpSpPr/>
+            <p:nvPr/>
+          </p:nvGrpSpPr>
+          <p:grpSpPr>
+            <a:xfrm>
+              <a:off x="6764311" y="1664814"/>
+              <a:ext cx="4141894" cy="6515279"/>
+              <a:chOff x="5240311" y="1664813"/>
+              <a:chExt cx="4141894" cy="6515279"/>
+            </a:xfrm>
+          </p:grpSpPr>
+          <p:sp>
+            <p:nvSpPr>
+              <p:cNvPr id="12" name="Rectangle: Rounded Corners 11">
+                <a:extLst>
+                  <a:ext uri="{FF2B5EF4-FFF2-40B4-BE49-F238E27FC236}">
+                    <a16:creationId xmlns:a16="http://schemas.microsoft.com/office/drawing/2014/main" id="{45D9F87D-BC78-B51A-06DF-7843EED464C2}"/>
+                  </a:ext>
+                </a:extLst>
+              </p:cNvPr>
+              <p:cNvSpPr/>
+              <p:nvPr/>
+            </p:nvSpPr>
+            <p:spPr>
+              <a:xfrm>
+                <a:off x="5240311" y="1664813"/>
+                <a:ext cx="4141894" cy="6515279"/>
+              </a:xfrm>
+              <a:prstGeom prst="roundRect">
+                <a:avLst>
+                  <a:gd name="adj" fmla="val 5050"/>
+                </a:avLst>
+              </a:prstGeom>
+              <a:solidFill>
+                <a:schemeClr val="tx1">
+                  <a:lumMod val="85000"/>
+                  <a:lumOff val="15000"/>
+                </a:schemeClr>
+              </a:solidFill>
+              <a:ln w="254000">
+                <a:noFill/>
+              </a:ln>
+            </p:spPr>
+            <p:style>
+              <a:lnRef idx="2">
+                <a:schemeClr val="accent1">
+                  <a:shade val="15000"/>
+                </a:schemeClr>
+              </a:lnRef>
+              <a:fillRef idx="1">
+                <a:schemeClr val="accent1"/>
+              </a:fillRef>
+              <a:effectRef idx="0">
+                <a:schemeClr val="accent1"/>
+              </a:effectRef>
+              <a:fontRef idx="minor">
+                <a:schemeClr val="lt1"/>
+              </a:fontRef>
+            </p:style>
+            <p:txBody>
+              <a:bodyPr rtlCol="0" anchor="ctr"/>
+              <a:lstStyle/>
+              <a:p>
+                <a:pPr algn="ctr"/>
+                <a:endParaRPr lang="es-MX" sz="3298"/>
+              </a:p>
+            </p:txBody>
+          </p:sp>
+          <p:sp>
+            <p:nvSpPr>
+              <p:cNvPr id="13" name="Oval 12">
+                <a:extLst>
+                  <a:ext uri="{FF2B5EF4-FFF2-40B4-BE49-F238E27FC236}">
+                    <a16:creationId xmlns:a16="http://schemas.microsoft.com/office/drawing/2014/main" id="{C5E77EB6-7FFA-F86C-FCFE-29DAD1C904E6}"/>
+                  </a:ext>
+                </a:extLst>
+              </p:cNvPr>
+              <p:cNvSpPr/>
+              <p:nvPr/>
+            </p:nvSpPr>
+            <p:spPr>
+              <a:xfrm rot="1915889">
+                <a:off x="5702153" y="1999460"/>
+                <a:ext cx="3262843" cy="5927847"/>
+              </a:xfrm>
+              <a:prstGeom prst="ellipse">
+                <a:avLst/>
+              </a:prstGeom>
+              <a:solidFill>
+                <a:srgbClr val="F71A09"/>
+              </a:solidFill>
+              <a:ln>
+                <a:noFill/>
+              </a:ln>
+            </p:spPr>
+            <p:style>
+              <a:lnRef idx="2">
+                <a:schemeClr val="accent1">
+                  <a:shade val="15000"/>
+                </a:schemeClr>
+              </a:lnRef>
+              <a:fillRef idx="1">
+                <a:schemeClr val="accent1"/>
+              </a:fillRef>
+              <a:effectRef idx="0">
+                <a:schemeClr val="accent1"/>
+              </a:effectRef>
+              <a:fontRef idx="minor">
+                <a:schemeClr val="lt1"/>
+              </a:fontRef>
+            </p:style>
+            <p:txBody>
+              <a:bodyPr rtlCol="0" anchor="ctr"/>
+              <a:lstStyle/>
+              <a:p>
+                <a:pPr algn="ctr"/>
+                <a:endParaRPr lang="es-MX" sz="3298"/>
+              </a:p>
+            </p:txBody>
+          </p:sp>
+          <p:sp>
+            <p:nvSpPr>
+              <p:cNvPr id="14" name="Rectangle: Rounded Corners 13">
+                <a:extLst>
+                  <a:ext uri="{FF2B5EF4-FFF2-40B4-BE49-F238E27FC236}">
+                    <a16:creationId xmlns:a16="http://schemas.microsoft.com/office/drawing/2014/main" id="{2448E865-F119-6C61-9C15-2C31A25DD0E4}"/>
+                  </a:ext>
+                </a:extLst>
+              </p:cNvPr>
+              <p:cNvSpPr/>
+              <p:nvPr/>
+            </p:nvSpPr>
+            <p:spPr>
+              <a:xfrm>
+                <a:off x="5240311" y="1664813"/>
+                <a:ext cx="4141894" cy="6515279"/>
+              </a:xfrm>
+              <a:prstGeom prst="roundRect">
+                <a:avLst>
+                  <a:gd name="adj" fmla="val 8121"/>
+                </a:avLst>
+              </a:prstGeom>
+              <a:noFill/>
+              <a:ln w="254000">
+                <a:solidFill>
+                  <a:schemeClr val="bg1"/>
+                </a:solidFill>
+              </a:ln>
+            </p:spPr>
+            <p:style>
+              <a:lnRef idx="2">
+                <a:schemeClr val="accent1">
+                  <a:shade val="15000"/>
+                </a:schemeClr>
+              </a:lnRef>
+              <a:fillRef idx="1">
+                <a:schemeClr val="accent1"/>
+              </a:fillRef>
+              <a:effectRef idx="0">
+                <a:schemeClr val="accent1"/>
+              </a:effectRef>
+              <a:fontRef idx="minor">
+                <a:schemeClr val="lt1"/>
+              </a:fontRef>
+            </p:style>
+            <p:txBody>
+              <a:bodyPr rtlCol="0" anchor="ctr"/>
+              <a:lstStyle/>
+              <a:p>
+                <a:pPr algn="ctr"/>
+                <a:endParaRPr lang="es-MX" sz="3298"/>
+              </a:p>
+            </p:txBody>
+          </p:sp>
+        </p:grpSp>
+        <p:sp>
+          <p:nvSpPr>
+            <p:cNvPr id="11" name="TextBox 10">
+              <a:extLst>
+                <a:ext uri="{FF2B5EF4-FFF2-40B4-BE49-F238E27FC236}">
+                  <a16:creationId xmlns:a16="http://schemas.microsoft.com/office/drawing/2014/main" id="{72F31286-F687-4CD2-1F48-AD6ABA931FE2}"/>
+                </a:ext>
+              </a:extLst>
+            </p:cNvPr>
+            <p:cNvSpPr txBox="1"/>
+            <p:nvPr/>
+          </p:nvSpPr>
+          <p:spPr>
+            <a:xfrm rot="20441340">
+              <a:off x="6650267" y="3911801"/>
+              <a:ext cx="4766001" cy="2092714"/>
+            </a:xfrm>
+            <a:prstGeom prst="rect">
+              <a:avLst/>
+            </a:prstGeom>
+            <a:noFill/>
+          </p:spPr>
+          <p:txBody>
+            <a:bodyPr wrap="square" rtlCol="0">
+              <a:spAutoFit/>
+            </a:bodyPr>
+            <a:lstStyle/>
+            <a:p>
+              <a:r>
+                <a:rPr lang="en-US" sz="18029" dirty="0">
+                  <a:ln w="63500" cap="rnd">
+                    <a:solidFill>
+                      <a:schemeClr val="tx1"/>
+                    </a:solidFill>
+                  </a:ln>
+                  <a:solidFill>
+                    <a:srgbClr val="FFCD2F"/>
+                  </a:solidFill>
+                  <a:effectLst>
+                    <a:glow rad="50800">
+                      <a:schemeClr val="bg1"/>
+                    </a:glow>
+                    <a:outerShdw dist="76200" dir="9000000" algn="tr" rotWithShape="0">
+                      <a:prstClr val="black"/>
+                    </a:outerShdw>
+                  </a:effectLst>
+                  <a:latin typeface="Aharoni" panose="02010803020104030203" pitchFamily="2" charset="-79"/>
+                  <a:cs typeface="Aharoni" panose="02010803020104030203" pitchFamily="2" charset="-79"/>
+                </a:rPr>
+                <a:t>ONU</a:t>
+              </a:r>
+              <a:endParaRPr lang="es-MX" sz="18029" dirty="0">
+                <a:ln w="63500" cap="rnd">
+                  <a:solidFill>
+                    <a:schemeClr val="tx1"/>
+                  </a:solidFill>
+                </a:ln>
+                <a:solidFill>
+                  <a:srgbClr val="FFCD2F"/>
+                </a:solidFill>
+                <a:effectLst>
+                  <a:glow rad="50800">
+                    <a:schemeClr val="bg1"/>
+                  </a:glow>
+                  <a:outerShdw dist="76200" dir="9000000" algn="tr" rotWithShape="0">
+                    <a:prstClr val="black"/>
+                  </a:outerShdw>
+                </a:effectLst>
+                <a:latin typeface="Aharoni" panose="02010803020104030203" pitchFamily="2" charset="-79"/>
+                <a:cs typeface="Aharoni" panose="02010803020104030203" pitchFamily="2" charset="-79"/>
+              </a:endParaRPr>
+            </a:p>
+          </p:txBody>
+        </p:sp>
+      </p:grpSp>
+    </p:spTree>
+    <p:extLst>
+      <p:ext uri="{BB962C8B-B14F-4D97-AF65-F5344CB8AC3E}">
+        <p14:creationId xmlns:p14="http://schemas.microsoft.com/office/powerpoint/2010/main" val="753702584"/>
+      </p:ext>
+    </p:extLst>
+  </p:cSld>
+  <p:clrMapOvr>
+    <a:masterClrMapping/>
+  </p:clrMapOvr>
+</p:sld>
+</file>
+
 <file path=ppt/slides/slide2.xml><?xml version="1.0" encoding="utf-8"?>
 <p:sld xmlns:a="http://schemas.openxmlformats.org/drawingml/2006/main" xmlns:r="http://schemas.openxmlformats.org/officeDocument/2006/relationships" xmlns:p="http://schemas.openxmlformats.org/presentationml/2006/main">
   <p:cSld>
@@ -7427,6 +12845,3944 @@
 </p:sld>
 </file>
 
+<file path=ppt/slides/slide6.xml><?xml version="1.0" encoding="utf-8"?>
+<p:sld xmlns:a="http://schemas.openxmlformats.org/drawingml/2006/main" xmlns:r="http://schemas.openxmlformats.org/officeDocument/2006/relationships" xmlns:p="http://schemas.openxmlformats.org/presentationml/2006/main">
+  <p:cSld>
+    <p:bg>
+      <p:bgPr>
+        <a:solidFill>
+          <a:schemeClr val="bg2">
+            <a:lumMod val="90000"/>
+          </a:schemeClr>
+        </a:solidFill>
+        <a:effectLst/>
+      </p:bgPr>
+    </p:bg>
+    <p:spTree>
+      <p:nvGrpSpPr>
+        <p:cNvPr id="1" name=""/>
+        <p:cNvGrpSpPr/>
+        <p:nvPr/>
+      </p:nvGrpSpPr>
+      <p:grpSpPr>
+        <a:xfrm>
+          <a:off x="0" y="0"/>
+          <a:ext cx="0" cy="0"/>
+          <a:chOff x="0" y="0"/>
+          <a:chExt cx="0" cy="0"/>
+        </a:xfrm>
+      </p:grpSpPr>
+      <p:grpSp>
+        <p:nvGrpSpPr>
+          <p:cNvPr id="17" name="Group 16">
+            <a:extLst>
+              <a:ext uri="{FF2B5EF4-FFF2-40B4-BE49-F238E27FC236}">
+                <a16:creationId xmlns:a16="http://schemas.microsoft.com/office/drawing/2014/main" id="{EBC0E682-209D-5ED0-5E58-BB873C6987C5}"/>
+              </a:ext>
+            </a:extLst>
+          </p:cNvPr>
+          <p:cNvGrpSpPr/>
+          <p:nvPr/>
+        </p:nvGrpSpPr>
+        <p:grpSpPr>
+          <a:xfrm>
+            <a:off x="2941922" y="2007226"/>
+            <a:ext cx="8059160" cy="6298584"/>
+            <a:chOff x="3170522" y="883276"/>
+            <a:chExt cx="8059160" cy="6298584"/>
+          </a:xfrm>
+        </p:grpSpPr>
+        <p:sp>
+          <p:nvSpPr>
+            <p:cNvPr id="7" name="Rectangle: Rounded Corners 6">
+              <a:extLst>
+                <a:ext uri="{FF2B5EF4-FFF2-40B4-BE49-F238E27FC236}">
+                  <a16:creationId xmlns:a16="http://schemas.microsoft.com/office/drawing/2014/main" id="{5EB96F49-BFC1-0684-6A88-7D2087227B17}"/>
+                </a:ext>
+              </a:extLst>
+            </p:cNvPr>
+            <p:cNvSpPr/>
+            <p:nvPr/>
+          </p:nvSpPr>
+          <p:spPr>
+            <a:xfrm rot="5400000">
+              <a:off x="4410247" y="362430"/>
+              <a:ext cx="5579705" cy="8059155"/>
+            </a:xfrm>
+            <a:prstGeom prst="roundRect">
+              <a:avLst>
+                <a:gd name="adj" fmla="val 8121"/>
+              </a:avLst>
+            </a:prstGeom>
+            <a:solidFill>
+              <a:schemeClr val="bg1">
+                <a:lumMod val="95000"/>
+              </a:schemeClr>
+            </a:solidFill>
+            <a:ln w="254000">
+              <a:solidFill>
+                <a:schemeClr val="bg1">
+                  <a:lumMod val="95000"/>
+                </a:schemeClr>
+              </a:solidFill>
+            </a:ln>
+          </p:spPr>
+          <p:style>
+            <a:lnRef idx="2">
+              <a:schemeClr val="accent1">
+                <a:shade val="15000"/>
+              </a:schemeClr>
+            </a:lnRef>
+            <a:fillRef idx="1">
+              <a:schemeClr val="accent1"/>
+            </a:fillRef>
+            <a:effectRef idx="0">
+              <a:schemeClr val="accent1"/>
+            </a:effectRef>
+            <a:fontRef idx="minor">
+              <a:schemeClr val="lt1"/>
+            </a:fontRef>
+          </p:style>
+          <p:txBody>
+            <a:bodyPr rtlCol="0" anchor="ctr"/>
+            <a:lstStyle/>
+            <a:p>
+              <a:pPr algn="ctr"/>
+              <a:endParaRPr lang="es-MX" sz="3298" dirty="0"/>
+            </a:p>
+          </p:txBody>
+        </p:sp>
+        <p:grpSp>
+          <p:nvGrpSpPr>
+            <p:cNvPr id="9" name="Group 8">
+              <a:extLst>
+                <a:ext uri="{FF2B5EF4-FFF2-40B4-BE49-F238E27FC236}">
+                  <a16:creationId xmlns:a16="http://schemas.microsoft.com/office/drawing/2014/main" id="{60491D75-30FC-156D-5DA2-294B008B1B36}"/>
+                </a:ext>
+              </a:extLst>
+            </p:cNvPr>
+            <p:cNvGrpSpPr/>
+            <p:nvPr/>
+          </p:nvGrpSpPr>
+          <p:grpSpPr>
+            <a:xfrm rot="5400000">
+              <a:off x="4252424" y="-198619"/>
+              <a:ext cx="5895363" cy="8059153"/>
+              <a:chOff x="6650267" y="1664814"/>
+              <a:chExt cx="4766001" cy="6515279"/>
+            </a:xfrm>
+          </p:grpSpPr>
+          <p:grpSp>
+            <p:nvGrpSpPr>
+              <p:cNvPr id="10" name="Group 9">
+                <a:extLst>
+                  <a:ext uri="{FF2B5EF4-FFF2-40B4-BE49-F238E27FC236}">
+                    <a16:creationId xmlns:a16="http://schemas.microsoft.com/office/drawing/2014/main" id="{8C2D8F3F-1284-E802-DBC1-7ED752F4B632}"/>
+                  </a:ext>
+                </a:extLst>
+              </p:cNvPr>
+              <p:cNvGrpSpPr/>
+              <p:nvPr/>
+            </p:nvGrpSpPr>
+            <p:grpSpPr>
+              <a:xfrm>
+                <a:off x="6764311" y="1664814"/>
+                <a:ext cx="4141894" cy="6515279"/>
+                <a:chOff x="5240311" y="1664813"/>
+                <a:chExt cx="4141894" cy="6515279"/>
+              </a:xfrm>
+            </p:grpSpPr>
+            <p:sp>
+              <p:nvSpPr>
+                <p:cNvPr id="12" name="Rectangle: Rounded Corners 11">
+                  <a:extLst>
+                    <a:ext uri="{FF2B5EF4-FFF2-40B4-BE49-F238E27FC236}">
+                      <a16:creationId xmlns:a16="http://schemas.microsoft.com/office/drawing/2014/main" id="{45D9F87D-BC78-B51A-06DF-7843EED464C2}"/>
+                    </a:ext>
+                  </a:extLst>
+                </p:cNvPr>
+                <p:cNvSpPr/>
+                <p:nvPr/>
+              </p:nvSpPr>
+              <p:spPr>
+                <a:xfrm>
+                  <a:off x="5240311" y="1664813"/>
+                  <a:ext cx="4141894" cy="6515279"/>
+                </a:xfrm>
+                <a:prstGeom prst="roundRect">
+                  <a:avLst>
+                    <a:gd name="adj" fmla="val 5050"/>
+                  </a:avLst>
+                </a:prstGeom>
+                <a:solidFill>
+                  <a:schemeClr val="tx1">
+                    <a:lumMod val="85000"/>
+                    <a:lumOff val="15000"/>
+                  </a:schemeClr>
+                </a:solidFill>
+                <a:ln w="254000">
+                  <a:noFill/>
+                </a:ln>
+              </p:spPr>
+              <p:style>
+                <a:lnRef idx="2">
+                  <a:schemeClr val="accent1">
+                    <a:shade val="15000"/>
+                  </a:schemeClr>
+                </a:lnRef>
+                <a:fillRef idx="1">
+                  <a:schemeClr val="accent1"/>
+                </a:fillRef>
+                <a:effectRef idx="0">
+                  <a:schemeClr val="accent1"/>
+                </a:effectRef>
+                <a:fontRef idx="minor">
+                  <a:schemeClr val="lt1"/>
+                </a:fontRef>
+              </p:style>
+              <p:txBody>
+                <a:bodyPr rtlCol="0" anchor="ctr"/>
+                <a:lstStyle/>
+                <a:p>
+                  <a:pPr algn="ctr"/>
+                  <a:endParaRPr lang="es-MX" sz="3298"/>
+                </a:p>
+              </p:txBody>
+            </p:sp>
+            <p:sp>
+              <p:nvSpPr>
+                <p:cNvPr id="13" name="Oval 12">
+                  <a:extLst>
+                    <a:ext uri="{FF2B5EF4-FFF2-40B4-BE49-F238E27FC236}">
+                      <a16:creationId xmlns:a16="http://schemas.microsoft.com/office/drawing/2014/main" id="{C5E77EB6-7FFA-F86C-FCFE-29DAD1C904E6}"/>
+                    </a:ext>
+                  </a:extLst>
+                </p:cNvPr>
+                <p:cNvSpPr/>
+                <p:nvPr/>
+              </p:nvSpPr>
+              <p:spPr>
+                <a:xfrm rot="1915889">
+                  <a:off x="5702153" y="1999460"/>
+                  <a:ext cx="3262843" cy="5927847"/>
+                </a:xfrm>
+                <a:prstGeom prst="ellipse">
+                  <a:avLst/>
+                </a:prstGeom>
+                <a:solidFill>
+                  <a:srgbClr val="F71A09"/>
+                </a:solidFill>
+                <a:ln>
+                  <a:noFill/>
+                </a:ln>
+              </p:spPr>
+              <p:style>
+                <a:lnRef idx="2">
+                  <a:schemeClr val="accent1">
+                    <a:shade val="15000"/>
+                  </a:schemeClr>
+                </a:lnRef>
+                <a:fillRef idx="1">
+                  <a:schemeClr val="accent1"/>
+                </a:fillRef>
+                <a:effectRef idx="0">
+                  <a:schemeClr val="accent1"/>
+                </a:effectRef>
+                <a:fontRef idx="minor">
+                  <a:schemeClr val="lt1"/>
+                </a:fontRef>
+              </p:style>
+              <p:txBody>
+                <a:bodyPr rtlCol="0" anchor="ctr"/>
+                <a:lstStyle/>
+                <a:p>
+                  <a:pPr algn="ctr"/>
+                  <a:endParaRPr lang="es-MX" sz="3298"/>
+                </a:p>
+              </p:txBody>
+            </p:sp>
+            <p:sp>
+              <p:nvSpPr>
+                <p:cNvPr id="14" name="Rectangle: Rounded Corners 13">
+                  <a:extLst>
+                    <a:ext uri="{FF2B5EF4-FFF2-40B4-BE49-F238E27FC236}">
+                      <a16:creationId xmlns:a16="http://schemas.microsoft.com/office/drawing/2014/main" id="{2448E865-F119-6C61-9C15-2C31A25DD0E4}"/>
+                    </a:ext>
+                  </a:extLst>
+                </p:cNvPr>
+                <p:cNvSpPr/>
+                <p:nvPr/>
+              </p:nvSpPr>
+              <p:spPr>
+                <a:xfrm>
+                  <a:off x="5240311" y="1664813"/>
+                  <a:ext cx="4141894" cy="6515279"/>
+                </a:xfrm>
+                <a:prstGeom prst="roundRect">
+                  <a:avLst>
+                    <a:gd name="adj" fmla="val 8121"/>
+                  </a:avLst>
+                </a:prstGeom>
+                <a:noFill/>
+                <a:ln w="254000">
+                  <a:solidFill>
+                    <a:schemeClr val="bg1"/>
+                  </a:solidFill>
+                </a:ln>
+                <a:effectLst>
+                  <a:outerShdw blurRad="355600" dist="50800" dir="5400000" algn="t" rotWithShape="0">
+                    <a:prstClr val="black">
+                      <a:alpha val="20000"/>
+                    </a:prstClr>
+                  </a:outerShdw>
+                </a:effectLst>
+              </p:spPr>
+              <p:style>
+                <a:lnRef idx="2">
+                  <a:schemeClr val="accent1">
+                    <a:shade val="15000"/>
+                  </a:schemeClr>
+                </a:lnRef>
+                <a:fillRef idx="1">
+                  <a:schemeClr val="accent1"/>
+                </a:fillRef>
+                <a:effectRef idx="0">
+                  <a:schemeClr val="accent1"/>
+                </a:effectRef>
+                <a:fontRef idx="minor">
+                  <a:schemeClr val="lt1"/>
+                </a:fontRef>
+              </p:style>
+              <p:txBody>
+                <a:bodyPr rtlCol="0" anchor="ctr"/>
+                <a:lstStyle/>
+                <a:p>
+                  <a:pPr algn="ctr"/>
+                  <a:endParaRPr lang="es-MX" sz="3298" dirty="0"/>
+                </a:p>
+              </p:txBody>
+            </p:sp>
+          </p:grpSp>
+          <p:sp>
+            <p:nvSpPr>
+              <p:cNvPr id="11" name="TextBox 10">
+                <a:extLst>
+                  <a:ext uri="{FF2B5EF4-FFF2-40B4-BE49-F238E27FC236}">
+                    <a16:creationId xmlns:a16="http://schemas.microsoft.com/office/drawing/2014/main" id="{72F31286-F687-4CD2-1F48-AD6ABA931FE2}"/>
+                  </a:ext>
+                </a:extLst>
+              </p:cNvPr>
+              <p:cNvSpPr txBox="1"/>
+              <p:nvPr/>
+            </p:nvSpPr>
+            <p:spPr>
+              <a:xfrm rot="20441340">
+                <a:off x="6650267" y="3911801"/>
+                <a:ext cx="4766001" cy="2092714"/>
+              </a:xfrm>
+              <a:prstGeom prst="rect">
+                <a:avLst/>
+              </a:prstGeom>
+              <a:noFill/>
+            </p:spPr>
+            <p:txBody>
+              <a:bodyPr wrap="square" rtlCol="0">
+                <a:spAutoFit/>
+              </a:bodyPr>
+              <a:lstStyle/>
+              <a:p>
+                <a:r>
+                  <a:rPr lang="en-US" sz="18029" dirty="0">
+                    <a:ln w="63500" cap="rnd">
+                      <a:solidFill>
+                        <a:schemeClr val="tx1"/>
+                      </a:solidFill>
+                    </a:ln>
+                    <a:solidFill>
+                      <a:srgbClr val="FFCD2F"/>
+                    </a:solidFill>
+                    <a:effectLst>
+                      <a:glow rad="50800">
+                        <a:schemeClr val="bg1"/>
+                      </a:glow>
+                      <a:outerShdw dist="76200" dir="9000000" algn="tr" rotWithShape="0">
+                        <a:prstClr val="black"/>
+                      </a:outerShdw>
+                    </a:effectLst>
+                    <a:latin typeface="Aharoni" panose="02010803020104030203" pitchFamily="2" charset="-79"/>
+                    <a:cs typeface="Aharoni" panose="02010803020104030203" pitchFamily="2" charset="-79"/>
+                  </a:rPr>
+                  <a:t>ONU</a:t>
+                </a:r>
+                <a:endParaRPr lang="es-MX" sz="18029" dirty="0">
+                  <a:ln w="63500" cap="rnd">
+                    <a:solidFill>
+                      <a:schemeClr val="tx1"/>
+                    </a:solidFill>
+                  </a:ln>
+                  <a:solidFill>
+                    <a:srgbClr val="FFCD2F"/>
+                  </a:solidFill>
+                  <a:effectLst>
+                    <a:glow rad="50800">
+                      <a:schemeClr val="bg1"/>
+                    </a:glow>
+                    <a:outerShdw dist="76200" dir="9000000" algn="tr" rotWithShape="0">
+                      <a:prstClr val="black"/>
+                    </a:outerShdw>
+                  </a:effectLst>
+                  <a:latin typeface="Aharoni" panose="02010803020104030203" pitchFamily="2" charset="-79"/>
+                  <a:cs typeface="Aharoni" panose="02010803020104030203" pitchFamily="2" charset="-79"/>
+                </a:endParaRPr>
+              </a:p>
+            </p:txBody>
+          </p:sp>
+        </p:grpSp>
+      </p:grpSp>
+    </p:spTree>
+    <p:extLst>
+      <p:ext uri="{BB962C8B-B14F-4D97-AF65-F5344CB8AC3E}">
+        <p14:creationId xmlns:p14="http://schemas.microsoft.com/office/powerpoint/2010/main" val="1220817803"/>
+      </p:ext>
+    </p:extLst>
+  </p:cSld>
+  <p:clrMapOvr>
+    <a:masterClrMapping/>
+  </p:clrMapOvr>
+</p:sld>
+</file>
+
+<file path=ppt/slides/slide7.xml><?xml version="1.0" encoding="utf-8"?>
+<p:sld xmlns:a="http://schemas.openxmlformats.org/drawingml/2006/main" xmlns:r="http://schemas.openxmlformats.org/officeDocument/2006/relationships" xmlns:p="http://schemas.openxmlformats.org/presentationml/2006/main">
+  <p:cSld>
+    <p:bg>
+      <p:bgPr>
+        <a:solidFill>
+          <a:schemeClr val="bg2">
+            <a:lumMod val="90000"/>
+          </a:schemeClr>
+        </a:solidFill>
+        <a:effectLst/>
+      </p:bgPr>
+    </p:bg>
+    <p:spTree>
+      <p:nvGrpSpPr>
+        <p:cNvPr id="1" name=""/>
+        <p:cNvGrpSpPr/>
+        <p:nvPr/>
+      </p:nvGrpSpPr>
+      <p:grpSpPr>
+        <a:xfrm>
+          <a:off x="0" y="0"/>
+          <a:ext cx="0" cy="0"/>
+          <a:chOff x="0" y="0"/>
+          <a:chExt cx="0" cy="0"/>
+        </a:xfrm>
+      </p:grpSpPr>
+      <p:grpSp>
+        <p:nvGrpSpPr>
+          <p:cNvPr id="4" name="Group 3">
+            <a:extLst>
+              <a:ext uri="{FF2B5EF4-FFF2-40B4-BE49-F238E27FC236}">
+                <a16:creationId xmlns:a16="http://schemas.microsoft.com/office/drawing/2014/main" id="{254FCC9F-EF0D-0BE1-BDF4-4E6F2F2F07F1}"/>
+              </a:ext>
+            </a:extLst>
+          </p:cNvPr>
+          <p:cNvGrpSpPr/>
+          <p:nvPr/>
+        </p:nvGrpSpPr>
+        <p:grpSpPr>
+          <a:xfrm rot="10250718">
+            <a:off x="1012174" y="2469020"/>
+            <a:ext cx="11949203" cy="9816135"/>
+            <a:chOff x="3300014" y="3611601"/>
+            <a:chExt cx="9660119" cy="7935679"/>
+          </a:xfrm>
+        </p:grpSpPr>
+        <p:grpSp>
+          <p:nvGrpSpPr>
+            <p:cNvPr id="5" name="Group 4">
+              <a:extLst>
+                <a:ext uri="{FF2B5EF4-FFF2-40B4-BE49-F238E27FC236}">
+                  <a16:creationId xmlns:a16="http://schemas.microsoft.com/office/drawing/2014/main" id="{E1614A4A-3D15-A9E8-DD77-8E6535C7FA43}"/>
+                </a:ext>
+              </a:extLst>
+            </p:cNvPr>
+            <p:cNvGrpSpPr/>
+            <p:nvPr/>
+          </p:nvGrpSpPr>
+          <p:grpSpPr>
+            <a:xfrm rot="20838067">
+              <a:off x="3300014" y="3611601"/>
+              <a:ext cx="4766001" cy="6515279"/>
+              <a:chOff x="6650266" y="1664814"/>
+              <a:chExt cx="4766001" cy="6515279"/>
+            </a:xfrm>
+          </p:grpSpPr>
+          <p:grpSp>
+            <p:nvGrpSpPr>
+              <p:cNvPr id="30" name="Group 29">
+                <a:extLst>
+                  <a:ext uri="{FF2B5EF4-FFF2-40B4-BE49-F238E27FC236}">
+                    <a16:creationId xmlns:a16="http://schemas.microsoft.com/office/drawing/2014/main" id="{23B5CE51-2039-2D5E-2C52-49B700E712DC}"/>
+                  </a:ext>
+                </a:extLst>
+              </p:cNvPr>
+              <p:cNvGrpSpPr/>
+              <p:nvPr/>
+            </p:nvGrpSpPr>
+            <p:grpSpPr>
+              <a:xfrm>
+                <a:off x="6764311" y="1664814"/>
+                <a:ext cx="4141894" cy="6515279"/>
+                <a:chOff x="5240311" y="1664813"/>
+                <a:chExt cx="4141894" cy="6515279"/>
+              </a:xfrm>
+            </p:grpSpPr>
+            <p:sp>
+              <p:nvSpPr>
+                <p:cNvPr id="32" name="Rectangle: Rounded Corners 31">
+                  <a:extLst>
+                    <a:ext uri="{FF2B5EF4-FFF2-40B4-BE49-F238E27FC236}">
+                      <a16:creationId xmlns:a16="http://schemas.microsoft.com/office/drawing/2014/main" id="{B0CF30DF-2911-F581-15A3-E3A6228699DF}"/>
+                    </a:ext>
+                  </a:extLst>
+                </p:cNvPr>
+                <p:cNvSpPr/>
+                <p:nvPr/>
+              </p:nvSpPr>
+              <p:spPr>
+                <a:xfrm>
+                  <a:off x="5240311" y="1664813"/>
+                  <a:ext cx="4141894" cy="6515279"/>
+                </a:xfrm>
+                <a:prstGeom prst="roundRect">
+                  <a:avLst>
+                    <a:gd name="adj" fmla="val 5050"/>
+                  </a:avLst>
+                </a:prstGeom>
+                <a:solidFill>
+                  <a:schemeClr val="tx1">
+                    <a:lumMod val="85000"/>
+                    <a:lumOff val="15000"/>
+                  </a:schemeClr>
+                </a:solidFill>
+                <a:ln w="254000">
+                  <a:noFill/>
+                </a:ln>
+              </p:spPr>
+              <p:style>
+                <a:lnRef idx="2">
+                  <a:schemeClr val="accent1">
+                    <a:shade val="15000"/>
+                  </a:schemeClr>
+                </a:lnRef>
+                <a:fillRef idx="1">
+                  <a:schemeClr val="accent1"/>
+                </a:fillRef>
+                <a:effectRef idx="0">
+                  <a:schemeClr val="accent1"/>
+                </a:effectRef>
+                <a:fontRef idx="minor">
+                  <a:schemeClr val="lt1"/>
+                </a:fontRef>
+              </p:style>
+              <p:txBody>
+                <a:bodyPr rtlCol="0" anchor="ctr"/>
+                <a:lstStyle/>
+                <a:p>
+                  <a:pPr algn="ctr"/>
+                  <a:endParaRPr lang="es-MX" sz="3298"/>
+                </a:p>
+              </p:txBody>
+            </p:sp>
+            <p:sp>
+              <p:nvSpPr>
+                <p:cNvPr id="33" name="Oval 32">
+                  <a:extLst>
+                    <a:ext uri="{FF2B5EF4-FFF2-40B4-BE49-F238E27FC236}">
+                      <a16:creationId xmlns:a16="http://schemas.microsoft.com/office/drawing/2014/main" id="{8ED52DB1-48F0-5404-CC81-1A7B780D2B7F}"/>
+                    </a:ext>
+                  </a:extLst>
+                </p:cNvPr>
+                <p:cNvSpPr/>
+                <p:nvPr/>
+              </p:nvSpPr>
+              <p:spPr>
+                <a:xfrm rot="1915889">
+                  <a:off x="5702153" y="1999460"/>
+                  <a:ext cx="3262843" cy="5927847"/>
+                </a:xfrm>
+                <a:prstGeom prst="ellipse">
+                  <a:avLst/>
+                </a:prstGeom>
+                <a:solidFill>
+                  <a:srgbClr val="F71A09"/>
+                </a:solidFill>
+                <a:ln>
+                  <a:noFill/>
+                </a:ln>
+              </p:spPr>
+              <p:style>
+                <a:lnRef idx="2">
+                  <a:schemeClr val="accent1">
+                    <a:shade val="15000"/>
+                  </a:schemeClr>
+                </a:lnRef>
+                <a:fillRef idx="1">
+                  <a:schemeClr val="accent1"/>
+                </a:fillRef>
+                <a:effectRef idx="0">
+                  <a:schemeClr val="accent1"/>
+                </a:effectRef>
+                <a:fontRef idx="minor">
+                  <a:schemeClr val="lt1"/>
+                </a:fontRef>
+              </p:style>
+              <p:txBody>
+                <a:bodyPr rtlCol="0" anchor="ctr"/>
+                <a:lstStyle/>
+                <a:p>
+                  <a:pPr algn="ctr"/>
+                  <a:endParaRPr lang="es-MX" sz="3298"/>
+                </a:p>
+              </p:txBody>
+            </p:sp>
+            <p:sp>
+              <p:nvSpPr>
+                <p:cNvPr id="34" name="Rectangle: Rounded Corners 33">
+                  <a:extLst>
+                    <a:ext uri="{FF2B5EF4-FFF2-40B4-BE49-F238E27FC236}">
+                      <a16:creationId xmlns:a16="http://schemas.microsoft.com/office/drawing/2014/main" id="{ED72507E-9748-56B7-DD60-DFCA3773D542}"/>
+                    </a:ext>
+                  </a:extLst>
+                </p:cNvPr>
+                <p:cNvSpPr/>
+                <p:nvPr/>
+              </p:nvSpPr>
+              <p:spPr>
+                <a:xfrm>
+                  <a:off x="5240311" y="1664813"/>
+                  <a:ext cx="4141894" cy="6515279"/>
+                </a:xfrm>
+                <a:prstGeom prst="roundRect">
+                  <a:avLst>
+                    <a:gd name="adj" fmla="val 8121"/>
+                  </a:avLst>
+                </a:prstGeom>
+                <a:noFill/>
+                <a:ln w="254000">
+                  <a:solidFill>
+                    <a:schemeClr val="bg1"/>
+                  </a:solidFill>
+                </a:ln>
+              </p:spPr>
+              <p:style>
+                <a:lnRef idx="2">
+                  <a:schemeClr val="accent1">
+                    <a:shade val="15000"/>
+                  </a:schemeClr>
+                </a:lnRef>
+                <a:fillRef idx="1">
+                  <a:schemeClr val="accent1"/>
+                </a:fillRef>
+                <a:effectRef idx="0">
+                  <a:schemeClr val="accent1"/>
+                </a:effectRef>
+                <a:fontRef idx="minor">
+                  <a:schemeClr val="lt1"/>
+                </a:fontRef>
+              </p:style>
+              <p:txBody>
+                <a:bodyPr rtlCol="0" anchor="ctr"/>
+                <a:lstStyle/>
+                <a:p>
+                  <a:pPr algn="ctr"/>
+                  <a:endParaRPr lang="es-MX" sz="3298"/>
+                </a:p>
+              </p:txBody>
+            </p:sp>
+          </p:grpSp>
+          <p:sp>
+            <p:nvSpPr>
+              <p:cNvPr id="31" name="TextBox 30">
+                <a:extLst>
+                  <a:ext uri="{FF2B5EF4-FFF2-40B4-BE49-F238E27FC236}">
+                    <a16:creationId xmlns:a16="http://schemas.microsoft.com/office/drawing/2014/main" id="{2A9551AE-B5C5-A793-6FBC-A9503EBFB8A0}"/>
+                  </a:ext>
+                </a:extLst>
+              </p:cNvPr>
+              <p:cNvSpPr txBox="1"/>
+              <p:nvPr/>
+            </p:nvSpPr>
+            <p:spPr>
+              <a:xfrm rot="20441340">
+                <a:off x="6650266" y="3911800"/>
+                <a:ext cx="4766001" cy="2092714"/>
+              </a:xfrm>
+              <a:prstGeom prst="rect">
+                <a:avLst/>
+              </a:prstGeom>
+              <a:noFill/>
+            </p:spPr>
+            <p:txBody>
+              <a:bodyPr wrap="square" rtlCol="0">
+                <a:spAutoFit/>
+              </a:bodyPr>
+              <a:lstStyle/>
+              <a:p>
+                <a:r>
+                  <a:rPr lang="en-US" sz="18029" dirty="0">
+                    <a:ln w="63500" cap="rnd">
+                      <a:solidFill>
+                        <a:schemeClr val="tx1"/>
+                      </a:solidFill>
+                    </a:ln>
+                    <a:solidFill>
+                      <a:srgbClr val="FFCD2F"/>
+                    </a:solidFill>
+                    <a:effectLst>
+                      <a:glow rad="50800">
+                        <a:schemeClr val="bg1"/>
+                      </a:glow>
+                      <a:outerShdw dist="76200" dir="9000000" algn="tr" rotWithShape="0">
+                        <a:prstClr val="black"/>
+                      </a:outerShdw>
+                    </a:effectLst>
+                    <a:latin typeface="Aharoni" panose="02010803020104030203" pitchFamily="2" charset="-79"/>
+                    <a:cs typeface="Aharoni" panose="02010803020104030203" pitchFamily="2" charset="-79"/>
+                  </a:rPr>
+                  <a:t>ONU</a:t>
+                </a:r>
+                <a:endParaRPr lang="es-MX" sz="18029" dirty="0">
+                  <a:ln w="63500" cap="rnd">
+                    <a:solidFill>
+                      <a:schemeClr val="tx1"/>
+                    </a:solidFill>
+                  </a:ln>
+                  <a:solidFill>
+                    <a:srgbClr val="FFCD2F"/>
+                  </a:solidFill>
+                  <a:effectLst>
+                    <a:glow rad="50800">
+                      <a:schemeClr val="bg1"/>
+                    </a:glow>
+                    <a:outerShdw dist="76200" dir="9000000" algn="tr" rotWithShape="0">
+                      <a:prstClr val="black"/>
+                    </a:outerShdw>
+                  </a:effectLst>
+                  <a:latin typeface="Aharoni" panose="02010803020104030203" pitchFamily="2" charset="-79"/>
+                  <a:cs typeface="Aharoni" panose="02010803020104030203" pitchFamily="2" charset="-79"/>
+                </a:endParaRPr>
+              </a:p>
+            </p:txBody>
+          </p:sp>
+        </p:grpSp>
+        <p:grpSp>
+          <p:nvGrpSpPr>
+            <p:cNvPr id="6" name="Group 5">
+              <a:extLst>
+                <a:ext uri="{FF2B5EF4-FFF2-40B4-BE49-F238E27FC236}">
+                  <a16:creationId xmlns:a16="http://schemas.microsoft.com/office/drawing/2014/main" id="{250E1F59-7561-153E-4FEA-33BFD1BE01EE}"/>
+                </a:ext>
+              </a:extLst>
+            </p:cNvPr>
+            <p:cNvGrpSpPr/>
+            <p:nvPr/>
+          </p:nvGrpSpPr>
+          <p:grpSpPr>
+            <a:xfrm>
+              <a:off x="4491976" y="3611601"/>
+              <a:ext cx="4766001" cy="6515279"/>
+              <a:chOff x="6650267" y="1664814"/>
+              <a:chExt cx="4766001" cy="6515279"/>
+            </a:xfrm>
+          </p:grpSpPr>
+          <p:grpSp>
+            <p:nvGrpSpPr>
+              <p:cNvPr id="25" name="Group 24">
+                <a:extLst>
+                  <a:ext uri="{FF2B5EF4-FFF2-40B4-BE49-F238E27FC236}">
+                    <a16:creationId xmlns:a16="http://schemas.microsoft.com/office/drawing/2014/main" id="{5040E471-D323-D706-D023-1A06190DAAE8}"/>
+                  </a:ext>
+                </a:extLst>
+              </p:cNvPr>
+              <p:cNvGrpSpPr/>
+              <p:nvPr/>
+            </p:nvGrpSpPr>
+            <p:grpSpPr>
+              <a:xfrm>
+                <a:off x="6764311" y="1664814"/>
+                <a:ext cx="4141894" cy="6515279"/>
+                <a:chOff x="5240311" y="1664813"/>
+                <a:chExt cx="4141894" cy="6515279"/>
+              </a:xfrm>
+            </p:grpSpPr>
+            <p:sp>
+              <p:nvSpPr>
+                <p:cNvPr id="27" name="Rectangle: Rounded Corners 26">
+                  <a:extLst>
+                    <a:ext uri="{FF2B5EF4-FFF2-40B4-BE49-F238E27FC236}">
+                      <a16:creationId xmlns:a16="http://schemas.microsoft.com/office/drawing/2014/main" id="{E8DCA516-5A1A-1DD2-CCC7-FB1344E9D861}"/>
+                    </a:ext>
+                  </a:extLst>
+                </p:cNvPr>
+                <p:cNvSpPr/>
+                <p:nvPr/>
+              </p:nvSpPr>
+              <p:spPr>
+                <a:xfrm>
+                  <a:off x="5240311" y="1664813"/>
+                  <a:ext cx="4141894" cy="6515279"/>
+                </a:xfrm>
+                <a:prstGeom prst="roundRect">
+                  <a:avLst>
+                    <a:gd name="adj" fmla="val 5050"/>
+                  </a:avLst>
+                </a:prstGeom>
+                <a:solidFill>
+                  <a:schemeClr val="tx1">
+                    <a:lumMod val="85000"/>
+                    <a:lumOff val="15000"/>
+                  </a:schemeClr>
+                </a:solidFill>
+                <a:ln w="254000">
+                  <a:noFill/>
+                </a:ln>
+              </p:spPr>
+              <p:style>
+                <a:lnRef idx="2">
+                  <a:schemeClr val="accent1">
+                    <a:shade val="15000"/>
+                  </a:schemeClr>
+                </a:lnRef>
+                <a:fillRef idx="1">
+                  <a:schemeClr val="accent1"/>
+                </a:fillRef>
+                <a:effectRef idx="0">
+                  <a:schemeClr val="accent1"/>
+                </a:effectRef>
+                <a:fontRef idx="minor">
+                  <a:schemeClr val="lt1"/>
+                </a:fontRef>
+              </p:style>
+              <p:txBody>
+                <a:bodyPr rtlCol="0" anchor="ctr"/>
+                <a:lstStyle/>
+                <a:p>
+                  <a:pPr algn="ctr"/>
+                  <a:endParaRPr lang="es-MX" sz="3298"/>
+                </a:p>
+              </p:txBody>
+            </p:sp>
+            <p:sp>
+              <p:nvSpPr>
+                <p:cNvPr id="28" name="Oval 27">
+                  <a:extLst>
+                    <a:ext uri="{FF2B5EF4-FFF2-40B4-BE49-F238E27FC236}">
+                      <a16:creationId xmlns:a16="http://schemas.microsoft.com/office/drawing/2014/main" id="{BBC18A1A-5DB2-1802-A2EF-D1E7D3E25C44}"/>
+                    </a:ext>
+                  </a:extLst>
+                </p:cNvPr>
+                <p:cNvSpPr/>
+                <p:nvPr/>
+              </p:nvSpPr>
+              <p:spPr>
+                <a:xfrm rot="1915889">
+                  <a:off x="5702153" y="1999460"/>
+                  <a:ext cx="3262843" cy="5927847"/>
+                </a:xfrm>
+                <a:prstGeom prst="ellipse">
+                  <a:avLst/>
+                </a:prstGeom>
+                <a:solidFill>
+                  <a:srgbClr val="F71A09"/>
+                </a:solidFill>
+                <a:ln>
+                  <a:noFill/>
+                </a:ln>
+              </p:spPr>
+              <p:style>
+                <a:lnRef idx="2">
+                  <a:schemeClr val="accent1">
+                    <a:shade val="15000"/>
+                  </a:schemeClr>
+                </a:lnRef>
+                <a:fillRef idx="1">
+                  <a:schemeClr val="accent1"/>
+                </a:fillRef>
+                <a:effectRef idx="0">
+                  <a:schemeClr val="accent1"/>
+                </a:effectRef>
+                <a:fontRef idx="minor">
+                  <a:schemeClr val="lt1"/>
+                </a:fontRef>
+              </p:style>
+              <p:txBody>
+                <a:bodyPr rtlCol="0" anchor="ctr"/>
+                <a:lstStyle/>
+                <a:p>
+                  <a:pPr algn="ctr"/>
+                  <a:endParaRPr lang="es-MX" sz="3298"/>
+                </a:p>
+              </p:txBody>
+            </p:sp>
+            <p:sp>
+              <p:nvSpPr>
+                <p:cNvPr id="29" name="Rectangle: Rounded Corners 28">
+                  <a:extLst>
+                    <a:ext uri="{FF2B5EF4-FFF2-40B4-BE49-F238E27FC236}">
+                      <a16:creationId xmlns:a16="http://schemas.microsoft.com/office/drawing/2014/main" id="{6809E7E6-BF49-93D7-8021-CABFD04F706B}"/>
+                    </a:ext>
+                  </a:extLst>
+                </p:cNvPr>
+                <p:cNvSpPr/>
+                <p:nvPr/>
+              </p:nvSpPr>
+              <p:spPr>
+                <a:xfrm>
+                  <a:off x="5240311" y="1664813"/>
+                  <a:ext cx="4141894" cy="6515279"/>
+                </a:xfrm>
+                <a:prstGeom prst="roundRect">
+                  <a:avLst>
+                    <a:gd name="adj" fmla="val 8121"/>
+                  </a:avLst>
+                </a:prstGeom>
+                <a:noFill/>
+                <a:ln w="254000">
+                  <a:solidFill>
+                    <a:schemeClr val="bg1"/>
+                  </a:solidFill>
+                </a:ln>
+              </p:spPr>
+              <p:style>
+                <a:lnRef idx="2">
+                  <a:schemeClr val="accent1">
+                    <a:shade val="15000"/>
+                  </a:schemeClr>
+                </a:lnRef>
+                <a:fillRef idx="1">
+                  <a:schemeClr val="accent1"/>
+                </a:fillRef>
+                <a:effectRef idx="0">
+                  <a:schemeClr val="accent1"/>
+                </a:effectRef>
+                <a:fontRef idx="minor">
+                  <a:schemeClr val="lt1"/>
+                </a:fontRef>
+              </p:style>
+              <p:txBody>
+                <a:bodyPr rtlCol="0" anchor="ctr"/>
+                <a:lstStyle/>
+                <a:p>
+                  <a:pPr algn="ctr"/>
+                  <a:endParaRPr lang="es-MX" sz="3298"/>
+                </a:p>
+              </p:txBody>
+            </p:sp>
+          </p:grpSp>
+          <p:sp>
+            <p:nvSpPr>
+              <p:cNvPr id="26" name="TextBox 25">
+                <a:extLst>
+                  <a:ext uri="{FF2B5EF4-FFF2-40B4-BE49-F238E27FC236}">
+                    <a16:creationId xmlns:a16="http://schemas.microsoft.com/office/drawing/2014/main" id="{8C7EF734-4D80-D77E-F46E-8A12051158E5}"/>
+                  </a:ext>
+                </a:extLst>
+              </p:cNvPr>
+              <p:cNvSpPr txBox="1"/>
+              <p:nvPr/>
+            </p:nvSpPr>
+            <p:spPr>
+              <a:xfrm rot="20441340">
+                <a:off x="6650267" y="3911800"/>
+                <a:ext cx="4766001" cy="2092714"/>
+              </a:xfrm>
+              <a:prstGeom prst="rect">
+                <a:avLst/>
+              </a:prstGeom>
+              <a:noFill/>
+            </p:spPr>
+            <p:txBody>
+              <a:bodyPr wrap="square" rtlCol="0">
+                <a:spAutoFit/>
+              </a:bodyPr>
+              <a:lstStyle/>
+              <a:p>
+                <a:r>
+                  <a:rPr lang="en-US" sz="18029" dirty="0">
+                    <a:ln w="63500" cap="rnd">
+                      <a:solidFill>
+                        <a:schemeClr val="tx1"/>
+                      </a:solidFill>
+                    </a:ln>
+                    <a:solidFill>
+                      <a:srgbClr val="FFCD2F"/>
+                    </a:solidFill>
+                    <a:effectLst>
+                      <a:glow rad="50800">
+                        <a:schemeClr val="bg1"/>
+                      </a:glow>
+                      <a:outerShdw dist="76200" dir="9000000" algn="tr" rotWithShape="0">
+                        <a:prstClr val="black"/>
+                      </a:outerShdw>
+                    </a:effectLst>
+                    <a:latin typeface="Aharoni" panose="02010803020104030203" pitchFamily="2" charset="-79"/>
+                    <a:cs typeface="Aharoni" panose="02010803020104030203" pitchFamily="2" charset="-79"/>
+                  </a:rPr>
+                  <a:t>ONU</a:t>
+                </a:r>
+                <a:endParaRPr lang="es-MX" sz="18029" dirty="0">
+                  <a:ln w="63500" cap="rnd">
+                    <a:solidFill>
+                      <a:schemeClr val="tx1"/>
+                    </a:solidFill>
+                  </a:ln>
+                  <a:solidFill>
+                    <a:srgbClr val="FFCD2F"/>
+                  </a:solidFill>
+                  <a:effectLst>
+                    <a:glow rad="50800">
+                      <a:schemeClr val="bg1"/>
+                    </a:glow>
+                    <a:outerShdw dist="76200" dir="9000000" algn="tr" rotWithShape="0">
+                      <a:prstClr val="black"/>
+                    </a:outerShdw>
+                  </a:effectLst>
+                  <a:latin typeface="Aharoni" panose="02010803020104030203" pitchFamily="2" charset="-79"/>
+                  <a:cs typeface="Aharoni" panose="02010803020104030203" pitchFamily="2" charset="-79"/>
+                </a:endParaRPr>
+              </a:p>
+            </p:txBody>
+          </p:sp>
+        </p:grpSp>
+        <p:grpSp>
+          <p:nvGrpSpPr>
+            <p:cNvPr id="7" name="Group 6">
+              <a:extLst>
+                <a:ext uri="{FF2B5EF4-FFF2-40B4-BE49-F238E27FC236}">
+                  <a16:creationId xmlns:a16="http://schemas.microsoft.com/office/drawing/2014/main" id="{082C214E-B77C-6835-B167-C62367EF68D9}"/>
+                </a:ext>
+              </a:extLst>
+            </p:cNvPr>
+            <p:cNvGrpSpPr/>
+            <p:nvPr/>
+          </p:nvGrpSpPr>
+          <p:grpSpPr>
+            <a:xfrm rot="529634">
+              <a:off x="5739043" y="3829481"/>
+              <a:ext cx="4766001" cy="6515279"/>
+              <a:chOff x="6650267" y="1664814"/>
+              <a:chExt cx="4766001" cy="6515279"/>
+            </a:xfrm>
+          </p:grpSpPr>
+          <p:grpSp>
+            <p:nvGrpSpPr>
+              <p:cNvPr id="20" name="Group 19">
+                <a:extLst>
+                  <a:ext uri="{FF2B5EF4-FFF2-40B4-BE49-F238E27FC236}">
+                    <a16:creationId xmlns:a16="http://schemas.microsoft.com/office/drawing/2014/main" id="{D9CBF6D0-A827-80E4-A93E-20790113B46A}"/>
+                  </a:ext>
+                </a:extLst>
+              </p:cNvPr>
+              <p:cNvGrpSpPr/>
+              <p:nvPr/>
+            </p:nvGrpSpPr>
+            <p:grpSpPr>
+              <a:xfrm>
+                <a:off x="6764311" y="1664814"/>
+                <a:ext cx="4141894" cy="6515279"/>
+                <a:chOff x="5240311" y="1664813"/>
+                <a:chExt cx="4141894" cy="6515279"/>
+              </a:xfrm>
+            </p:grpSpPr>
+            <p:sp>
+              <p:nvSpPr>
+                <p:cNvPr id="22" name="Rectangle: Rounded Corners 21">
+                  <a:extLst>
+                    <a:ext uri="{FF2B5EF4-FFF2-40B4-BE49-F238E27FC236}">
+                      <a16:creationId xmlns:a16="http://schemas.microsoft.com/office/drawing/2014/main" id="{E9991683-CD9C-7D89-B5AD-CEC944417761}"/>
+                    </a:ext>
+                  </a:extLst>
+                </p:cNvPr>
+                <p:cNvSpPr/>
+                <p:nvPr/>
+              </p:nvSpPr>
+              <p:spPr>
+                <a:xfrm>
+                  <a:off x="5240311" y="1664813"/>
+                  <a:ext cx="4141894" cy="6515279"/>
+                </a:xfrm>
+                <a:prstGeom prst="roundRect">
+                  <a:avLst>
+                    <a:gd name="adj" fmla="val 5050"/>
+                  </a:avLst>
+                </a:prstGeom>
+                <a:solidFill>
+                  <a:schemeClr val="tx1">
+                    <a:lumMod val="85000"/>
+                    <a:lumOff val="15000"/>
+                  </a:schemeClr>
+                </a:solidFill>
+                <a:ln w="254000">
+                  <a:noFill/>
+                </a:ln>
+              </p:spPr>
+              <p:style>
+                <a:lnRef idx="2">
+                  <a:schemeClr val="accent1">
+                    <a:shade val="15000"/>
+                  </a:schemeClr>
+                </a:lnRef>
+                <a:fillRef idx="1">
+                  <a:schemeClr val="accent1"/>
+                </a:fillRef>
+                <a:effectRef idx="0">
+                  <a:schemeClr val="accent1"/>
+                </a:effectRef>
+                <a:fontRef idx="minor">
+                  <a:schemeClr val="lt1"/>
+                </a:fontRef>
+              </p:style>
+              <p:txBody>
+                <a:bodyPr rtlCol="0" anchor="ctr"/>
+                <a:lstStyle/>
+                <a:p>
+                  <a:pPr algn="ctr"/>
+                  <a:endParaRPr lang="es-MX" sz="3298"/>
+                </a:p>
+              </p:txBody>
+            </p:sp>
+            <p:sp>
+              <p:nvSpPr>
+                <p:cNvPr id="23" name="Oval 22">
+                  <a:extLst>
+                    <a:ext uri="{FF2B5EF4-FFF2-40B4-BE49-F238E27FC236}">
+                      <a16:creationId xmlns:a16="http://schemas.microsoft.com/office/drawing/2014/main" id="{7EAAB62E-0BF3-58F6-9367-AE480CF52023}"/>
+                    </a:ext>
+                  </a:extLst>
+                </p:cNvPr>
+                <p:cNvSpPr/>
+                <p:nvPr/>
+              </p:nvSpPr>
+              <p:spPr>
+                <a:xfrm rot="1915889">
+                  <a:off x="5702153" y="1999460"/>
+                  <a:ext cx="3262843" cy="5927847"/>
+                </a:xfrm>
+                <a:prstGeom prst="ellipse">
+                  <a:avLst/>
+                </a:prstGeom>
+                <a:solidFill>
+                  <a:srgbClr val="F71A09"/>
+                </a:solidFill>
+                <a:ln>
+                  <a:noFill/>
+                </a:ln>
+              </p:spPr>
+              <p:style>
+                <a:lnRef idx="2">
+                  <a:schemeClr val="accent1">
+                    <a:shade val="15000"/>
+                  </a:schemeClr>
+                </a:lnRef>
+                <a:fillRef idx="1">
+                  <a:schemeClr val="accent1"/>
+                </a:fillRef>
+                <a:effectRef idx="0">
+                  <a:schemeClr val="accent1"/>
+                </a:effectRef>
+                <a:fontRef idx="minor">
+                  <a:schemeClr val="lt1"/>
+                </a:fontRef>
+              </p:style>
+              <p:txBody>
+                <a:bodyPr rtlCol="0" anchor="ctr"/>
+                <a:lstStyle/>
+                <a:p>
+                  <a:pPr algn="ctr"/>
+                  <a:endParaRPr lang="es-MX" sz="3298"/>
+                </a:p>
+              </p:txBody>
+            </p:sp>
+            <p:sp>
+              <p:nvSpPr>
+                <p:cNvPr id="24" name="Rectangle: Rounded Corners 23">
+                  <a:extLst>
+                    <a:ext uri="{FF2B5EF4-FFF2-40B4-BE49-F238E27FC236}">
+                      <a16:creationId xmlns:a16="http://schemas.microsoft.com/office/drawing/2014/main" id="{12EA9385-F264-6F4C-13F2-363D9AC2A744}"/>
+                    </a:ext>
+                  </a:extLst>
+                </p:cNvPr>
+                <p:cNvSpPr/>
+                <p:nvPr/>
+              </p:nvSpPr>
+              <p:spPr>
+                <a:xfrm>
+                  <a:off x="5240311" y="1664813"/>
+                  <a:ext cx="4141894" cy="6515279"/>
+                </a:xfrm>
+                <a:prstGeom prst="roundRect">
+                  <a:avLst>
+                    <a:gd name="adj" fmla="val 8121"/>
+                  </a:avLst>
+                </a:prstGeom>
+                <a:noFill/>
+                <a:ln w="254000">
+                  <a:solidFill>
+                    <a:schemeClr val="bg1"/>
+                  </a:solidFill>
+                </a:ln>
+              </p:spPr>
+              <p:style>
+                <a:lnRef idx="2">
+                  <a:schemeClr val="accent1">
+                    <a:shade val="15000"/>
+                  </a:schemeClr>
+                </a:lnRef>
+                <a:fillRef idx="1">
+                  <a:schemeClr val="accent1"/>
+                </a:fillRef>
+                <a:effectRef idx="0">
+                  <a:schemeClr val="accent1"/>
+                </a:effectRef>
+                <a:fontRef idx="minor">
+                  <a:schemeClr val="lt1"/>
+                </a:fontRef>
+              </p:style>
+              <p:txBody>
+                <a:bodyPr rtlCol="0" anchor="ctr"/>
+                <a:lstStyle/>
+                <a:p>
+                  <a:pPr algn="ctr"/>
+                  <a:endParaRPr lang="es-MX" sz="3298"/>
+                </a:p>
+              </p:txBody>
+            </p:sp>
+          </p:grpSp>
+          <p:sp>
+            <p:nvSpPr>
+              <p:cNvPr id="21" name="TextBox 20">
+                <a:extLst>
+                  <a:ext uri="{FF2B5EF4-FFF2-40B4-BE49-F238E27FC236}">
+                    <a16:creationId xmlns:a16="http://schemas.microsoft.com/office/drawing/2014/main" id="{B2AFACA4-5B07-43C9-5E01-C2796BDDAB35}"/>
+                  </a:ext>
+                </a:extLst>
+              </p:cNvPr>
+              <p:cNvSpPr txBox="1"/>
+              <p:nvPr/>
+            </p:nvSpPr>
+            <p:spPr>
+              <a:xfrm rot="20441340">
+                <a:off x="6650267" y="3911799"/>
+                <a:ext cx="4766001" cy="2092714"/>
+              </a:xfrm>
+              <a:prstGeom prst="rect">
+                <a:avLst/>
+              </a:prstGeom>
+              <a:noFill/>
+            </p:spPr>
+            <p:txBody>
+              <a:bodyPr wrap="square" rtlCol="0">
+                <a:spAutoFit/>
+              </a:bodyPr>
+              <a:lstStyle/>
+              <a:p>
+                <a:r>
+                  <a:rPr lang="en-US" sz="18029" dirty="0">
+                    <a:ln w="63500" cap="rnd">
+                      <a:solidFill>
+                        <a:schemeClr val="tx1"/>
+                      </a:solidFill>
+                    </a:ln>
+                    <a:solidFill>
+                      <a:srgbClr val="FFCD2F"/>
+                    </a:solidFill>
+                    <a:effectLst>
+                      <a:glow rad="50800">
+                        <a:schemeClr val="bg1"/>
+                      </a:glow>
+                      <a:outerShdw dist="76200" dir="9000000" algn="tr" rotWithShape="0">
+                        <a:prstClr val="black"/>
+                      </a:outerShdw>
+                    </a:effectLst>
+                    <a:latin typeface="Aharoni" panose="02010803020104030203" pitchFamily="2" charset="-79"/>
+                    <a:cs typeface="Aharoni" panose="02010803020104030203" pitchFamily="2" charset="-79"/>
+                  </a:rPr>
+                  <a:t>ONU</a:t>
+                </a:r>
+                <a:endParaRPr lang="es-MX" sz="18029" dirty="0">
+                  <a:ln w="63500" cap="rnd">
+                    <a:solidFill>
+                      <a:schemeClr val="tx1"/>
+                    </a:solidFill>
+                  </a:ln>
+                  <a:solidFill>
+                    <a:srgbClr val="FFCD2F"/>
+                  </a:solidFill>
+                  <a:effectLst>
+                    <a:glow rad="50800">
+                      <a:schemeClr val="bg1"/>
+                    </a:glow>
+                    <a:outerShdw dist="76200" dir="9000000" algn="tr" rotWithShape="0">
+                      <a:prstClr val="black"/>
+                    </a:outerShdw>
+                  </a:effectLst>
+                  <a:latin typeface="Aharoni" panose="02010803020104030203" pitchFamily="2" charset="-79"/>
+                  <a:cs typeface="Aharoni" panose="02010803020104030203" pitchFamily="2" charset="-79"/>
+                </a:endParaRPr>
+              </a:p>
+            </p:txBody>
+          </p:sp>
+        </p:grpSp>
+        <p:grpSp>
+          <p:nvGrpSpPr>
+            <p:cNvPr id="8" name="Group 7">
+              <a:extLst>
+                <a:ext uri="{FF2B5EF4-FFF2-40B4-BE49-F238E27FC236}">
+                  <a16:creationId xmlns:a16="http://schemas.microsoft.com/office/drawing/2014/main" id="{AEC5F9A4-0567-5926-C6B2-7518A34836B9}"/>
+                </a:ext>
+              </a:extLst>
+            </p:cNvPr>
+            <p:cNvGrpSpPr/>
+            <p:nvPr/>
+          </p:nvGrpSpPr>
+          <p:grpSpPr>
+            <a:xfrm rot="1092642">
+              <a:off x="6863007" y="4229788"/>
+              <a:ext cx="4766001" cy="6515279"/>
+              <a:chOff x="6650266" y="1664814"/>
+              <a:chExt cx="4766001" cy="6515279"/>
+            </a:xfrm>
+          </p:grpSpPr>
+          <p:grpSp>
+            <p:nvGrpSpPr>
+              <p:cNvPr id="15" name="Group 14">
+                <a:extLst>
+                  <a:ext uri="{FF2B5EF4-FFF2-40B4-BE49-F238E27FC236}">
+                    <a16:creationId xmlns:a16="http://schemas.microsoft.com/office/drawing/2014/main" id="{84173D99-12B4-169E-BC12-FFE5A82E02E3}"/>
+                  </a:ext>
+                </a:extLst>
+              </p:cNvPr>
+              <p:cNvGrpSpPr/>
+              <p:nvPr/>
+            </p:nvGrpSpPr>
+            <p:grpSpPr>
+              <a:xfrm>
+                <a:off x="6764311" y="1664814"/>
+                <a:ext cx="4141894" cy="6515279"/>
+                <a:chOff x="5240311" y="1664813"/>
+                <a:chExt cx="4141894" cy="6515279"/>
+              </a:xfrm>
+            </p:grpSpPr>
+            <p:sp>
+              <p:nvSpPr>
+                <p:cNvPr id="17" name="Rectangle: Rounded Corners 16">
+                  <a:extLst>
+                    <a:ext uri="{FF2B5EF4-FFF2-40B4-BE49-F238E27FC236}">
+                      <a16:creationId xmlns:a16="http://schemas.microsoft.com/office/drawing/2014/main" id="{D1F60516-79F3-FB26-B96D-253AA099D7B7}"/>
+                    </a:ext>
+                  </a:extLst>
+                </p:cNvPr>
+                <p:cNvSpPr/>
+                <p:nvPr/>
+              </p:nvSpPr>
+              <p:spPr>
+                <a:xfrm>
+                  <a:off x="5240311" y="1664813"/>
+                  <a:ext cx="4141894" cy="6515279"/>
+                </a:xfrm>
+                <a:prstGeom prst="roundRect">
+                  <a:avLst>
+                    <a:gd name="adj" fmla="val 5050"/>
+                  </a:avLst>
+                </a:prstGeom>
+                <a:solidFill>
+                  <a:schemeClr val="tx1">
+                    <a:lumMod val="85000"/>
+                    <a:lumOff val="15000"/>
+                  </a:schemeClr>
+                </a:solidFill>
+                <a:ln w="254000">
+                  <a:noFill/>
+                </a:ln>
+              </p:spPr>
+              <p:style>
+                <a:lnRef idx="2">
+                  <a:schemeClr val="accent1">
+                    <a:shade val="15000"/>
+                  </a:schemeClr>
+                </a:lnRef>
+                <a:fillRef idx="1">
+                  <a:schemeClr val="accent1"/>
+                </a:fillRef>
+                <a:effectRef idx="0">
+                  <a:schemeClr val="accent1"/>
+                </a:effectRef>
+                <a:fontRef idx="minor">
+                  <a:schemeClr val="lt1"/>
+                </a:fontRef>
+              </p:style>
+              <p:txBody>
+                <a:bodyPr rtlCol="0" anchor="ctr"/>
+                <a:lstStyle/>
+                <a:p>
+                  <a:pPr algn="ctr"/>
+                  <a:endParaRPr lang="es-MX" sz="3298"/>
+                </a:p>
+              </p:txBody>
+            </p:sp>
+            <p:sp>
+              <p:nvSpPr>
+                <p:cNvPr id="18" name="Oval 17">
+                  <a:extLst>
+                    <a:ext uri="{FF2B5EF4-FFF2-40B4-BE49-F238E27FC236}">
+                      <a16:creationId xmlns:a16="http://schemas.microsoft.com/office/drawing/2014/main" id="{A7BC488B-AF19-B805-3115-05FFA563557E}"/>
+                    </a:ext>
+                  </a:extLst>
+                </p:cNvPr>
+                <p:cNvSpPr/>
+                <p:nvPr/>
+              </p:nvSpPr>
+              <p:spPr>
+                <a:xfrm rot="1915889">
+                  <a:off x="5702153" y="1999460"/>
+                  <a:ext cx="3262843" cy="5927847"/>
+                </a:xfrm>
+                <a:prstGeom prst="ellipse">
+                  <a:avLst/>
+                </a:prstGeom>
+                <a:solidFill>
+                  <a:srgbClr val="F71A09"/>
+                </a:solidFill>
+                <a:ln>
+                  <a:noFill/>
+                </a:ln>
+              </p:spPr>
+              <p:style>
+                <a:lnRef idx="2">
+                  <a:schemeClr val="accent1">
+                    <a:shade val="15000"/>
+                  </a:schemeClr>
+                </a:lnRef>
+                <a:fillRef idx="1">
+                  <a:schemeClr val="accent1"/>
+                </a:fillRef>
+                <a:effectRef idx="0">
+                  <a:schemeClr val="accent1"/>
+                </a:effectRef>
+                <a:fontRef idx="minor">
+                  <a:schemeClr val="lt1"/>
+                </a:fontRef>
+              </p:style>
+              <p:txBody>
+                <a:bodyPr rtlCol="0" anchor="ctr"/>
+                <a:lstStyle/>
+                <a:p>
+                  <a:pPr algn="ctr"/>
+                  <a:endParaRPr lang="es-MX" sz="3298"/>
+                </a:p>
+              </p:txBody>
+            </p:sp>
+            <p:sp>
+              <p:nvSpPr>
+                <p:cNvPr id="19" name="Rectangle: Rounded Corners 18">
+                  <a:extLst>
+                    <a:ext uri="{FF2B5EF4-FFF2-40B4-BE49-F238E27FC236}">
+                      <a16:creationId xmlns:a16="http://schemas.microsoft.com/office/drawing/2014/main" id="{1D499A67-1D0F-38EA-0FC3-2877EF1CEAEC}"/>
+                    </a:ext>
+                  </a:extLst>
+                </p:cNvPr>
+                <p:cNvSpPr/>
+                <p:nvPr/>
+              </p:nvSpPr>
+              <p:spPr>
+                <a:xfrm>
+                  <a:off x="5240311" y="1664813"/>
+                  <a:ext cx="4141894" cy="6515279"/>
+                </a:xfrm>
+                <a:prstGeom prst="roundRect">
+                  <a:avLst>
+                    <a:gd name="adj" fmla="val 8121"/>
+                  </a:avLst>
+                </a:prstGeom>
+                <a:noFill/>
+                <a:ln w="254000">
+                  <a:solidFill>
+                    <a:schemeClr val="bg1"/>
+                  </a:solidFill>
+                </a:ln>
+              </p:spPr>
+              <p:style>
+                <a:lnRef idx="2">
+                  <a:schemeClr val="accent1">
+                    <a:shade val="15000"/>
+                  </a:schemeClr>
+                </a:lnRef>
+                <a:fillRef idx="1">
+                  <a:schemeClr val="accent1"/>
+                </a:fillRef>
+                <a:effectRef idx="0">
+                  <a:schemeClr val="accent1"/>
+                </a:effectRef>
+                <a:fontRef idx="minor">
+                  <a:schemeClr val="lt1"/>
+                </a:fontRef>
+              </p:style>
+              <p:txBody>
+                <a:bodyPr rtlCol="0" anchor="ctr"/>
+                <a:lstStyle/>
+                <a:p>
+                  <a:pPr algn="ctr"/>
+                  <a:endParaRPr lang="es-MX" sz="3298"/>
+                </a:p>
+              </p:txBody>
+            </p:sp>
+          </p:grpSp>
+          <p:sp>
+            <p:nvSpPr>
+              <p:cNvPr id="16" name="TextBox 15">
+                <a:extLst>
+                  <a:ext uri="{FF2B5EF4-FFF2-40B4-BE49-F238E27FC236}">
+                    <a16:creationId xmlns:a16="http://schemas.microsoft.com/office/drawing/2014/main" id="{2CF5AC5C-AA6B-D9D9-9813-98B50E6AD6B7}"/>
+                  </a:ext>
+                </a:extLst>
+              </p:cNvPr>
+              <p:cNvSpPr txBox="1"/>
+              <p:nvPr/>
+            </p:nvSpPr>
+            <p:spPr>
+              <a:xfrm rot="20441340">
+                <a:off x="6650266" y="3911801"/>
+                <a:ext cx="4766001" cy="2092714"/>
+              </a:xfrm>
+              <a:prstGeom prst="rect">
+                <a:avLst/>
+              </a:prstGeom>
+              <a:noFill/>
+            </p:spPr>
+            <p:txBody>
+              <a:bodyPr wrap="square" rtlCol="0">
+                <a:spAutoFit/>
+              </a:bodyPr>
+              <a:lstStyle/>
+              <a:p>
+                <a:r>
+                  <a:rPr lang="en-US" sz="18029" dirty="0">
+                    <a:ln w="63500" cap="rnd">
+                      <a:solidFill>
+                        <a:schemeClr val="tx1"/>
+                      </a:solidFill>
+                    </a:ln>
+                    <a:solidFill>
+                      <a:srgbClr val="FFCD2F"/>
+                    </a:solidFill>
+                    <a:effectLst>
+                      <a:glow rad="50800">
+                        <a:schemeClr val="bg1"/>
+                      </a:glow>
+                      <a:outerShdw dist="76200" dir="9000000" algn="tr" rotWithShape="0">
+                        <a:prstClr val="black"/>
+                      </a:outerShdw>
+                    </a:effectLst>
+                    <a:latin typeface="Aharoni" panose="02010803020104030203" pitchFamily="2" charset="-79"/>
+                    <a:cs typeface="Aharoni" panose="02010803020104030203" pitchFamily="2" charset="-79"/>
+                  </a:rPr>
+                  <a:t>ONU</a:t>
+                </a:r>
+                <a:endParaRPr lang="es-MX" sz="18029" dirty="0">
+                  <a:ln w="63500" cap="rnd">
+                    <a:solidFill>
+                      <a:schemeClr val="tx1"/>
+                    </a:solidFill>
+                  </a:ln>
+                  <a:solidFill>
+                    <a:srgbClr val="FFCD2F"/>
+                  </a:solidFill>
+                  <a:effectLst>
+                    <a:glow rad="50800">
+                      <a:schemeClr val="bg1"/>
+                    </a:glow>
+                    <a:outerShdw dist="76200" dir="9000000" algn="tr" rotWithShape="0">
+                      <a:prstClr val="black"/>
+                    </a:outerShdw>
+                  </a:effectLst>
+                  <a:latin typeface="Aharoni" panose="02010803020104030203" pitchFamily="2" charset="-79"/>
+                  <a:cs typeface="Aharoni" panose="02010803020104030203" pitchFamily="2" charset="-79"/>
+                </a:endParaRPr>
+              </a:p>
+            </p:txBody>
+          </p:sp>
+        </p:grpSp>
+        <p:grpSp>
+          <p:nvGrpSpPr>
+            <p:cNvPr id="9" name="Group 8">
+              <a:extLst>
+                <a:ext uri="{FF2B5EF4-FFF2-40B4-BE49-F238E27FC236}">
+                  <a16:creationId xmlns:a16="http://schemas.microsoft.com/office/drawing/2014/main" id="{60491D75-30FC-156D-5DA2-294B008B1B36}"/>
+                </a:ext>
+              </a:extLst>
+            </p:cNvPr>
+            <p:cNvGrpSpPr/>
+            <p:nvPr/>
+          </p:nvGrpSpPr>
+          <p:grpSpPr>
+            <a:xfrm rot="1967284">
+              <a:off x="8194132" y="5032001"/>
+              <a:ext cx="4766001" cy="6515279"/>
+              <a:chOff x="6650267" y="1664814"/>
+              <a:chExt cx="4766001" cy="6515279"/>
+            </a:xfrm>
+          </p:grpSpPr>
+          <p:grpSp>
+            <p:nvGrpSpPr>
+              <p:cNvPr id="10" name="Group 9">
+                <a:extLst>
+                  <a:ext uri="{FF2B5EF4-FFF2-40B4-BE49-F238E27FC236}">
+                    <a16:creationId xmlns:a16="http://schemas.microsoft.com/office/drawing/2014/main" id="{8C2D8F3F-1284-E802-DBC1-7ED752F4B632}"/>
+                  </a:ext>
+                </a:extLst>
+              </p:cNvPr>
+              <p:cNvGrpSpPr/>
+              <p:nvPr/>
+            </p:nvGrpSpPr>
+            <p:grpSpPr>
+              <a:xfrm>
+                <a:off x="6764311" y="1664814"/>
+                <a:ext cx="4141894" cy="6515279"/>
+                <a:chOff x="5240311" y="1664813"/>
+                <a:chExt cx="4141894" cy="6515279"/>
+              </a:xfrm>
+            </p:grpSpPr>
+            <p:sp>
+              <p:nvSpPr>
+                <p:cNvPr id="12" name="Rectangle: Rounded Corners 11">
+                  <a:extLst>
+                    <a:ext uri="{FF2B5EF4-FFF2-40B4-BE49-F238E27FC236}">
+                      <a16:creationId xmlns:a16="http://schemas.microsoft.com/office/drawing/2014/main" id="{45D9F87D-BC78-B51A-06DF-7843EED464C2}"/>
+                    </a:ext>
+                  </a:extLst>
+                </p:cNvPr>
+                <p:cNvSpPr/>
+                <p:nvPr/>
+              </p:nvSpPr>
+              <p:spPr>
+                <a:xfrm>
+                  <a:off x="5240311" y="1664813"/>
+                  <a:ext cx="4141894" cy="6515279"/>
+                </a:xfrm>
+                <a:prstGeom prst="roundRect">
+                  <a:avLst>
+                    <a:gd name="adj" fmla="val 5050"/>
+                  </a:avLst>
+                </a:prstGeom>
+                <a:solidFill>
+                  <a:schemeClr val="tx1">
+                    <a:lumMod val="85000"/>
+                    <a:lumOff val="15000"/>
+                  </a:schemeClr>
+                </a:solidFill>
+                <a:ln w="254000">
+                  <a:noFill/>
+                </a:ln>
+              </p:spPr>
+              <p:style>
+                <a:lnRef idx="2">
+                  <a:schemeClr val="accent1">
+                    <a:shade val="15000"/>
+                  </a:schemeClr>
+                </a:lnRef>
+                <a:fillRef idx="1">
+                  <a:schemeClr val="accent1"/>
+                </a:fillRef>
+                <a:effectRef idx="0">
+                  <a:schemeClr val="accent1"/>
+                </a:effectRef>
+                <a:fontRef idx="minor">
+                  <a:schemeClr val="lt1"/>
+                </a:fontRef>
+              </p:style>
+              <p:txBody>
+                <a:bodyPr rtlCol="0" anchor="ctr"/>
+                <a:lstStyle/>
+                <a:p>
+                  <a:pPr algn="ctr"/>
+                  <a:endParaRPr lang="es-MX" sz="3298"/>
+                </a:p>
+              </p:txBody>
+            </p:sp>
+            <p:sp>
+              <p:nvSpPr>
+                <p:cNvPr id="13" name="Oval 12">
+                  <a:extLst>
+                    <a:ext uri="{FF2B5EF4-FFF2-40B4-BE49-F238E27FC236}">
+                      <a16:creationId xmlns:a16="http://schemas.microsoft.com/office/drawing/2014/main" id="{C5E77EB6-7FFA-F86C-FCFE-29DAD1C904E6}"/>
+                    </a:ext>
+                  </a:extLst>
+                </p:cNvPr>
+                <p:cNvSpPr/>
+                <p:nvPr/>
+              </p:nvSpPr>
+              <p:spPr>
+                <a:xfrm rot="1915889">
+                  <a:off x="5702153" y="1999460"/>
+                  <a:ext cx="3262843" cy="5927847"/>
+                </a:xfrm>
+                <a:prstGeom prst="ellipse">
+                  <a:avLst/>
+                </a:prstGeom>
+                <a:solidFill>
+                  <a:srgbClr val="F71A09"/>
+                </a:solidFill>
+                <a:ln>
+                  <a:noFill/>
+                </a:ln>
+              </p:spPr>
+              <p:style>
+                <a:lnRef idx="2">
+                  <a:schemeClr val="accent1">
+                    <a:shade val="15000"/>
+                  </a:schemeClr>
+                </a:lnRef>
+                <a:fillRef idx="1">
+                  <a:schemeClr val="accent1"/>
+                </a:fillRef>
+                <a:effectRef idx="0">
+                  <a:schemeClr val="accent1"/>
+                </a:effectRef>
+                <a:fontRef idx="minor">
+                  <a:schemeClr val="lt1"/>
+                </a:fontRef>
+              </p:style>
+              <p:txBody>
+                <a:bodyPr rtlCol="0" anchor="ctr"/>
+                <a:lstStyle/>
+                <a:p>
+                  <a:pPr algn="ctr"/>
+                  <a:endParaRPr lang="es-MX" sz="3298"/>
+                </a:p>
+              </p:txBody>
+            </p:sp>
+            <p:sp>
+              <p:nvSpPr>
+                <p:cNvPr id="14" name="Rectangle: Rounded Corners 13">
+                  <a:extLst>
+                    <a:ext uri="{FF2B5EF4-FFF2-40B4-BE49-F238E27FC236}">
+                      <a16:creationId xmlns:a16="http://schemas.microsoft.com/office/drawing/2014/main" id="{2448E865-F119-6C61-9C15-2C31A25DD0E4}"/>
+                    </a:ext>
+                  </a:extLst>
+                </p:cNvPr>
+                <p:cNvSpPr/>
+                <p:nvPr/>
+              </p:nvSpPr>
+              <p:spPr>
+                <a:xfrm>
+                  <a:off x="5240311" y="1664813"/>
+                  <a:ext cx="4141894" cy="6515279"/>
+                </a:xfrm>
+                <a:prstGeom prst="roundRect">
+                  <a:avLst>
+                    <a:gd name="adj" fmla="val 8121"/>
+                  </a:avLst>
+                </a:prstGeom>
+                <a:noFill/>
+                <a:ln w="254000">
+                  <a:solidFill>
+                    <a:schemeClr val="bg1"/>
+                  </a:solidFill>
+                </a:ln>
+              </p:spPr>
+              <p:style>
+                <a:lnRef idx="2">
+                  <a:schemeClr val="accent1">
+                    <a:shade val="15000"/>
+                  </a:schemeClr>
+                </a:lnRef>
+                <a:fillRef idx="1">
+                  <a:schemeClr val="accent1"/>
+                </a:fillRef>
+                <a:effectRef idx="0">
+                  <a:schemeClr val="accent1"/>
+                </a:effectRef>
+                <a:fontRef idx="minor">
+                  <a:schemeClr val="lt1"/>
+                </a:fontRef>
+              </p:style>
+              <p:txBody>
+                <a:bodyPr rtlCol="0" anchor="ctr"/>
+                <a:lstStyle/>
+                <a:p>
+                  <a:pPr algn="ctr"/>
+                  <a:endParaRPr lang="es-MX" sz="3298"/>
+                </a:p>
+              </p:txBody>
+            </p:sp>
+          </p:grpSp>
+          <p:sp>
+            <p:nvSpPr>
+              <p:cNvPr id="11" name="TextBox 10">
+                <a:extLst>
+                  <a:ext uri="{FF2B5EF4-FFF2-40B4-BE49-F238E27FC236}">
+                    <a16:creationId xmlns:a16="http://schemas.microsoft.com/office/drawing/2014/main" id="{72F31286-F687-4CD2-1F48-AD6ABA931FE2}"/>
+                  </a:ext>
+                </a:extLst>
+              </p:cNvPr>
+              <p:cNvSpPr txBox="1"/>
+              <p:nvPr/>
+            </p:nvSpPr>
+            <p:spPr>
+              <a:xfrm rot="20441340">
+                <a:off x="6650267" y="3911801"/>
+                <a:ext cx="4766001" cy="2092714"/>
+              </a:xfrm>
+              <a:prstGeom prst="rect">
+                <a:avLst/>
+              </a:prstGeom>
+              <a:noFill/>
+            </p:spPr>
+            <p:txBody>
+              <a:bodyPr wrap="square" rtlCol="0">
+                <a:spAutoFit/>
+              </a:bodyPr>
+              <a:lstStyle/>
+              <a:p>
+                <a:r>
+                  <a:rPr lang="en-US" sz="18029" dirty="0">
+                    <a:ln w="63500" cap="rnd">
+                      <a:solidFill>
+                        <a:schemeClr val="tx1"/>
+                      </a:solidFill>
+                    </a:ln>
+                    <a:solidFill>
+                      <a:srgbClr val="FFCD2F"/>
+                    </a:solidFill>
+                    <a:effectLst>
+                      <a:glow rad="50800">
+                        <a:schemeClr val="bg1"/>
+                      </a:glow>
+                      <a:outerShdw dist="76200" dir="9000000" algn="tr" rotWithShape="0">
+                        <a:prstClr val="black"/>
+                      </a:outerShdw>
+                    </a:effectLst>
+                    <a:latin typeface="Aharoni" panose="02010803020104030203" pitchFamily="2" charset="-79"/>
+                    <a:cs typeface="Aharoni" panose="02010803020104030203" pitchFamily="2" charset="-79"/>
+                  </a:rPr>
+                  <a:t>ONU</a:t>
+                </a:r>
+                <a:endParaRPr lang="es-MX" sz="18029" dirty="0">
+                  <a:ln w="63500" cap="rnd">
+                    <a:solidFill>
+                      <a:schemeClr val="tx1"/>
+                    </a:solidFill>
+                  </a:ln>
+                  <a:solidFill>
+                    <a:srgbClr val="FFCD2F"/>
+                  </a:solidFill>
+                  <a:effectLst>
+                    <a:glow rad="50800">
+                      <a:schemeClr val="bg1"/>
+                    </a:glow>
+                    <a:outerShdw dist="76200" dir="9000000" algn="tr" rotWithShape="0">
+                      <a:prstClr val="black"/>
+                    </a:outerShdw>
+                  </a:effectLst>
+                  <a:latin typeface="Aharoni" panose="02010803020104030203" pitchFamily="2" charset="-79"/>
+                  <a:cs typeface="Aharoni" panose="02010803020104030203" pitchFamily="2" charset="-79"/>
+                </a:endParaRPr>
+              </a:p>
+            </p:txBody>
+          </p:sp>
+        </p:grpSp>
+      </p:grpSp>
+    </p:spTree>
+    <p:extLst>
+      <p:ext uri="{BB962C8B-B14F-4D97-AF65-F5344CB8AC3E}">
+        <p14:creationId xmlns:p14="http://schemas.microsoft.com/office/powerpoint/2010/main" val="1508815944"/>
+      </p:ext>
+    </p:extLst>
+  </p:cSld>
+  <p:clrMapOvr>
+    <a:masterClrMapping/>
+  </p:clrMapOvr>
+</p:sld>
+</file>
+
+<file path=ppt/slides/slide8.xml><?xml version="1.0" encoding="utf-8"?>
+<p:sld xmlns:a="http://schemas.openxmlformats.org/drawingml/2006/main" xmlns:r="http://schemas.openxmlformats.org/officeDocument/2006/relationships" xmlns:p="http://schemas.openxmlformats.org/presentationml/2006/main">
+  <p:cSld>
+    <p:bg>
+      <p:bgPr>
+        <a:solidFill>
+          <a:schemeClr val="bg2">
+            <a:lumMod val="90000"/>
+          </a:schemeClr>
+        </a:solidFill>
+        <a:effectLst/>
+      </p:bgPr>
+    </p:bg>
+    <p:spTree>
+      <p:nvGrpSpPr>
+        <p:cNvPr id="1" name=""/>
+        <p:cNvGrpSpPr/>
+        <p:nvPr/>
+      </p:nvGrpSpPr>
+      <p:grpSpPr>
+        <a:xfrm>
+          <a:off x="0" y="0"/>
+          <a:ext cx="0" cy="0"/>
+          <a:chOff x="0" y="0"/>
+          <a:chExt cx="0" cy="0"/>
+        </a:xfrm>
+      </p:grpSpPr>
+      <p:grpSp>
+        <p:nvGrpSpPr>
+          <p:cNvPr id="4" name="Group 3">
+            <a:extLst>
+              <a:ext uri="{FF2B5EF4-FFF2-40B4-BE49-F238E27FC236}">
+                <a16:creationId xmlns:a16="http://schemas.microsoft.com/office/drawing/2014/main" id="{254FCC9F-EF0D-0BE1-BDF4-4E6F2F2F07F1}"/>
+              </a:ext>
+            </a:extLst>
+          </p:cNvPr>
+          <p:cNvGrpSpPr/>
+          <p:nvPr/>
+        </p:nvGrpSpPr>
+        <p:grpSpPr>
+          <a:xfrm rot="9932970">
+            <a:off x="1962710" y="2292038"/>
+            <a:ext cx="10474791" cy="9816135"/>
+            <a:chOff x="4491976" y="3611601"/>
+            <a:chExt cx="8468157" cy="7935679"/>
+          </a:xfrm>
+        </p:grpSpPr>
+        <p:grpSp>
+          <p:nvGrpSpPr>
+            <p:cNvPr id="6" name="Group 5">
+              <a:extLst>
+                <a:ext uri="{FF2B5EF4-FFF2-40B4-BE49-F238E27FC236}">
+                  <a16:creationId xmlns:a16="http://schemas.microsoft.com/office/drawing/2014/main" id="{250E1F59-7561-153E-4FEA-33BFD1BE01EE}"/>
+                </a:ext>
+              </a:extLst>
+            </p:cNvPr>
+            <p:cNvGrpSpPr/>
+            <p:nvPr/>
+          </p:nvGrpSpPr>
+          <p:grpSpPr>
+            <a:xfrm>
+              <a:off x="4491976" y="3611601"/>
+              <a:ext cx="4766001" cy="6515279"/>
+              <a:chOff x="6650267" y="1664814"/>
+              <a:chExt cx="4766001" cy="6515279"/>
+            </a:xfrm>
+          </p:grpSpPr>
+          <p:grpSp>
+            <p:nvGrpSpPr>
+              <p:cNvPr id="25" name="Group 24">
+                <a:extLst>
+                  <a:ext uri="{FF2B5EF4-FFF2-40B4-BE49-F238E27FC236}">
+                    <a16:creationId xmlns:a16="http://schemas.microsoft.com/office/drawing/2014/main" id="{5040E471-D323-D706-D023-1A06190DAAE8}"/>
+                  </a:ext>
+                </a:extLst>
+              </p:cNvPr>
+              <p:cNvGrpSpPr/>
+              <p:nvPr/>
+            </p:nvGrpSpPr>
+            <p:grpSpPr>
+              <a:xfrm>
+                <a:off x="6764311" y="1664814"/>
+                <a:ext cx="4141894" cy="6515279"/>
+                <a:chOff x="5240311" y="1664813"/>
+                <a:chExt cx="4141894" cy="6515279"/>
+              </a:xfrm>
+            </p:grpSpPr>
+            <p:sp>
+              <p:nvSpPr>
+                <p:cNvPr id="27" name="Rectangle: Rounded Corners 26">
+                  <a:extLst>
+                    <a:ext uri="{FF2B5EF4-FFF2-40B4-BE49-F238E27FC236}">
+                      <a16:creationId xmlns:a16="http://schemas.microsoft.com/office/drawing/2014/main" id="{E8DCA516-5A1A-1DD2-CCC7-FB1344E9D861}"/>
+                    </a:ext>
+                  </a:extLst>
+                </p:cNvPr>
+                <p:cNvSpPr/>
+                <p:nvPr/>
+              </p:nvSpPr>
+              <p:spPr>
+                <a:xfrm>
+                  <a:off x="5240311" y="1664813"/>
+                  <a:ext cx="4141894" cy="6515279"/>
+                </a:xfrm>
+                <a:prstGeom prst="roundRect">
+                  <a:avLst>
+                    <a:gd name="adj" fmla="val 5050"/>
+                  </a:avLst>
+                </a:prstGeom>
+                <a:solidFill>
+                  <a:schemeClr val="tx1">
+                    <a:lumMod val="85000"/>
+                    <a:lumOff val="15000"/>
+                  </a:schemeClr>
+                </a:solidFill>
+                <a:ln w="254000">
+                  <a:noFill/>
+                </a:ln>
+              </p:spPr>
+              <p:style>
+                <a:lnRef idx="2">
+                  <a:schemeClr val="accent1">
+                    <a:shade val="15000"/>
+                  </a:schemeClr>
+                </a:lnRef>
+                <a:fillRef idx="1">
+                  <a:schemeClr val="accent1"/>
+                </a:fillRef>
+                <a:effectRef idx="0">
+                  <a:schemeClr val="accent1"/>
+                </a:effectRef>
+                <a:fontRef idx="minor">
+                  <a:schemeClr val="lt1"/>
+                </a:fontRef>
+              </p:style>
+              <p:txBody>
+                <a:bodyPr rtlCol="0" anchor="ctr"/>
+                <a:lstStyle/>
+                <a:p>
+                  <a:pPr algn="ctr"/>
+                  <a:endParaRPr lang="es-MX" sz="3298"/>
+                </a:p>
+              </p:txBody>
+            </p:sp>
+            <p:sp>
+              <p:nvSpPr>
+                <p:cNvPr id="28" name="Oval 27">
+                  <a:extLst>
+                    <a:ext uri="{FF2B5EF4-FFF2-40B4-BE49-F238E27FC236}">
+                      <a16:creationId xmlns:a16="http://schemas.microsoft.com/office/drawing/2014/main" id="{BBC18A1A-5DB2-1802-A2EF-D1E7D3E25C44}"/>
+                    </a:ext>
+                  </a:extLst>
+                </p:cNvPr>
+                <p:cNvSpPr/>
+                <p:nvPr/>
+              </p:nvSpPr>
+              <p:spPr>
+                <a:xfrm rot="1915889">
+                  <a:off x="5702153" y="1999460"/>
+                  <a:ext cx="3262843" cy="5927847"/>
+                </a:xfrm>
+                <a:prstGeom prst="ellipse">
+                  <a:avLst/>
+                </a:prstGeom>
+                <a:solidFill>
+                  <a:srgbClr val="F71A09"/>
+                </a:solidFill>
+                <a:ln>
+                  <a:noFill/>
+                </a:ln>
+              </p:spPr>
+              <p:style>
+                <a:lnRef idx="2">
+                  <a:schemeClr val="accent1">
+                    <a:shade val="15000"/>
+                  </a:schemeClr>
+                </a:lnRef>
+                <a:fillRef idx="1">
+                  <a:schemeClr val="accent1"/>
+                </a:fillRef>
+                <a:effectRef idx="0">
+                  <a:schemeClr val="accent1"/>
+                </a:effectRef>
+                <a:fontRef idx="minor">
+                  <a:schemeClr val="lt1"/>
+                </a:fontRef>
+              </p:style>
+              <p:txBody>
+                <a:bodyPr rtlCol="0" anchor="ctr"/>
+                <a:lstStyle/>
+                <a:p>
+                  <a:pPr algn="ctr"/>
+                  <a:endParaRPr lang="es-MX" sz="3298"/>
+                </a:p>
+              </p:txBody>
+            </p:sp>
+            <p:sp>
+              <p:nvSpPr>
+                <p:cNvPr id="29" name="Rectangle: Rounded Corners 28">
+                  <a:extLst>
+                    <a:ext uri="{FF2B5EF4-FFF2-40B4-BE49-F238E27FC236}">
+                      <a16:creationId xmlns:a16="http://schemas.microsoft.com/office/drawing/2014/main" id="{6809E7E6-BF49-93D7-8021-CABFD04F706B}"/>
+                    </a:ext>
+                  </a:extLst>
+                </p:cNvPr>
+                <p:cNvSpPr/>
+                <p:nvPr/>
+              </p:nvSpPr>
+              <p:spPr>
+                <a:xfrm>
+                  <a:off x="5240311" y="1664813"/>
+                  <a:ext cx="4141894" cy="6515279"/>
+                </a:xfrm>
+                <a:prstGeom prst="roundRect">
+                  <a:avLst>
+                    <a:gd name="adj" fmla="val 8121"/>
+                  </a:avLst>
+                </a:prstGeom>
+                <a:noFill/>
+                <a:ln w="254000">
+                  <a:solidFill>
+                    <a:schemeClr val="bg1"/>
+                  </a:solidFill>
+                </a:ln>
+              </p:spPr>
+              <p:style>
+                <a:lnRef idx="2">
+                  <a:schemeClr val="accent1">
+                    <a:shade val="15000"/>
+                  </a:schemeClr>
+                </a:lnRef>
+                <a:fillRef idx="1">
+                  <a:schemeClr val="accent1"/>
+                </a:fillRef>
+                <a:effectRef idx="0">
+                  <a:schemeClr val="accent1"/>
+                </a:effectRef>
+                <a:fontRef idx="minor">
+                  <a:schemeClr val="lt1"/>
+                </a:fontRef>
+              </p:style>
+              <p:txBody>
+                <a:bodyPr rtlCol="0" anchor="ctr"/>
+                <a:lstStyle/>
+                <a:p>
+                  <a:pPr algn="ctr"/>
+                  <a:endParaRPr lang="es-MX" sz="3298"/>
+                </a:p>
+              </p:txBody>
+            </p:sp>
+          </p:grpSp>
+          <p:sp>
+            <p:nvSpPr>
+              <p:cNvPr id="26" name="TextBox 25">
+                <a:extLst>
+                  <a:ext uri="{FF2B5EF4-FFF2-40B4-BE49-F238E27FC236}">
+                    <a16:creationId xmlns:a16="http://schemas.microsoft.com/office/drawing/2014/main" id="{8C7EF734-4D80-D77E-F46E-8A12051158E5}"/>
+                  </a:ext>
+                </a:extLst>
+              </p:cNvPr>
+              <p:cNvSpPr txBox="1"/>
+              <p:nvPr/>
+            </p:nvSpPr>
+            <p:spPr>
+              <a:xfrm rot="20441340">
+                <a:off x="6650267" y="3911800"/>
+                <a:ext cx="4766001" cy="2092714"/>
+              </a:xfrm>
+              <a:prstGeom prst="rect">
+                <a:avLst/>
+              </a:prstGeom>
+              <a:noFill/>
+            </p:spPr>
+            <p:txBody>
+              <a:bodyPr wrap="square" rtlCol="0">
+                <a:spAutoFit/>
+              </a:bodyPr>
+              <a:lstStyle/>
+              <a:p>
+                <a:r>
+                  <a:rPr lang="en-US" sz="18029" dirty="0">
+                    <a:ln w="63500" cap="rnd">
+                      <a:solidFill>
+                        <a:schemeClr val="tx1"/>
+                      </a:solidFill>
+                    </a:ln>
+                    <a:solidFill>
+                      <a:srgbClr val="FFCD2F"/>
+                    </a:solidFill>
+                    <a:effectLst>
+                      <a:glow rad="50800">
+                        <a:schemeClr val="bg1"/>
+                      </a:glow>
+                      <a:outerShdw dist="76200" dir="9000000" algn="tr" rotWithShape="0">
+                        <a:prstClr val="black"/>
+                      </a:outerShdw>
+                    </a:effectLst>
+                    <a:latin typeface="Aharoni" panose="02010803020104030203" pitchFamily="2" charset="-79"/>
+                    <a:cs typeface="Aharoni" panose="02010803020104030203" pitchFamily="2" charset="-79"/>
+                  </a:rPr>
+                  <a:t>ONU</a:t>
+                </a:r>
+                <a:endParaRPr lang="es-MX" sz="18029" dirty="0">
+                  <a:ln w="63500" cap="rnd">
+                    <a:solidFill>
+                      <a:schemeClr val="tx1"/>
+                    </a:solidFill>
+                  </a:ln>
+                  <a:solidFill>
+                    <a:srgbClr val="FFCD2F"/>
+                  </a:solidFill>
+                  <a:effectLst>
+                    <a:glow rad="50800">
+                      <a:schemeClr val="bg1"/>
+                    </a:glow>
+                    <a:outerShdw dist="76200" dir="9000000" algn="tr" rotWithShape="0">
+                      <a:prstClr val="black"/>
+                    </a:outerShdw>
+                  </a:effectLst>
+                  <a:latin typeface="Aharoni" panose="02010803020104030203" pitchFamily="2" charset="-79"/>
+                  <a:cs typeface="Aharoni" panose="02010803020104030203" pitchFamily="2" charset="-79"/>
+                </a:endParaRPr>
+              </a:p>
+            </p:txBody>
+          </p:sp>
+        </p:grpSp>
+        <p:grpSp>
+          <p:nvGrpSpPr>
+            <p:cNvPr id="7" name="Group 6">
+              <a:extLst>
+                <a:ext uri="{FF2B5EF4-FFF2-40B4-BE49-F238E27FC236}">
+                  <a16:creationId xmlns:a16="http://schemas.microsoft.com/office/drawing/2014/main" id="{082C214E-B77C-6835-B167-C62367EF68D9}"/>
+                </a:ext>
+              </a:extLst>
+            </p:cNvPr>
+            <p:cNvGrpSpPr/>
+            <p:nvPr/>
+          </p:nvGrpSpPr>
+          <p:grpSpPr>
+            <a:xfrm rot="529634">
+              <a:off x="5739043" y="3829481"/>
+              <a:ext cx="4766001" cy="6515279"/>
+              <a:chOff x="6650267" y="1664814"/>
+              <a:chExt cx="4766001" cy="6515279"/>
+            </a:xfrm>
+          </p:grpSpPr>
+          <p:grpSp>
+            <p:nvGrpSpPr>
+              <p:cNvPr id="20" name="Group 19">
+                <a:extLst>
+                  <a:ext uri="{FF2B5EF4-FFF2-40B4-BE49-F238E27FC236}">
+                    <a16:creationId xmlns:a16="http://schemas.microsoft.com/office/drawing/2014/main" id="{D9CBF6D0-A827-80E4-A93E-20790113B46A}"/>
+                  </a:ext>
+                </a:extLst>
+              </p:cNvPr>
+              <p:cNvGrpSpPr/>
+              <p:nvPr/>
+            </p:nvGrpSpPr>
+            <p:grpSpPr>
+              <a:xfrm>
+                <a:off x="6764311" y="1664814"/>
+                <a:ext cx="4141894" cy="6515279"/>
+                <a:chOff x="5240311" y="1664813"/>
+                <a:chExt cx="4141894" cy="6515279"/>
+              </a:xfrm>
+            </p:grpSpPr>
+            <p:sp>
+              <p:nvSpPr>
+                <p:cNvPr id="22" name="Rectangle: Rounded Corners 21">
+                  <a:extLst>
+                    <a:ext uri="{FF2B5EF4-FFF2-40B4-BE49-F238E27FC236}">
+                      <a16:creationId xmlns:a16="http://schemas.microsoft.com/office/drawing/2014/main" id="{E9991683-CD9C-7D89-B5AD-CEC944417761}"/>
+                    </a:ext>
+                  </a:extLst>
+                </p:cNvPr>
+                <p:cNvSpPr/>
+                <p:nvPr/>
+              </p:nvSpPr>
+              <p:spPr>
+                <a:xfrm>
+                  <a:off x="5240311" y="1664813"/>
+                  <a:ext cx="4141894" cy="6515279"/>
+                </a:xfrm>
+                <a:prstGeom prst="roundRect">
+                  <a:avLst>
+                    <a:gd name="adj" fmla="val 5050"/>
+                  </a:avLst>
+                </a:prstGeom>
+                <a:solidFill>
+                  <a:schemeClr val="tx1">
+                    <a:lumMod val="85000"/>
+                    <a:lumOff val="15000"/>
+                  </a:schemeClr>
+                </a:solidFill>
+                <a:ln w="254000">
+                  <a:noFill/>
+                </a:ln>
+              </p:spPr>
+              <p:style>
+                <a:lnRef idx="2">
+                  <a:schemeClr val="accent1">
+                    <a:shade val="15000"/>
+                  </a:schemeClr>
+                </a:lnRef>
+                <a:fillRef idx="1">
+                  <a:schemeClr val="accent1"/>
+                </a:fillRef>
+                <a:effectRef idx="0">
+                  <a:schemeClr val="accent1"/>
+                </a:effectRef>
+                <a:fontRef idx="minor">
+                  <a:schemeClr val="lt1"/>
+                </a:fontRef>
+              </p:style>
+              <p:txBody>
+                <a:bodyPr rtlCol="0" anchor="ctr"/>
+                <a:lstStyle/>
+                <a:p>
+                  <a:pPr algn="ctr"/>
+                  <a:endParaRPr lang="es-MX" sz="3298"/>
+                </a:p>
+              </p:txBody>
+            </p:sp>
+            <p:sp>
+              <p:nvSpPr>
+                <p:cNvPr id="23" name="Oval 22">
+                  <a:extLst>
+                    <a:ext uri="{FF2B5EF4-FFF2-40B4-BE49-F238E27FC236}">
+                      <a16:creationId xmlns:a16="http://schemas.microsoft.com/office/drawing/2014/main" id="{7EAAB62E-0BF3-58F6-9367-AE480CF52023}"/>
+                    </a:ext>
+                  </a:extLst>
+                </p:cNvPr>
+                <p:cNvSpPr/>
+                <p:nvPr/>
+              </p:nvSpPr>
+              <p:spPr>
+                <a:xfrm rot="1915889">
+                  <a:off x="5702153" y="1999460"/>
+                  <a:ext cx="3262843" cy="5927847"/>
+                </a:xfrm>
+                <a:prstGeom prst="ellipse">
+                  <a:avLst/>
+                </a:prstGeom>
+                <a:solidFill>
+                  <a:srgbClr val="F71A09"/>
+                </a:solidFill>
+                <a:ln>
+                  <a:noFill/>
+                </a:ln>
+              </p:spPr>
+              <p:style>
+                <a:lnRef idx="2">
+                  <a:schemeClr val="accent1">
+                    <a:shade val="15000"/>
+                  </a:schemeClr>
+                </a:lnRef>
+                <a:fillRef idx="1">
+                  <a:schemeClr val="accent1"/>
+                </a:fillRef>
+                <a:effectRef idx="0">
+                  <a:schemeClr val="accent1"/>
+                </a:effectRef>
+                <a:fontRef idx="minor">
+                  <a:schemeClr val="lt1"/>
+                </a:fontRef>
+              </p:style>
+              <p:txBody>
+                <a:bodyPr rtlCol="0" anchor="ctr"/>
+                <a:lstStyle/>
+                <a:p>
+                  <a:pPr algn="ctr"/>
+                  <a:endParaRPr lang="es-MX" sz="3298"/>
+                </a:p>
+              </p:txBody>
+            </p:sp>
+            <p:sp>
+              <p:nvSpPr>
+                <p:cNvPr id="24" name="Rectangle: Rounded Corners 23">
+                  <a:extLst>
+                    <a:ext uri="{FF2B5EF4-FFF2-40B4-BE49-F238E27FC236}">
+                      <a16:creationId xmlns:a16="http://schemas.microsoft.com/office/drawing/2014/main" id="{12EA9385-F264-6F4C-13F2-363D9AC2A744}"/>
+                    </a:ext>
+                  </a:extLst>
+                </p:cNvPr>
+                <p:cNvSpPr/>
+                <p:nvPr/>
+              </p:nvSpPr>
+              <p:spPr>
+                <a:xfrm>
+                  <a:off x="5240311" y="1664813"/>
+                  <a:ext cx="4141894" cy="6515279"/>
+                </a:xfrm>
+                <a:prstGeom prst="roundRect">
+                  <a:avLst>
+                    <a:gd name="adj" fmla="val 8121"/>
+                  </a:avLst>
+                </a:prstGeom>
+                <a:noFill/>
+                <a:ln w="254000">
+                  <a:solidFill>
+                    <a:schemeClr val="bg1"/>
+                  </a:solidFill>
+                </a:ln>
+              </p:spPr>
+              <p:style>
+                <a:lnRef idx="2">
+                  <a:schemeClr val="accent1">
+                    <a:shade val="15000"/>
+                  </a:schemeClr>
+                </a:lnRef>
+                <a:fillRef idx="1">
+                  <a:schemeClr val="accent1"/>
+                </a:fillRef>
+                <a:effectRef idx="0">
+                  <a:schemeClr val="accent1"/>
+                </a:effectRef>
+                <a:fontRef idx="minor">
+                  <a:schemeClr val="lt1"/>
+                </a:fontRef>
+              </p:style>
+              <p:txBody>
+                <a:bodyPr rtlCol="0" anchor="ctr"/>
+                <a:lstStyle/>
+                <a:p>
+                  <a:pPr algn="ctr"/>
+                  <a:endParaRPr lang="es-MX" sz="3298"/>
+                </a:p>
+              </p:txBody>
+            </p:sp>
+          </p:grpSp>
+          <p:sp>
+            <p:nvSpPr>
+              <p:cNvPr id="21" name="TextBox 20">
+                <a:extLst>
+                  <a:ext uri="{FF2B5EF4-FFF2-40B4-BE49-F238E27FC236}">
+                    <a16:creationId xmlns:a16="http://schemas.microsoft.com/office/drawing/2014/main" id="{B2AFACA4-5B07-43C9-5E01-C2796BDDAB35}"/>
+                  </a:ext>
+                </a:extLst>
+              </p:cNvPr>
+              <p:cNvSpPr txBox="1"/>
+              <p:nvPr/>
+            </p:nvSpPr>
+            <p:spPr>
+              <a:xfrm rot="20441340">
+                <a:off x="6650267" y="3911799"/>
+                <a:ext cx="4766001" cy="2092714"/>
+              </a:xfrm>
+              <a:prstGeom prst="rect">
+                <a:avLst/>
+              </a:prstGeom>
+              <a:noFill/>
+            </p:spPr>
+            <p:txBody>
+              <a:bodyPr wrap="square" rtlCol="0">
+                <a:spAutoFit/>
+              </a:bodyPr>
+              <a:lstStyle/>
+              <a:p>
+                <a:r>
+                  <a:rPr lang="en-US" sz="18029" dirty="0">
+                    <a:ln w="63500" cap="rnd">
+                      <a:solidFill>
+                        <a:schemeClr val="tx1"/>
+                      </a:solidFill>
+                    </a:ln>
+                    <a:solidFill>
+                      <a:srgbClr val="FFCD2F"/>
+                    </a:solidFill>
+                    <a:effectLst>
+                      <a:glow rad="50800">
+                        <a:schemeClr val="bg1"/>
+                      </a:glow>
+                      <a:outerShdw dist="76200" dir="9000000" algn="tr" rotWithShape="0">
+                        <a:prstClr val="black"/>
+                      </a:outerShdw>
+                    </a:effectLst>
+                    <a:latin typeface="Aharoni" panose="02010803020104030203" pitchFamily="2" charset="-79"/>
+                    <a:cs typeface="Aharoni" panose="02010803020104030203" pitchFamily="2" charset="-79"/>
+                  </a:rPr>
+                  <a:t>ONU</a:t>
+                </a:r>
+                <a:endParaRPr lang="es-MX" sz="18029" dirty="0">
+                  <a:ln w="63500" cap="rnd">
+                    <a:solidFill>
+                      <a:schemeClr val="tx1"/>
+                    </a:solidFill>
+                  </a:ln>
+                  <a:solidFill>
+                    <a:srgbClr val="FFCD2F"/>
+                  </a:solidFill>
+                  <a:effectLst>
+                    <a:glow rad="50800">
+                      <a:schemeClr val="bg1"/>
+                    </a:glow>
+                    <a:outerShdw dist="76200" dir="9000000" algn="tr" rotWithShape="0">
+                      <a:prstClr val="black"/>
+                    </a:outerShdw>
+                  </a:effectLst>
+                  <a:latin typeface="Aharoni" panose="02010803020104030203" pitchFamily="2" charset="-79"/>
+                  <a:cs typeface="Aharoni" panose="02010803020104030203" pitchFamily="2" charset="-79"/>
+                </a:endParaRPr>
+              </a:p>
+            </p:txBody>
+          </p:sp>
+        </p:grpSp>
+        <p:grpSp>
+          <p:nvGrpSpPr>
+            <p:cNvPr id="8" name="Group 7">
+              <a:extLst>
+                <a:ext uri="{FF2B5EF4-FFF2-40B4-BE49-F238E27FC236}">
+                  <a16:creationId xmlns:a16="http://schemas.microsoft.com/office/drawing/2014/main" id="{AEC5F9A4-0567-5926-C6B2-7518A34836B9}"/>
+                </a:ext>
+              </a:extLst>
+            </p:cNvPr>
+            <p:cNvGrpSpPr/>
+            <p:nvPr/>
+          </p:nvGrpSpPr>
+          <p:grpSpPr>
+            <a:xfrm rot="1092642">
+              <a:off x="6863007" y="4229788"/>
+              <a:ext cx="4766001" cy="6515279"/>
+              <a:chOff x="6650266" y="1664814"/>
+              <a:chExt cx="4766001" cy="6515279"/>
+            </a:xfrm>
+          </p:grpSpPr>
+          <p:grpSp>
+            <p:nvGrpSpPr>
+              <p:cNvPr id="15" name="Group 14">
+                <a:extLst>
+                  <a:ext uri="{FF2B5EF4-FFF2-40B4-BE49-F238E27FC236}">
+                    <a16:creationId xmlns:a16="http://schemas.microsoft.com/office/drawing/2014/main" id="{84173D99-12B4-169E-BC12-FFE5A82E02E3}"/>
+                  </a:ext>
+                </a:extLst>
+              </p:cNvPr>
+              <p:cNvGrpSpPr/>
+              <p:nvPr/>
+            </p:nvGrpSpPr>
+            <p:grpSpPr>
+              <a:xfrm>
+                <a:off x="6764311" y="1664814"/>
+                <a:ext cx="4141894" cy="6515279"/>
+                <a:chOff x="5240311" y="1664813"/>
+                <a:chExt cx="4141894" cy="6515279"/>
+              </a:xfrm>
+            </p:grpSpPr>
+            <p:sp>
+              <p:nvSpPr>
+                <p:cNvPr id="17" name="Rectangle: Rounded Corners 16">
+                  <a:extLst>
+                    <a:ext uri="{FF2B5EF4-FFF2-40B4-BE49-F238E27FC236}">
+                      <a16:creationId xmlns:a16="http://schemas.microsoft.com/office/drawing/2014/main" id="{D1F60516-79F3-FB26-B96D-253AA099D7B7}"/>
+                    </a:ext>
+                  </a:extLst>
+                </p:cNvPr>
+                <p:cNvSpPr/>
+                <p:nvPr/>
+              </p:nvSpPr>
+              <p:spPr>
+                <a:xfrm>
+                  <a:off x="5240311" y="1664813"/>
+                  <a:ext cx="4141894" cy="6515279"/>
+                </a:xfrm>
+                <a:prstGeom prst="roundRect">
+                  <a:avLst>
+                    <a:gd name="adj" fmla="val 5050"/>
+                  </a:avLst>
+                </a:prstGeom>
+                <a:solidFill>
+                  <a:schemeClr val="tx1">
+                    <a:lumMod val="85000"/>
+                    <a:lumOff val="15000"/>
+                  </a:schemeClr>
+                </a:solidFill>
+                <a:ln w="254000">
+                  <a:noFill/>
+                </a:ln>
+              </p:spPr>
+              <p:style>
+                <a:lnRef idx="2">
+                  <a:schemeClr val="accent1">
+                    <a:shade val="15000"/>
+                  </a:schemeClr>
+                </a:lnRef>
+                <a:fillRef idx="1">
+                  <a:schemeClr val="accent1"/>
+                </a:fillRef>
+                <a:effectRef idx="0">
+                  <a:schemeClr val="accent1"/>
+                </a:effectRef>
+                <a:fontRef idx="minor">
+                  <a:schemeClr val="lt1"/>
+                </a:fontRef>
+              </p:style>
+              <p:txBody>
+                <a:bodyPr rtlCol="0" anchor="ctr"/>
+                <a:lstStyle/>
+                <a:p>
+                  <a:pPr algn="ctr"/>
+                  <a:endParaRPr lang="es-MX" sz="3298"/>
+                </a:p>
+              </p:txBody>
+            </p:sp>
+            <p:sp>
+              <p:nvSpPr>
+                <p:cNvPr id="18" name="Oval 17">
+                  <a:extLst>
+                    <a:ext uri="{FF2B5EF4-FFF2-40B4-BE49-F238E27FC236}">
+                      <a16:creationId xmlns:a16="http://schemas.microsoft.com/office/drawing/2014/main" id="{A7BC488B-AF19-B805-3115-05FFA563557E}"/>
+                    </a:ext>
+                  </a:extLst>
+                </p:cNvPr>
+                <p:cNvSpPr/>
+                <p:nvPr/>
+              </p:nvSpPr>
+              <p:spPr>
+                <a:xfrm rot="1915889">
+                  <a:off x="5702153" y="1999460"/>
+                  <a:ext cx="3262843" cy="5927847"/>
+                </a:xfrm>
+                <a:prstGeom prst="ellipse">
+                  <a:avLst/>
+                </a:prstGeom>
+                <a:solidFill>
+                  <a:srgbClr val="F71A09"/>
+                </a:solidFill>
+                <a:ln>
+                  <a:noFill/>
+                </a:ln>
+              </p:spPr>
+              <p:style>
+                <a:lnRef idx="2">
+                  <a:schemeClr val="accent1">
+                    <a:shade val="15000"/>
+                  </a:schemeClr>
+                </a:lnRef>
+                <a:fillRef idx="1">
+                  <a:schemeClr val="accent1"/>
+                </a:fillRef>
+                <a:effectRef idx="0">
+                  <a:schemeClr val="accent1"/>
+                </a:effectRef>
+                <a:fontRef idx="minor">
+                  <a:schemeClr val="lt1"/>
+                </a:fontRef>
+              </p:style>
+              <p:txBody>
+                <a:bodyPr rtlCol="0" anchor="ctr"/>
+                <a:lstStyle/>
+                <a:p>
+                  <a:pPr algn="ctr"/>
+                  <a:endParaRPr lang="es-MX" sz="3298"/>
+                </a:p>
+              </p:txBody>
+            </p:sp>
+            <p:sp>
+              <p:nvSpPr>
+                <p:cNvPr id="19" name="Rectangle: Rounded Corners 18">
+                  <a:extLst>
+                    <a:ext uri="{FF2B5EF4-FFF2-40B4-BE49-F238E27FC236}">
+                      <a16:creationId xmlns:a16="http://schemas.microsoft.com/office/drawing/2014/main" id="{1D499A67-1D0F-38EA-0FC3-2877EF1CEAEC}"/>
+                    </a:ext>
+                  </a:extLst>
+                </p:cNvPr>
+                <p:cNvSpPr/>
+                <p:nvPr/>
+              </p:nvSpPr>
+              <p:spPr>
+                <a:xfrm>
+                  <a:off x="5240311" y="1664813"/>
+                  <a:ext cx="4141894" cy="6515279"/>
+                </a:xfrm>
+                <a:prstGeom prst="roundRect">
+                  <a:avLst>
+                    <a:gd name="adj" fmla="val 8121"/>
+                  </a:avLst>
+                </a:prstGeom>
+                <a:noFill/>
+                <a:ln w="254000">
+                  <a:solidFill>
+                    <a:schemeClr val="bg1"/>
+                  </a:solidFill>
+                </a:ln>
+              </p:spPr>
+              <p:style>
+                <a:lnRef idx="2">
+                  <a:schemeClr val="accent1">
+                    <a:shade val="15000"/>
+                  </a:schemeClr>
+                </a:lnRef>
+                <a:fillRef idx="1">
+                  <a:schemeClr val="accent1"/>
+                </a:fillRef>
+                <a:effectRef idx="0">
+                  <a:schemeClr val="accent1"/>
+                </a:effectRef>
+                <a:fontRef idx="minor">
+                  <a:schemeClr val="lt1"/>
+                </a:fontRef>
+              </p:style>
+              <p:txBody>
+                <a:bodyPr rtlCol="0" anchor="ctr"/>
+                <a:lstStyle/>
+                <a:p>
+                  <a:pPr algn="ctr"/>
+                  <a:endParaRPr lang="es-MX" sz="3298"/>
+                </a:p>
+              </p:txBody>
+            </p:sp>
+          </p:grpSp>
+          <p:sp>
+            <p:nvSpPr>
+              <p:cNvPr id="16" name="TextBox 15">
+                <a:extLst>
+                  <a:ext uri="{FF2B5EF4-FFF2-40B4-BE49-F238E27FC236}">
+                    <a16:creationId xmlns:a16="http://schemas.microsoft.com/office/drawing/2014/main" id="{2CF5AC5C-AA6B-D9D9-9813-98B50E6AD6B7}"/>
+                  </a:ext>
+                </a:extLst>
+              </p:cNvPr>
+              <p:cNvSpPr txBox="1"/>
+              <p:nvPr/>
+            </p:nvSpPr>
+            <p:spPr>
+              <a:xfrm rot="20441340">
+                <a:off x="6650266" y="3911801"/>
+                <a:ext cx="4766001" cy="2092714"/>
+              </a:xfrm>
+              <a:prstGeom prst="rect">
+                <a:avLst/>
+              </a:prstGeom>
+              <a:noFill/>
+            </p:spPr>
+            <p:txBody>
+              <a:bodyPr wrap="square" rtlCol="0">
+                <a:spAutoFit/>
+              </a:bodyPr>
+              <a:lstStyle/>
+              <a:p>
+                <a:r>
+                  <a:rPr lang="en-US" sz="18029" dirty="0">
+                    <a:ln w="63500" cap="rnd">
+                      <a:solidFill>
+                        <a:schemeClr val="tx1"/>
+                      </a:solidFill>
+                    </a:ln>
+                    <a:solidFill>
+                      <a:srgbClr val="FFCD2F"/>
+                    </a:solidFill>
+                    <a:effectLst>
+                      <a:glow rad="50800">
+                        <a:schemeClr val="bg1"/>
+                      </a:glow>
+                      <a:outerShdw dist="76200" dir="9000000" algn="tr" rotWithShape="0">
+                        <a:prstClr val="black"/>
+                      </a:outerShdw>
+                    </a:effectLst>
+                    <a:latin typeface="Aharoni" panose="02010803020104030203" pitchFamily="2" charset="-79"/>
+                    <a:cs typeface="Aharoni" panose="02010803020104030203" pitchFamily="2" charset="-79"/>
+                  </a:rPr>
+                  <a:t>ONU</a:t>
+                </a:r>
+                <a:endParaRPr lang="es-MX" sz="18029" dirty="0">
+                  <a:ln w="63500" cap="rnd">
+                    <a:solidFill>
+                      <a:schemeClr val="tx1"/>
+                    </a:solidFill>
+                  </a:ln>
+                  <a:solidFill>
+                    <a:srgbClr val="FFCD2F"/>
+                  </a:solidFill>
+                  <a:effectLst>
+                    <a:glow rad="50800">
+                      <a:schemeClr val="bg1"/>
+                    </a:glow>
+                    <a:outerShdw dist="76200" dir="9000000" algn="tr" rotWithShape="0">
+                      <a:prstClr val="black"/>
+                    </a:outerShdw>
+                  </a:effectLst>
+                  <a:latin typeface="Aharoni" panose="02010803020104030203" pitchFamily="2" charset="-79"/>
+                  <a:cs typeface="Aharoni" panose="02010803020104030203" pitchFamily="2" charset="-79"/>
+                </a:endParaRPr>
+              </a:p>
+            </p:txBody>
+          </p:sp>
+        </p:grpSp>
+        <p:grpSp>
+          <p:nvGrpSpPr>
+            <p:cNvPr id="9" name="Group 8">
+              <a:extLst>
+                <a:ext uri="{FF2B5EF4-FFF2-40B4-BE49-F238E27FC236}">
+                  <a16:creationId xmlns:a16="http://schemas.microsoft.com/office/drawing/2014/main" id="{60491D75-30FC-156D-5DA2-294B008B1B36}"/>
+                </a:ext>
+              </a:extLst>
+            </p:cNvPr>
+            <p:cNvGrpSpPr/>
+            <p:nvPr/>
+          </p:nvGrpSpPr>
+          <p:grpSpPr>
+            <a:xfrm rot="1967284">
+              <a:off x="8194132" y="5032001"/>
+              <a:ext cx="4766001" cy="6515279"/>
+              <a:chOff x="6650267" y="1664814"/>
+              <a:chExt cx="4766001" cy="6515279"/>
+            </a:xfrm>
+          </p:grpSpPr>
+          <p:grpSp>
+            <p:nvGrpSpPr>
+              <p:cNvPr id="10" name="Group 9">
+                <a:extLst>
+                  <a:ext uri="{FF2B5EF4-FFF2-40B4-BE49-F238E27FC236}">
+                    <a16:creationId xmlns:a16="http://schemas.microsoft.com/office/drawing/2014/main" id="{8C2D8F3F-1284-E802-DBC1-7ED752F4B632}"/>
+                  </a:ext>
+                </a:extLst>
+              </p:cNvPr>
+              <p:cNvGrpSpPr/>
+              <p:nvPr/>
+            </p:nvGrpSpPr>
+            <p:grpSpPr>
+              <a:xfrm>
+                <a:off x="6764311" y="1664814"/>
+                <a:ext cx="4141894" cy="6515279"/>
+                <a:chOff x="5240311" y="1664813"/>
+                <a:chExt cx="4141894" cy="6515279"/>
+              </a:xfrm>
+            </p:grpSpPr>
+            <p:sp>
+              <p:nvSpPr>
+                <p:cNvPr id="12" name="Rectangle: Rounded Corners 11">
+                  <a:extLst>
+                    <a:ext uri="{FF2B5EF4-FFF2-40B4-BE49-F238E27FC236}">
+                      <a16:creationId xmlns:a16="http://schemas.microsoft.com/office/drawing/2014/main" id="{45D9F87D-BC78-B51A-06DF-7843EED464C2}"/>
+                    </a:ext>
+                  </a:extLst>
+                </p:cNvPr>
+                <p:cNvSpPr/>
+                <p:nvPr/>
+              </p:nvSpPr>
+              <p:spPr>
+                <a:xfrm>
+                  <a:off x="5240311" y="1664813"/>
+                  <a:ext cx="4141894" cy="6515279"/>
+                </a:xfrm>
+                <a:prstGeom prst="roundRect">
+                  <a:avLst>
+                    <a:gd name="adj" fmla="val 5050"/>
+                  </a:avLst>
+                </a:prstGeom>
+                <a:solidFill>
+                  <a:schemeClr val="tx1">
+                    <a:lumMod val="85000"/>
+                    <a:lumOff val="15000"/>
+                  </a:schemeClr>
+                </a:solidFill>
+                <a:ln w="254000">
+                  <a:noFill/>
+                </a:ln>
+              </p:spPr>
+              <p:style>
+                <a:lnRef idx="2">
+                  <a:schemeClr val="accent1">
+                    <a:shade val="15000"/>
+                  </a:schemeClr>
+                </a:lnRef>
+                <a:fillRef idx="1">
+                  <a:schemeClr val="accent1"/>
+                </a:fillRef>
+                <a:effectRef idx="0">
+                  <a:schemeClr val="accent1"/>
+                </a:effectRef>
+                <a:fontRef idx="minor">
+                  <a:schemeClr val="lt1"/>
+                </a:fontRef>
+              </p:style>
+              <p:txBody>
+                <a:bodyPr rtlCol="0" anchor="ctr"/>
+                <a:lstStyle/>
+                <a:p>
+                  <a:pPr algn="ctr"/>
+                  <a:endParaRPr lang="es-MX" sz="3298"/>
+                </a:p>
+              </p:txBody>
+            </p:sp>
+            <p:sp>
+              <p:nvSpPr>
+                <p:cNvPr id="13" name="Oval 12">
+                  <a:extLst>
+                    <a:ext uri="{FF2B5EF4-FFF2-40B4-BE49-F238E27FC236}">
+                      <a16:creationId xmlns:a16="http://schemas.microsoft.com/office/drawing/2014/main" id="{C5E77EB6-7FFA-F86C-FCFE-29DAD1C904E6}"/>
+                    </a:ext>
+                  </a:extLst>
+                </p:cNvPr>
+                <p:cNvSpPr/>
+                <p:nvPr/>
+              </p:nvSpPr>
+              <p:spPr>
+                <a:xfrm rot="1915889">
+                  <a:off x="5702153" y="1999460"/>
+                  <a:ext cx="3262843" cy="5927847"/>
+                </a:xfrm>
+                <a:prstGeom prst="ellipse">
+                  <a:avLst/>
+                </a:prstGeom>
+                <a:solidFill>
+                  <a:srgbClr val="F71A09"/>
+                </a:solidFill>
+                <a:ln>
+                  <a:noFill/>
+                </a:ln>
+              </p:spPr>
+              <p:style>
+                <a:lnRef idx="2">
+                  <a:schemeClr val="accent1">
+                    <a:shade val="15000"/>
+                  </a:schemeClr>
+                </a:lnRef>
+                <a:fillRef idx="1">
+                  <a:schemeClr val="accent1"/>
+                </a:fillRef>
+                <a:effectRef idx="0">
+                  <a:schemeClr val="accent1"/>
+                </a:effectRef>
+                <a:fontRef idx="minor">
+                  <a:schemeClr val="lt1"/>
+                </a:fontRef>
+              </p:style>
+              <p:txBody>
+                <a:bodyPr rtlCol="0" anchor="ctr"/>
+                <a:lstStyle/>
+                <a:p>
+                  <a:pPr algn="ctr"/>
+                  <a:endParaRPr lang="es-MX" sz="3298"/>
+                </a:p>
+              </p:txBody>
+            </p:sp>
+            <p:sp>
+              <p:nvSpPr>
+                <p:cNvPr id="14" name="Rectangle: Rounded Corners 13">
+                  <a:extLst>
+                    <a:ext uri="{FF2B5EF4-FFF2-40B4-BE49-F238E27FC236}">
+                      <a16:creationId xmlns:a16="http://schemas.microsoft.com/office/drawing/2014/main" id="{2448E865-F119-6C61-9C15-2C31A25DD0E4}"/>
+                    </a:ext>
+                  </a:extLst>
+                </p:cNvPr>
+                <p:cNvSpPr/>
+                <p:nvPr/>
+              </p:nvSpPr>
+              <p:spPr>
+                <a:xfrm>
+                  <a:off x="5240311" y="1664813"/>
+                  <a:ext cx="4141894" cy="6515279"/>
+                </a:xfrm>
+                <a:prstGeom prst="roundRect">
+                  <a:avLst>
+                    <a:gd name="adj" fmla="val 8121"/>
+                  </a:avLst>
+                </a:prstGeom>
+                <a:noFill/>
+                <a:ln w="254000">
+                  <a:solidFill>
+                    <a:schemeClr val="bg1"/>
+                  </a:solidFill>
+                </a:ln>
+              </p:spPr>
+              <p:style>
+                <a:lnRef idx="2">
+                  <a:schemeClr val="accent1">
+                    <a:shade val="15000"/>
+                  </a:schemeClr>
+                </a:lnRef>
+                <a:fillRef idx="1">
+                  <a:schemeClr val="accent1"/>
+                </a:fillRef>
+                <a:effectRef idx="0">
+                  <a:schemeClr val="accent1"/>
+                </a:effectRef>
+                <a:fontRef idx="minor">
+                  <a:schemeClr val="lt1"/>
+                </a:fontRef>
+              </p:style>
+              <p:txBody>
+                <a:bodyPr rtlCol="0" anchor="ctr"/>
+                <a:lstStyle/>
+                <a:p>
+                  <a:pPr algn="ctr"/>
+                  <a:endParaRPr lang="es-MX" sz="3298"/>
+                </a:p>
+              </p:txBody>
+            </p:sp>
+          </p:grpSp>
+          <p:sp>
+            <p:nvSpPr>
+              <p:cNvPr id="11" name="TextBox 10">
+                <a:extLst>
+                  <a:ext uri="{FF2B5EF4-FFF2-40B4-BE49-F238E27FC236}">
+                    <a16:creationId xmlns:a16="http://schemas.microsoft.com/office/drawing/2014/main" id="{72F31286-F687-4CD2-1F48-AD6ABA931FE2}"/>
+                  </a:ext>
+                </a:extLst>
+              </p:cNvPr>
+              <p:cNvSpPr txBox="1"/>
+              <p:nvPr/>
+            </p:nvSpPr>
+            <p:spPr>
+              <a:xfrm rot="20441340">
+                <a:off x="6650267" y="3911801"/>
+                <a:ext cx="4766001" cy="2092714"/>
+              </a:xfrm>
+              <a:prstGeom prst="rect">
+                <a:avLst/>
+              </a:prstGeom>
+              <a:noFill/>
+            </p:spPr>
+            <p:txBody>
+              <a:bodyPr wrap="square" rtlCol="0">
+                <a:spAutoFit/>
+              </a:bodyPr>
+              <a:lstStyle/>
+              <a:p>
+                <a:r>
+                  <a:rPr lang="en-US" sz="18029" dirty="0">
+                    <a:ln w="63500" cap="rnd">
+                      <a:solidFill>
+                        <a:schemeClr val="tx1"/>
+                      </a:solidFill>
+                    </a:ln>
+                    <a:solidFill>
+                      <a:srgbClr val="FFCD2F"/>
+                    </a:solidFill>
+                    <a:effectLst>
+                      <a:glow rad="50800">
+                        <a:schemeClr val="bg1"/>
+                      </a:glow>
+                      <a:outerShdw dist="76200" dir="9000000" algn="tr" rotWithShape="0">
+                        <a:prstClr val="black"/>
+                      </a:outerShdw>
+                    </a:effectLst>
+                    <a:latin typeface="Aharoni" panose="02010803020104030203" pitchFamily="2" charset="-79"/>
+                    <a:cs typeface="Aharoni" panose="02010803020104030203" pitchFamily="2" charset="-79"/>
+                  </a:rPr>
+                  <a:t>ONU</a:t>
+                </a:r>
+                <a:endParaRPr lang="es-MX" sz="18029" dirty="0">
+                  <a:ln w="63500" cap="rnd">
+                    <a:solidFill>
+                      <a:schemeClr val="tx1"/>
+                    </a:solidFill>
+                  </a:ln>
+                  <a:solidFill>
+                    <a:srgbClr val="FFCD2F"/>
+                  </a:solidFill>
+                  <a:effectLst>
+                    <a:glow rad="50800">
+                      <a:schemeClr val="bg1"/>
+                    </a:glow>
+                    <a:outerShdw dist="76200" dir="9000000" algn="tr" rotWithShape="0">
+                      <a:prstClr val="black"/>
+                    </a:outerShdw>
+                  </a:effectLst>
+                  <a:latin typeface="Aharoni" panose="02010803020104030203" pitchFamily="2" charset="-79"/>
+                  <a:cs typeface="Aharoni" panose="02010803020104030203" pitchFamily="2" charset="-79"/>
+                </a:endParaRPr>
+              </a:p>
+            </p:txBody>
+          </p:sp>
+        </p:grpSp>
+      </p:grpSp>
+    </p:spTree>
+    <p:extLst>
+      <p:ext uri="{BB962C8B-B14F-4D97-AF65-F5344CB8AC3E}">
+        <p14:creationId xmlns:p14="http://schemas.microsoft.com/office/powerpoint/2010/main" val="3128994111"/>
+      </p:ext>
+    </p:extLst>
+  </p:cSld>
+  <p:clrMapOvr>
+    <a:masterClrMapping/>
+  </p:clrMapOvr>
+</p:sld>
+</file>
+
+<file path=ppt/slides/slide9.xml><?xml version="1.0" encoding="utf-8"?>
+<p:sld xmlns:a="http://schemas.openxmlformats.org/drawingml/2006/main" xmlns:r="http://schemas.openxmlformats.org/officeDocument/2006/relationships" xmlns:p="http://schemas.openxmlformats.org/presentationml/2006/main">
+  <p:cSld>
+    <p:bg>
+      <p:bgPr>
+        <a:solidFill>
+          <a:schemeClr val="bg2">
+            <a:lumMod val="90000"/>
+          </a:schemeClr>
+        </a:solidFill>
+        <a:effectLst/>
+      </p:bgPr>
+    </p:bg>
+    <p:spTree>
+      <p:nvGrpSpPr>
+        <p:cNvPr id="1" name=""/>
+        <p:cNvGrpSpPr/>
+        <p:nvPr/>
+      </p:nvGrpSpPr>
+      <p:grpSpPr>
+        <a:xfrm>
+          <a:off x="0" y="0"/>
+          <a:ext cx="0" cy="0"/>
+          <a:chOff x="0" y="0"/>
+          <a:chExt cx="0" cy="0"/>
+        </a:xfrm>
+      </p:grpSpPr>
+      <p:grpSp>
+        <p:nvGrpSpPr>
+          <p:cNvPr id="4" name="Group 3">
+            <a:extLst>
+              <a:ext uri="{FF2B5EF4-FFF2-40B4-BE49-F238E27FC236}">
+                <a16:creationId xmlns:a16="http://schemas.microsoft.com/office/drawing/2014/main" id="{254FCC9F-EF0D-0BE1-BDF4-4E6F2F2F07F1}"/>
+              </a:ext>
+            </a:extLst>
+          </p:cNvPr>
+          <p:cNvGrpSpPr/>
+          <p:nvPr/>
+        </p:nvGrpSpPr>
+        <p:grpSpPr>
+          <a:xfrm rot="9559286">
+            <a:off x="2733996" y="2426793"/>
+            <a:ext cx="8932216" cy="9546625"/>
+            <a:chOff x="5739043" y="3829481"/>
+            <a:chExt cx="7221090" cy="7717799"/>
+          </a:xfrm>
+        </p:grpSpPr>
+        <p:grpSp>
+          <p:nvGrpSpPr>
+            <p:cNvPr id="7" name="Group 6">
+              <a:extLst>
+                <a:ext uri="{FF2B5EF4-FFF2-40B4-BE49-F238E27FC236}">
+                  <a16:creationId xmlns:a16="http://schemas.microsoft.com/office/drawing/2014/main" id="{082C214E-B77C-6835-B167-C62367EF68D9}"/>
+                </a:ext>
+              </a:extLst>
+            </p:cNvPr>
+            <p:cNvGrpSpPr/>
+            <p:nvPr/>
+          </p:nvGrpSpPr>
+          <p:grpSpPr>
+            <a:xfrm rot="529634">
+              <a:off x="5739043" y="3829481"/>
+              <a:ext cx="4766001" cy="6515279"/>
+              <a:chOff x="6650267" y="1664814"/>
+              <a:chExt cx="4766001" cy="6515279"/>
+            </a:xfrm>
+          </p:grpSpPr>
+          <p:grpSp>
+            <p:nvGrpSpPr>
+              <p:cNvPr id="20" name="Group 19">
+                <a:extLst>
+                  <a:ext uri="{FF2B5EF4-FFF2-40B4-BE49-F238E27FC236}">
+                    <a16:creationId xmlns:a16="http://schemas.microsoft.com/office/drawing/2014/main" id="{D9CBF6D0-A827-80E4-A93E-20790113B46A}"/>
+                  </a:ext>
+                </a:extLst>
+              </p:cNvPr>
+              <p:cNvGrpSpPr/>
+              <p:nvPr/>
+            </p:nvGrpSpPr>
+            <p:grpSpPr>
+              <a:xfrm>
+                <a:off x="6764311" y="1664814"/>
+                <a:ext cx="4141894" cy="6515279"/>
+                <a:chOff x="5240311" y="1664813"/>
+                <a:chExt cx="4141894" cy="6515279"/>
+              </a:xfrm>
+            </p:grpSpPr>
+            <p:sp>
+              <p:nvSpPr>
+                <p:cNvPr id="22" name="Rectangle: Rounded Corners 21">
+                  <a:extLst>
+                    <a:ext uri="{FF2B5EF4-FFF2-40B4-BE49-F238E27FC236}">
+                      <a16:creationId xmlns:a16="http://schemas.microsoft.com/office/drawing/2014/main" id="{E9991683-CD9C-7D89-B5AD-CEC944417761}"/>
+                    </a:ext>
+                  </a:extLst>
+                </p:cNvPr>
+                <p:cNvSpPr/>
+                <p:nvPr/>
+              </p:nvSpPr>
+              <p:spPr>
+                <a:xfrm>
+                  <a:off x="5240311" y="1664813"/>
+                  <a:ext cx="4141894" cy="6515279"/>
+                </a:xfrm>
+                <a:prstGeom prst="roundRect">
+                  <a:avLst>
+                    <a:gd name="adj" fmla="val 5050"/>
+                  </a:avLst>
+                </a:prstGeom>
+                <a:solidFill>
+                  <a:schemeClr val="tx1">
+                    <a:lumMod val="85000"/>
+                    <a:lumOff val="15000"/>
+                  </a:schemeClr>
+                </a:solidFill>
+                <a:ln w="254000">
+                  <a:noFill/>
+                </a:ln>
+              </p:spPr>
+              <p:style>
+                <a:lnRef idx="2">
+                  <a:schemeClr val="accent1">
+                    <a:shade val="15000"/>
+                  </a:schemeClr>
+                </a:lnRef>
+                <a:fillRef idx="1">
+                  <a:schemeClr val="accent1"/>
+                </a:fillRef>
+                <a:effectRef idx="0">
+                  <a:schemeClr val="accent1"/>
+                </a:effectRef>
+                <a:fontRef idx="minor">
+                  <a:schemeClr val="lt1"/>
+                </a:fontRef>
+              </p:style>
+              <p:txBody>
+                <a:bodyPr rtlCol="0" anchor="ctr"/>
+                <a:lstStyle/>
+                <a:p>
+                  <a:pPr algn="ctr"/>
+                  <a:endParaRPr lang="es-MX" sz="3298"/>
+                </a:p>
+              </p:txBody>
+            </p:sp>
+            <p:sp>
+              <p:nvSpPr>
+                <p:cNvPr id="23" name="Oval 22">
+                  <a:extLst>
+                    <a:ext uri="{FF2B5EF4-FFF2-40B4-BE49-F238E27FC236}">
+                      <a16:creationId xmlns:a16="http://schemas.microsoft.com/office/drawing/2014/main" id="{7EAAB62E-0BF3-58F6-9367-AE480CF52023}"/>
+                    </a:ext>
+                  </a:extLst>
+                </p:cNvPr>
+                <p:cNvSpPr/>
+                <p:nvPr/>
+              </p:nvSpPr>
+              <p:spPr>
+                <a:xfrm rot="1915889">
+                  <a:off x="5702153" y="1999460"/>
+                  <a:ext cx="3262843" cy="5927847"/>
+                </a:xfrm>
+                <a:prstGeom prst="ellipse">
+                  <a:avLst/>
+                </a:prstGeom>
+                <a:solidFill>
+                  <a:srgbClr val="F71A09"/>
+                </a:solidFill>
+                <a:ln>
+                  <a:noFill/>
+                </a:ln>
+              </p:spPr>
+              <p:style>
+                <a:lnRef idx="2">
+                  <a:schemeClr val="accent1">
+                    <a:shade val="15000"/>
+                  </a:schemeClr>
+                </a:lnRef>
+                <a:fillRef idx="1">
+                  <a:schemeClr val="accent1"/>
+                </a:fillRef>
+                <a:effectRef idx="0">
+                  <a:schemeClr val="accent1"/>
+                </a:effectRef>
+                <a:fontRef idx="minor">
+                  <a:schemeClr val="lt1"/>
+                </a:fontRef>
+              </p:style>
+              <p:txBody>
+                <a:bodyPr rtlCol="0" anchor="ctr"/>
+                <a:lstStyle/>
+                <a:p>
+                  <a:pPr algn="ctr"/>
+                  <a:endParaRPr lang="es-MX" sz="3298"/>
+                </a:p>
+              </p:txBody>
+            </p:sp>
+            <p:sp>
+              <p:nvSpPr>
+                <p:cNvPr id="24" name="Rectangle: Rounded Corners 23">
+                  <a:extLst>
+                    <a:ext uri="{FF2B5EF4-FFF2-40B4-BE49-F238E27FC236}">
+                      <a16:creationId xmlns:a16="http://schemas.microsoft.com/office/drawing/2014/main" id="{12EA9385-F264-6F4C-13F2-363D9AC2A744}"/>
+                    </a:ext>
+                  </a:extLst>
+                </p:cNvPr>
+                <p:cNvSpPr/>
+                <p:nvPr/>
+              </p:nvSpPr>
+              <p:spPr>
+                <a:xfrm>
+                  <a:off x="5240311" y="1664813"/>
+                  <a:ext cx="4141894" cy="6515279"/>
+                </a:xfrm>
+                <a:prstGeom prst="roundRect">
+                  <a:avLst>
+                    <a:gd name="adj" fmla="val 8121"/>
+                  </a:avLst>
+                </a:prstGeom>
+                <a:noFill/>
+                <a:ln w="254000">
+                  <a:solidFill>
+                    <a:schemeClr val="bg1"/>
+                  </a:solidFill>
+                </a:ln>
+              </p:spPr>
+              <p:style>
+                <a:lnRef idx="2">
+                  <a:schemeClr val="accent1">
+                    <a:shade val="15000"/>
+                  </a:schemeClr>
+                </a:lnRef>
+                <a:fillRef idx="1">
+                  <a:schemeClr val="accent1"/>
+                </a:fillRef>
+                <a:effectRef idx="0">
+                  <a:schemeClr val="accent1"/>
+                </a:effectRef>
+                <a:fontRef idx="minor">
+                  <a:schemeClr val="lt1"/>
+                </a:fontRef>
+              </p:style>
+              <p:txBody>
+                <a:bodyPr rtlCol="0" anchor="ctr"/>
+                <a:lstStyle/>
+                <a:p>
+                  <a:pPr algn="ctr"/>
+                  <a:endParaRPr lang="es-MX" sz="3298"/>
+                </a:p>
+              </p:txBody>
+            </p:sp>
+          </p:grpSp>
+          <p:sp>
+            <p:nvSpPr>
+              <p:cNvPr id="21" name="TextBox 20">
+                <a:extLst>
+                  <a:ext uri="{FF2B5EF4-FFF2-40B4-BE49-F238E27FC236}">
+                    <a16:creationId xmlns:a16="http://schemas.microsoft.com/office/drawing/2014/main" id="{B2AFACA4-5B07-43C9-5E01-C2796BDDAB35}"/>
+                  </a:ext>
+                </a:extLst>
+              </p:cNvPr>
+              <p:cNvSpPr txBox="1"/>
+              <p:nvPr/>
+            </p:nvSpPr>
+            <p:spPr>
+              <a:xfrm rot="20441340">
+                <a:off x="6650267" y="3911799"/>
+                <a:ext cx="4766001" cy="2092714"/>
+              </a:xfrm>
+              <a:prstGeom prst="rect">
+                <a:avLst/>
+              </a:prstGeom>
+              <a:noFill/>
+            </p:spPr>
+            <p:txBody>
+              <a:bodyPr wrap="square" rtlCol="0">
+                <a:spAutoFit/>
+              </a:bodyPr>
+              <a:lstStyle/>
+              <a:p>
+                <a:r>
+                  <a:rPr lang="en-US" sz="18029" dirty="0">
+                    <a:ln w="63500" cap="rnd">
+                      <a:solidFill>
+                        <a:schemeClr val="tx1"/>
+                      </a:solidFill>
+                    </a:ln>
+                    <a:solidFill>
+                      <a:srgbClr val="FFCD2F"/>
+                    </a:solidFill>
+                    <a:effectLst>
+                      <a:glow rad="50800">
+                        <a:schemeClr val="bg1"/>
+                      </a:glow>
+                      <a:outerShdw dist="76200" dir="9000000" algn="tr" rotWithShape="0">
+                        <a:prstClr val="black"/>
+                      </a:outerShdw>
+                    </a:effectLst>
+                    <a:latin typeface="Aharoni" panose="02010803020104030203" pitchFamily="2" charset="-79"/>
+                    <a:cs typeface="Aharoni" panose="02010803020104030203" pitchFamily="2" charset="-79"/>
+                  </a:rPr>
+                  <a:t>ONU</a:t>
+                </a:r>
+                <a:endParaRPr lang="es-MX" sz="18029" dirty="0">
+                  <a:ln w="63500" cap="rnd">
+                    <a:solidFill>
+                      <a:schemeClr val="tx1"/>
+                    </a:solidFill>
+                  </a:ln>
+                  <a:solidFill>
+                    <a:srgbClr val="FFCD2F"/>
+                  </a:solidFill>
+                  <a:effectLst>
+                    <a:glow rad="50800">
+                      <a:schemeClr val="bg1"/>
+                    </a:glow>
+                    <a:outerShdw dist="76200" dir="9000000" algn="tr" rotWithShape="0">
+                      <a:prstClr val="black"/>
+                    </a:outerShdw>
+                  </a:effectLst>
+                  <a:latin typeface="Aharoni" panose="02010803020104030203" pitchFamily="2" charset="-79"/>
+                  <a:cs typeface="Aharoni" panose="02010803020104030203" pitchFamily="2" charset="-79"/>
+                </a:endParaRPr>
+              </a:p>
+            </p:txBody>
+          </p:sp>
+        </p:grpSp>
+        <p:grpSp>
+          <p:nvGrpSpPr>
+            <p:cNvPr id="8" name="Group 7">
+              <a:extLst>
+                <a:ext uri="{FF2B5EF4-FFF2-40B4-BE49-F238E27FC236}">
+                  <a16:creationId xmlns:a16="http://schemas.microsoft.com/office/drawing/2014/main" id="{AEC5F9A4-0567-5926-C6B2-7518A34836B9}"/>
+                </a:ext>
+              </a:extLst>
+            </p:cNvPr>
+            <p:cNvGrpSpPr/>
+            <p:nvPr/>
+          </p:nvGrpSpPr>
+          <p:grpSpPr>
+            <a:xfrm rot="1092642">
+              <a:off x="6863007" y="4229788"/>
+              <a:ext cx="4766001" cy="6515279"/>
+              <a:chOff x="6650266" y="1664814"/>
+              <a:chExt cx="4766001" cy="6515279"/>
+            </a:xfrm>
+          </p:grpSpPr>
+          <p:grpSp>
+            <p:nvGrpSpPr>
+              <p:cNvPr id="15" name="Group 14">
+                <a:extLst>
+                  <a:ext uri="{FF2B5EF4-FFF2-40B4-BE49-F238E27FC236}">
+                    <a16:creationId xmlns:a16="http://schemas.microsoft.com/office/drawing/2014/main" id="{84173D99-12B4-169E-BC12-FFE5A82E02E3}"/>
+                  </a:ext>
+                </a:extLst>
+              </p:cNvPr>
+              <p:cNvGrpSpPr/>
+              <p:nvPr/>
+            </p:nvGrpSpPr>
+            <p:grpSpPr>
+              <a:xfrm>
+                <a:off x="6764311" y="1664814"/>
+                <a:ext cx="4141894" cy="6515279"/>
+                <a:chOff x="5240311" y="1664813"/>
+                <a:chExt cx="4141894" cy="6515279"/>
+              </a:xfrm>
+            </p:grpSpPr>
+            <p:sp>
+              <p:nvSpPr>
+                <p:cNvPr id="17" name="Rectangle: Rounded Corners 16">
+                  <a:extLst>
+                    <a:ext uri="{FF2B5EF4-FFF2-40B4-BE49-F238E27FC236}">
+                      <a16:creationId xmlns:a16="http://schemas.microsoft.com/office/drawing/2014/main" id="{D1F60516-79F3-FB26-B96D-253AA099D7B7}"/>
+                    </a:ext>
+                  </a:extLst>
+                </p:cNvPr>
+                <p:cNvSpPr/>
+                <p:nvPr/>
+              </p:nvSpPr>
+              <p:spPr>
+                <a:xfrm>
+                  <a:off x="5240311" y="1664813"/>
+                  <a:ext cx="4141894" cy="6515279"/>
+                </a:xfrm>
+                <a:prstGeom prst="roundRect">
+                  <a:avLst>
+                    <a:gd name="adj" fmla="val 5050"/>
+                  </a:avLst>
+                </a:prstGeom>
+                <a:solidFill>
+                  <a:schemeClr val="tx1">
+                    <a:lumMod val="85000"/>
+                    <a:lumOff val="15000"/>
+                  </a:schemeClr>
+                </a:solidFill>
+                <a:ln w="254000">
+                  <a:noFill/>
+                </a:ln>
+              </p:spPr>
+              <p:style>
+                <a:lnRef idx="2">
+                  <a:schemeClr val="accent1">
+                    <a:shade val="15000"/>
+                  </a:schemeClr>
+                </a:lnRef>
+                <a:fillRef idx="1">
+                  <a:schemeClr val="accent1"/>
+                </a:fillRef>
+                <a:effectRef idx="0">
+                  <a:schemeClr val="accent1"/>
+                </a:effectRef>
+                <a:fontRef idx="minor">
+                  <a:schemeClr val="lt1"/>
+                </a:fontRef>
+              </p:style>
+              <p:txBody>
+                <a:bodyPr rtlCol="0" anchor="ctr"/>
+                <a:lstStyle/>
+                <a:p>
+                  <a:pPr algn="ctr"/>
+                  <a:endParaRPr lang="es-MX" sz="3298"/>
+                </a:p>
+              </p:txBody>
+            </p:sp>
+            <p:sp>
+              <p:nvSpPr>
+                <p:cNvPr id="18" name="Oval 17">
+                  <a:extLst>
+                    <a:ext uri="{FF2B5EF4-FFF2-40B4-BE49-F238E27FC236}">
+                      <a16:creationId xmlns:a16="http://schemas.microsoft.com/office/drawing/2014/main" id="{A7BC488B-AF19-B805-3115-05FFA563557E}"/>
+                    </a:ext>
+                  </a:extLst>
+                </p:cNvPr>
+                <p:cNvSpPr/>
+                <p:nvPr/>
+              </p:nvSpPr>
+              <p:spPr>
+                <a:xfrm rot="1915889">
+                  <a:off x="5702153" y="1999460"/>
+                  <a:ext cx="3262843" cy="5927847"/>
+                </a:xfrm>
+                <a:prstGeom prst="ellipse">
+                  <a:avLst/>
+                </a:prstGeom>
+                <a:solidFill>
+                  <a:srgbClr val="F71A09"/>
+                </a:solidFill>
+                <a:ln>
+                  <a:noFill/>
+                </a:ln>
+              </p:spPr>
+              <p:style>
+                <a:lnRef idx="2">
+                  <a:schemeClr val="accent1">
+                    <a:shade val="15000"/>
+                  </a:schemeClr>
+                </a:lnRef>
+                <a:fillRef idx="1">
+                  <a:schemeClr val="accent1"/>
+                </a:fillRef>
+                <a:effectRef idx="0">
+                  <a:schemeClr val="accent1"/>
+                </a:effectRef>
+                <a:fontRef idx="minor">
+                  <a:schemeClr val="lt1"/>
+                </a:fontRef>
+              </p:style>
+              <p:txBody>
+                <a:bodyPr rtlCol="0" anchor="ctr"/>
+                <a:lstStyle/>
+                <a:p>
+                  <a:pPr algn="ctr"/>
+                  <a:endParaRPr lang="es-MX" sz="3298"/>
+                </a:p>
+              </p:txBody>
+            </p:sp>
+            <p:sp>
+              <p:nvSpPr>
+                <p:cNvPr id="19" name="Rectangle: Rounded Corners 18">
+                  <a:extLst>
+                    <a:ext uri="{FF2B5EF4-FFF2-40B4-BE49-F238E27FC236}">
+                      <a16:creationId xmlns:a16="http://schemas.microsoft.com/office/drawing/2014/main" id="{1D499A67-1D0F-38EA-0FC3-2877EF1CEAEC}"/>
+                    </a:ext>
+                  </a:extLst>
+                </p:cNvPr>
+                <p:cNvSpPr/>
+                <p:nvPr/>
+              </p:nvSpPr>
+              <p:spPr>
+                <a:xfrm>
+                  <a:off x="5240311" y="1664813"/>
+                  <a:ext cx="4141894" cy="6515279"/>
+                </a:xfrm>
+                <a:prstGeom prst="roundRect">
+                  <a:avLst>
+                    <a:gd name="adj" fmla="val 8121"/>
+                  </a:avLst>
+                </a:prstGeom>
+                <a:noFill/>
+                <a:ln w="254000">
+                  <a:solidFill>
+                    <a:schemeClr val="bg1"/>
+                  </a:solidFill>
+                </a:ln>
+              </p:spPr>
+              <p:style>
+                <a:lnRef idx="2">
+                  <a:schemeClr val="accent1">
+                    <a:shade val="15000"/>
+                  </a:schemeClr>
+                </a:lnRef>
+                <a:fillRef idx="1">
+                  <a:schemeClr val="accent1"/>
+                </a:fillRef>
+                <a:effectRef idx="0">
+                  <a:schemeClr val="accent1"/>
+                </a:effectRef>
+                <a:fontRef idx="minor">
+                  <a:schemeClr val="lt1"/>
+                </a:fontRef>
+              </p:style>
+              <p:txBody>
+                <a:bodyPr rtlCol="0" anchor="ctr"/>
+                <a:lstStyle/>
+                <a:p>
+                  <a:pPr algn="ctr"/>
+                  <a:endParaRPr lang="es-MX" sz="3298"/>
+                </a:p>
+              </p:txBody>
+            </p:sp>
+          </p:grpSp>
+          <p:sp>
+            <p:nvSpPr>
+              <p:cNvPr id="16" name="TextBox 15">
+                <a:extLst>
+                  <a:ext uri="{FF2B5EF4-FFF2-40B4-BE49-F238E27FC236}">
+                    <a16:creationId xmlns:a16="http://schemas.microsoft.com/office/drawing/2014/main" id="{2CF5AC5C-AA6B-D9D9-9813-98B50E6AD6B7}"/>
+                  </a:ext>
+                </a:extLst>
+              </p:cNvPr>
+              <p:cNvSpPr txBox="1"/>
+              <p:nvPr/>
+            </p:nvSpPr>
+            <p:spPr>
+              <a:xfrm rot="20441340">
+                <a:off x="6650266" y="3911801"/>
+                <a:ext cx="4766001" cy="2092714"/>
+              </a:xfrm>
+              <a:prstGeom prst="rect">
+                <a:avLst/>
+              </a:prstGeom>
+              <a:noFill/>
+            </p:spPr>
+            <p:txBody>
+              <a:bodyPr wrap="square" rtlCol="0">
+                <a:spAutoFit/>
+              </a:bodyPr>
+              <a:lstStyle/>
+              <a:p>
+                <a:r>
+                  <a:rPr lang="en-US" sz="18029" dirty="0">
+                    <a:ln w="63500" cap="rnd">
+                      <a:solidFill>
+                        <a:schemeClr val="tx1"/>
+                      </a:solidFill>
+                    </a:ln>
+                    <a:solidFill>
+                      <a:srgbClr val="FFCD2F"/>
+                    </a:solidFill>
+                    <a:effectLst>
+                      <a:glow rad="50800">
+                        <a:schemeClr val="bg1"/>
+                      </a:glow>
+                      <a:outerShdw dist="76200" dir="9000000" algn="tr" rotWithShape="0">
+                        <a:prstClr val="black"/>
+                      </a:outerShdw>
+                    </a:effectLst>
+                    <a:latin typeface="Aharoni" panose="02010803020104030203" pitchFamily="2" charset="-79"/>
+                    <a:cs typeface="Aharoni" panose="02010803020104030203" pitchFamily="2" charset="-79"/>
+                  </a:rPr>
+                  <a:t>ONU</a:t>
+                </a:r>
+                <a:endParaRPr lang="es-MX" sz="18029" dirty="0">
+                  <a:ln w="63500" cap="rnd">
+                    <a:solidFill>
+                      <a:schemeClr val="tx1"/>
+                    </a:solidFill>
+                  </a:ln>
+                  <a:solidFill>
+                    <a:srgbClr val="FFCD2F"/>
+                  </a:solidFill>
+                  <a:effectLst>
+                    <a:glow rad="50800">
+                      <a:schemeClr val="bg1"/>
+                    </a:glow>
+                    <a:outerShdw dist="76200" dir="9000000" algn="tr" rotWithShape="0">
+                      <a:prstClr val="black"/>
+                    </a:outerShdw>
+                  </a:effectLst>
+                  <a:latin typeface="Aharoni" panose="02010803020104030203" pitchFamily="2" charset="-79"/>
+                  <a:cs typeface="Aharoni" panose="02010803020104030203" pitchFamily="2" charset="-79"/>
+                </a:endParaRPr>
+              </a:p>
+            </p:txBody>
+          </p:sp>
+        </p:grpSp>
+        <p:grpSp>
+          <p:nvGrpSpPr>
+            <p:cNvPr id="9" name="Group 8">
+              <a:extLst>
+                <a:ext uri="{FF2B5EF4-FFF2-40B4-BE49-F238E27FC236}">
+                  <a16:creationId xmlns:a16="http://schemas.microsoft.com/office/drawing/2014/main" id="{60491D75-30FC-156D-5DA2-294B008B1B36}"/>
+                </a:ext>
+              </a:extLst>
+            </p:cNvPr>
+            <p:cNvGrpSpPr/>
+            <p:nvPr/>
+          </p:nvGrpSpPr>
+          <p:grpSpPr>
+            <a:xfrm rot="1967284">
+              <a:off x="8194132" y="5032001"/>
+              <a:ext cx="4766001" cy="6515279"/>
+              <a:chOff x="6650267" y="1664814"/>
+              <a:chExt cx="4766001" cy="6515279"/>
+            </a:xfrm>
+          </p:grpSpPr>
+          <p:grpSp>
+            <p:nvGrpSpPr>
+              <p:cNvPr id="10" name="Group 9">
+                <a:extLst>
+                  <a:ext uri="{FF2B5EF4-FFF2-40B4-BE49-F238E27FC236}">
+                    <a16:creationId xmlns:a16="http://schemas.microsoft.com/office/drawing/2014/main" id="{8C2D8F3F-1284-E802-DBC1-7ED752F4B632}"/>
+                  </a:ext>
+                </a:extLst>
+              </p:cNvPr>
+              <p:cNvGrpSpPr/>
+              <p:nvPr/>
+            </p:nvGrpSpPr>
+            <p:grpSpPr>
+              <a:xfrm>
+                <a:off x="6764311" y="1664814"/>
+                <a:ext cx="4141894" cy="6515279"/>
+                <a:chOff x="5240311" y="1664813"/>
+                <a:chExt cx="4141894" cy="6515279"/>
+              </a:xfrm>
+            </p:grpSpPr>
+            <p:sp>
+              <p:nvSpPr>
+                <p:cNvPr id="12" name="Rectangle: Rounded Corners 11">
+                  <a:extLst>
+                    <a:ext uri="{FF2B5EF4-FFF2-40B4-BE49-F238E27FC236}">
+                      <a16:creationId xmlns:a16="http://schemas.microsoft.com/office/drawing/2014/main" id="{45D9F87D-BC78-B51A-06DF-7843EED464C2}"/>
+                    </a:ext>
+                  </a:extLst>
+                </p:cNvPr>
+                <p:cNvSpPr/>
+                <p:nvPr/>
+              </p:nvSpPr>
+              <p:spPr>
+                <a:xfrm>
+                  <a:off x="5240311" y="1664813"/>
+                  <a:ext cx="4141894" cy="6515279"/>
+                </a:xfrm>
+                <a:prstGeom prst="roundRect">
+                  <a:avLst>
+                    <a:gd name="adj" fmla="val 5050"/>
+                  </a:avLst>
+                </a:prstGeom>
+                <a:solidFill>
+                  <a:schemeClr val="tx1">
+                    <a:lumMod val="85000"/>
+                    <a:lumOff val="15000"/>
+                  </a:schemeClr>
+                </a:solidFill>
+                <a:ln w="254000">
+                  <a:noFill/>
+                </a:ln>
+              </p:spPr>
+              <p:style>
+                <a:lnRef idx="2">
+                  <a:schemeClr val="accent1">
+                    <a:shade val="15000"/>
+                  </a:schemeClr>
+                </a:lnRef>
+                <a:fillRef idx="1">
+                  <a:schemeClr val="accent1"/>
+                </a:fillRef>
+                <a:effectRef idx="0">
+                  <a:schemeClr val="accent1"/>
+                </a:effectRef>
+                <a:fontRef idx="minor">
+                  <a:schemeClr val="lt1"/>
+                </a:fontRef>
+              </p:style>
+              <p:txBody>
+                <a:bodyPr rtlCol="0" anchor="ctr"/>
+                <a:lstStyle/>
+                <a:p>
+                  <a:pPr algn="ctr"/>
+                  <a:endParaRPr lang="es-MX" sz="3298"/>
+                </a:p>
+              </p:txBody>
+            </p:sp>
+            <p:sp>
+              <p:nvSpPr>
+                <p:cNvPr id="13" name="Oval 12">
+                  <a:extLst>
+                    <a:ext uri="{FF2B5EF4-FFF2-40B4-BE49-F238E27FC236}">
+                      <a16:creationId xmlns:a16="http://schemas.microsoft.com/office/drawing/2014/main" id="{C5E77EB6-7FFA-F86C-FCFE-29DAD1C904E6}"/>
+                    </a:ext>
+                  </a:extLst>
+                </p:cNvPr>
+                <p:cNvSpPr/>
+                <p:nvPr/>
+              </p:nvSpPr>
+              <p:spPr>
+                <a:xfrm rot="1915889">
+                  <a:off x="5702153" y="1999460"/>
+                  <a:ext cx="3262843" cy="5927847"/>
+                </a:xfrm>
+                <a:prstGeom prst="ellipse">
+                  <a:avLst/>
+                </a:prstGeom>
+                <a:solidFill>
+                  <a:srgbClr val="F71A09"/>
+                </a:solidFill>
+                <a:ln>
+                  <a:noFill/>
+                </a:ln>
+              </p:spPr>
+              <p:style>
+                <a:lnRef idx="2">
+                  <a:schemeClr val="accent1">
+                    <a:shade val="15000"/>
+                  </a:schemeClr>
+                </a:lnRef>
+                <a:fillRef idx="1">
+                  <a:schemeClr val="accent1"/>
+                </a:fillRef>
+                <a:effectRef idx="0">
+                  <a:schemeClr val="accent1"/>
+                </a:effectRef>
+                <a:fontRef idx="minor">
+                  <a:schemeClr val="lt1"/>
+                </a:fontRef>
+              </p:style>
+              <p:txBody>
+                <a:bodyPr rtlCol="0" anchor="ctr"/>
+                <a:lstStyle/>
+                <a:p>
+                  <a:pPr algn="ctr"/>
+                  <a:endParaRPr lang="es-MX" sz="3298"/>
+                </a:p>
+              </p:txBody>
+            </p:sp>
+            <p:sp>
+              <p:nvSpPr>
+                <p:cNvPr id="14" name="Rectangle: Rounded Corners 13">
+                  <a:extLst>
+                    <a:ext uri="{FF2B5EF4-FFF2-40B4-BE49-F238E27FC236}">
+                      <a16:creationId xmlns:a16="http://schemas.microsoft.com/office/drawing/2014/main" id="{2448E865-F119-6C61-9C15-2C31A25DD0E4}"/>
+                    </a:ext>
+                  </a:extLst>
+                </p:cNvPr>
+                <p:cNvSpPr/>
+                <p:nvPr/>
+              </p:nvSpPr>
+              <p:spPr>
+                <a:xfrm>
+                  <a:off x="5240311" y="1664813"/>
+                  <a:ext cx="4141894" cy="6515279"/>
+                </a:xfrm>
+                <a:prstGeom prst="roundRect">
+                  <a:avLst>
+                    <a:gd name="adj" fmla="val 8121"/>
+                  </a:avLst>
+                </a:prstGeom>
+                <a:noFill/>
+                <a:ln w="254000">
+                  <a:solidFill>
+                    <a:schemeClr val="bg1"/>
+                  </a:solidFill>
+                </a:ln>
+              </p:spPr>
+              <p:style>
+                <a:lnRef idx="2">
+                  <a:schemeClr val="accent1">
+                    <a:shade val="15000"/>
+                  </a:schemeClr>
+                </a:lnRef>
+                <a:fillRef idx="1">
+                  <a:schemeClr val="accent1"/>
+                </a:fillRef>
+                <a:effectRef idx="0">
+                  <a:schemeClr val="accent1"/>
+                </a:effectRef>
+                <a:fontRef idx="minor">
+                  <a:schemeClr val="lt1"/>
+                </a:fontRef>
+              </p:style>
+              <p:txBody>
+                <a:bodyPr rtlCol="0" anchor="ctr"/>
+                <a:lstStyle/>
+                <a:p>
+                  <a:pPr algn="ctr"/>
+                  <a:endParaRPr lang="es-MX" sz="3298"/>
+                </a:p>
+              </p:txBody>
+            </p:sp>
+          </p:grpSp>
+          <p:sp>
+            <p:nvSpPr>
+              <p:cNvPr id="11" name="TextBox 10">
+                <a:extLst>
+                  <a:ext uri="{FF2B5EF4-FFF2-40B4-BE49-F238E27FC236}">
+                    <a16:creationId xmlns:a16="http://schemas.microsoft.com/office/drawing/2014/main" id="{72F31286-F687-4CD2-1F48-AD6ABA931FE2}"/>
+                  </a:ext>
+                </a:extLst>
+              </p:cNvPr>
+              <p:cNvSpPr txBox="1"/>
+              <p:nvPr/>
+            </p:nvSpPr>
+            <p:spPr>
+              <a:xfrm rot="20441340">
+                <a:off x="6650267" y="3911801"/>
+                <a:ext cx="4766001" cy="2092714"/>
+              </a:xfrm>
+              <a:prstGeom prst="rect">
+                <a:avLst/>
+              </a:prstGeom>
+              <a:noFill/>
+            </p:spPr>
+            <p:txBody>
+              <a:bodyPr wrap="square" rtlCol="0">
+                <a:spAutoFit/>
+              </a:bodyPr>
+              <a:lstStyle/>
+              <a:p>
+                <a:r>
+                  <a:rPr lang="en-US" sz="18029" dirty="0">
+                    <a:ln w="63500" cap="rnd">
+                      <a:solidFill>
+                        <a:schemeClr val="tx1"/>
+                      </a:solidFill>
+                    </a:ln>
+                    <a:solidFill>
+                      <a:srgbClr val="FFCD2F"/>
+                    </a:solidFill>
+                    <a:effectLst>
+                      <a:glow rad="50800">
+                        <a:schemeClr val="bg1"/>
+                      </a:glow>
+                      <a:outerShdw dist="76200" dir="9000000" algn="tr" rotWithShape="0">
+                        <a:prstClr val="black"/>
+                      </a:outerShdw>
+                    </a:effectLst>
+                    <a:latin typeface="Aharoni" panose="02010803020104030203" pitchFamily="2" charset="-79"/>
+                    <a:cs typeface="Aharoni" panose="02010803020104030203" pitchFamily="2" charset="-79"/>
+                  </a:rPr>
+                  <a:t>ONU</a:t>
+                </a:r>
+                <a:endParaRPr lang="es-MX" sz="18029" dirty="0">
+                  <a:ln w="63500" cap="rnd">
+                    <a:solidFill>
+                      <a:schemeClr val="tx1"/>
+                    </a:solidFill>
+                  </a:ln>
+                  <a:solidFill>
+                    <a:srgbClr val="FFCD2F"/>
+                  </a:solidFill>
+                  <a:effectLst>
+                    <a:glow rad="50800">
+                      <a:schemeClr val="bg1"/>
+                    </a:glow>
+                    <a:outerShdw dist="76200" dir="9000000" algn="tr" rotWithShape="0">
+                      <a:prstClr val="black"/>
+                    </a:outerShdw>
+                  </a:effectLst>
+                  <a:latin typeface="Aharoni" panose="02010803020104030203" pitchFamily="2" charset="-79"/>
+                  <a:cs typeface="Aharoni" panose="02010803020104030203" pitchFamily="2" charset="-79"/>
+                </a:endParaRPr>
+              </a:p>
+            </p:txBody>
+          </p:sp>
+        </p:grpSp>
+      </p:grpSp>
+    </p:spTree>
+    <p:extLst>
+      <p:ext uri="{BB962C8B-B14F-4D97-AF65-F5344CB8AC3E}">
+        <p14:creationId xmlns:p14="http://schemas.microsoft.com/office/powerpoint/2010/main" val="4198696315"/>
+      </p:ext>
+    </p:extLst>
+  </p:cSld>
+  <p:clrMapOvr>
+    <a:masterClrMapping/>
+  </p:clrMapOvr>
+</p:sld>
+</file>
+
 <file path=ppt/theme/theme1.xml><?xml version="1.0" encoding="utf-8"?>
 <a:theme xmlns:a="http://schemas.openxmlformats.org/drawingml/2006/main" name="Office Theme">
   <a:themeElements>
